--- a/presentations/BindsNET_PyTorch_conference_poster.pptx
+++ b/presentations/BindsNET_PyTorch_conference_poster.pptx
@@ -2,7 +2,7 @@
 <file path=ppt/presentation.xml><?xml version="1.0" encoding="utf-8"?>
 <p:presentation xmlns:a="http://schemas.openxmlformats.org/drawingml/2006/main" xmlns:r="http://schemas.openxmlformats.org/officeDocument/2006/relationships" xmlns:p="http://schemas.openxmlformats.org/presentationml/2006/main" saveSubsetFonts="1">
   <p:sldMasterIdLst>
-    <p:sldMasterId id="2147483648" r:id="rId1"/>
+    <p:sldMasterId id="2147483660" r:id="rId1"/>
   </p:sldMasterIdLst>
   <p:notesMasterIdLst>
     <p:notesMasterId r:id="rId3"/>
@@ -13,13 +13,13 @@
   <p:sldIdLst>
     <p:sldId id="256" r:id="rId2"/>
   </p:sldIdLst>
-  <p:sldSz cx="21945600" cy="29260800"/>
+  <p:sldSz cx="22174200" cy="29489400"/>
   <p:notesSz cx="7772400" cy="10058400"/>
   <p:defaultTextStyle>
     <a:defPPr>
       <a:defRPr lang="en-US"/>
     </a:defPPr>
-    <a:lvl1pPr marL="0" algn="l" defTabSz="914400" rtl="0" eaLnBrk="1" latinLnBrk="0" hangingPunct="1">
+    <a:lvl1pPr marL="0" algn="l" defTabSz="457200" rtl="0" eaLnBrk="1" latinLnBrk="0" hangingPunct="1">
       <a:defRPr sz="1800" kern="1200">
         <a:solidFill>
           <a:schemeClr val="tx1"/>
@@ -29,7 +29,7 @@
         <a:cs typeface="+mn-cs"/>
       </a:defRPr>
     </a:lvl1pPr>
-    <a:lvl2pPr marL="457200" algn="l" defTabSz="914400" rtl="0" eaLnBrk="1" latinLnBrk="0" hangingPunct="1">
+    <a:lvl2pPr marL="457200" algn="l" defTabSz="457200" rtl="0" eaLnBrk="1" latinLnBrk="0" hangingPunct="1">
       <a:defRPr sz="1800" kern="1200">
         <a:solidFill>
           <a:schemeClr val="tx1"/>
@@ -39,7 +39,7 @@
         <a:cs typeface="+mn-cs"/>
       </a:defRPr>
     </a:lvl2pPr>
-    <a:lvl3pPr marL="914400" algn="l" defTabSz="914400" rtl="0" eaLnBrk="1" latinLnBrk="0" hangingPunct="1">
+    <a:lvl3pPr marL="914400" algn="l" defTabSz="457200" rtl="0" eaLnBrk="1" latinLnBrk="0" hangingPunct="1">
       <a:defRPr sz="1800" kern="1200">
         <a:solidFill>
           <a:schemeClr val="tx1"/>
@@ -49,7 +49,7 @@
         <a:cs typeface="+mn-cs"/>
       </a:defRPr>
     </a:lvl3pPr>
-    <a:lvl4pPr marL="1371600" algn="l" defTabSz="914400" rtl="0" eaLnBrk="1" latinLnBrk="0" hangingPunct="1">
+    <a:lvl4pPr marL="1371600" algn="l" defTabSz="457200" rtl="0" eaLnBrk="1" latinLnBrk="0" hangingPunct="1">
       <a:defRPr sz="1800" kern="1200">
         <a:solidFill>
           <a:schemeClr val="tx1"/>
@@ -59,7 +59,7 @@
         <a:cs typeface="+mn-cs"/>
       </a:defRPr>
     </a:lvl4pPr>
-    <a:lvl5pPr marL="1828800" algn="l" defTabSz="914400" rtl="0" eaLnBrk="1" latinLnBrk="0" hangingPunct="1">
+    <a:lvl5pPr marL="1828800" algn="l" defTabSz="457200" rtl="0" eaLnBrk="1" latinLnBrk="0" hangingPunct="1">
       <a:defRPr sz="1800" kern="1200">
         <a:solidFill>
           <a:schemeClr val="tx1"/>
@@ -69,7 +69,7 @@
         <a:cs typeface="+mn-cs"/>
       </a:defRPr>
     </a:lvl5pPr>
-    <a:lvl6pPr marL="2286000" algn="l" defTabSz="914400" rtl="0" eaLnBrk="1" latinLnBrk="0" hangingPunct="1">
+    <a:lvl6pPr marL="2286000" algn="l" defTabSz="457200" rtl="0" eaLnBrk="1" latinLnBrk="0" hangingPunct="1">
       <a:defRPr sz="1800" kern="1200">
         <a:solidFill>
           <a:schemeClr val="tx1"/>
@@ -79,7 +79,7 @@
         <a:cs typeface="+mn-cs"/>
       </a:defRPr>
     </a:lvl6pPr>
-    <a:lvl7pPr marL="2743200" algn="l" defTabSz="914400" rtl="0" eaLnBrk="1" latinLnBrk="0" hangingPunct="1">
+    <a:lvl7pPr marL="2743200" algn="l" defTabSz="457200" rtl="0" eaLnBrk="1" latinLnBrk="0" hangingPunct="1">
       <a:defRPr sz="1800" kern="1200">
         <a:solidFill>
           <a:schemeClr val="tx1"/>
@@ -89,7 +89,7 @@
         <a:cs typeface="+mn-cs"/>
       </a:defRPr>
     </a:lvl7pPr>
-    <a:lvl8pPr marL="3200400" algn="l" defTabSz="914400" rtl="0" eaLnBrk="1" latinLnBrk="0" hangingPunct="1">
+    <a:lvl8pPr marL="3200400" algn="l" defTabSz="457200" rtl="0" eaLnBrk="1" latinLnBrk="0" hangingPunct="1">
       <a:defRPr sz="1800" kern="1200">
         <a:solidFill>
           <a:schemeClr val="tx1"/>
@@ -99,7 +99,7 @@
         <a:cs typeface="+mn-cs"/>
       </a:defRPr>
     </a:lvl8pPr>
-    <a:lvl9pPr marL="3657600" algn="l" defTabSz="914400" rtl="0" eaLnBrk="1" latinLnBrk="0" hangingPunct="1">
+    <a:lvl9pPr marL="3657600" algn="l" defTabSz="457200" rtl="0" eaLnBrk="1" latinLnBrk="0" hangingPunct="1">
       <a:defRPr sz="1800" kern="1200">
         <a:solidFill>
           <a:schemeClr val="tx1"/>
@@ -110,6 +110,11 @@
       </a:defRPr>
     </a:lvl9pPr>
   </p:defaultTextStyle>
+  <p:extLst>
+    <p:ext uri="{EFAFB233-063F-42B5-8137-9DF3F51BA10A}">
+      <p15:sldGuideLst xmlns:p15="http://schemas.microsoft.com/office/powerpoint/2012/main"/>
+    </p:ext>
+  </p:extLst>
 </p:presentation>
 </file>
 
@@ -430,8 +435,8 @@
         </p:nvSpPr>
         <p:spPr>
           <a:xfrm>
-            <a:off x="1371599" y="764280"/>
-            <a:ext cx="5028480" cy="3771360"/>
+            <a:off x="2468563" y="763588"/>
+            <a:ext cx="2835275" cy="3771900"/>
           </a:xfrm>
           <a:prstGeom prst="rect">
             <a:avLst/>
@@ -692,9 +697,9 @@
   </p:cSld>
   <p:clrMap bg1="lt1" tx1="dk1" bg2="lt2" tx2="dk2" accent1="accent1" accent2="accent2" accent3="accent3" accent4="accent4" accent5="accent5" accent6="accent6" hlink="hlink" folHlink="folHlink"/>
   <p:notesStyle>
-    <a:lvl1pPr marL="216000" marR="0" indent="-216000" rtl="0" hangingPunct="0">
+    <a:lvl1pPr marL="217922" marR="0" indent="-217922" rtl="0" hangingPunct="0">
       <a:tabLst/>
-      <a:defRPr lang="en-US" sz="2000" b="0" i="0" u="none" strike="noStrike" kern="1200" cap="none">
+      <a:defRPr lang="en-US" sz="2018" b="0" i="0" u="none" strike="noStrike" kern="1200" cap="none">
         <a:ln>
           <a:noFill/>
         </a:ln>
@@ -706,8 +711,8 @@
         <a:latin typeface="Liberation Sans" pitchFamily="18"/>
       </a:defRPr>
     </a:lvl1pPr>
-    <a:lvl2pPr marL="457200" algn="l" defTabSz="914400" rtl="0" eaLnBrk="1" latinLnBrk="0" hangingPunct="1">
-      <a:defRPr sz="1200" kern="1200">
+    <a:lvl2pPr marL="461269" algn="l" defTabSz="922538" rtl="0" eaLnBrk="1" latinLnBrk="0" hangingPunct="1">
+      <a:defRPr sz="1211" kern="1200">
         <a:solidFill>
           <a:schemeClr val="tx1"/>
         </a:solidFill>
@@ -716,8 +721,8 @@
         <a:cs typeface="+mn-cs"/>
       </a:defRPr>
     </a:lvl2pPr>
-    <a:lvl3pPr marL="914400" algn="l" defTabSz="914400" rtl="0" eaLnBrk="1" latinLnBrk="0" hangingPunct="1">
-      <a:defRPr sz="1200" kern="1200">
+    <a:lvl3pPr marL="922538" algn="l" defTabSz="922538" rtl="0" eaLnBrk="1" latinLnBrk="0" hangingPunct="1">
+      <a:defRPr sz="1211" kern="1200">
         <a:solidFill>
           <a:schemeClr val="tx1"/>
         </a:solidFill>
@@ -726,8 +731,8 @@
         <a:cs typeface="+mn-cs"/>
       </a:defRPr>
     </a:lvl3pPr>
-    <a:lvl4pPr marL="1371600" algn="l" defTabSz="914400" rtl="0" eaLnBrk="1" latinLnBrk="0" hangingPunct="1">
-      <a:defRPr sz="1200" kern="1200">
+    <a:lvl4pPr marL="1383807" algn="l" defTabSz="922538" rtl="0" eaLnBrk="1" latinLnBrk="0" hangingPunct="1">
+      <a:defRPr sz="1211" kern="1200">
         <a:solidFill>
           <a:schemeClr val="tx1"/>
         </a:solidFill>
@@ -736,8 +741,8 @@
         <a:cs typeface="+mn-cs"/>
       </a:defRPr>
     </a:lvl4pPr>
-    <a:lvl5pPr marL="1828800" algn="l" defTabSz="914400" rtl="0" eaLnBrk="1" latinLnBrk="0" hangingPunct="1">
-      <a:defRPr sz="1200" kern="1200">
+    <a:lvl5pPr marL="1845076" algn="l" defTabSz="922538" rtl="0" eaLnBrk="1" latinLnBrk="0" hangingPunct="1">
+      <a:defRPr sz="1211" kern="1200">
         <a:solidFill>
           <a:schemeClr val="tx1"/>
         </a:solidFill>
@@ -746,8 +751,8 @@
         <a:cs typeface="+mn-cs"/>
       </a:defRPr>
     </a:lvl5pPr>
-    <a:lvl6pPr marL="2286000" algn="l" defTabSz="914400" rtl="0" eaLnBrk="1" latinLnBrk="0" hangingPunct="1">
-      <a:defRPr sz="1200" kern="1200">
+    <a:lvl6pPr marL="2306345" algn="l" defTabSz="922538" rtl="0" eaLnBrk="1" latinLnBrk="0" hangingPunct="1">
+      <a:defRPr sz="1211" kern="1200">
         <a:solidFill>
           <a:schemeClr val="tx1"/>
         </a:solidFill>
@@ -756,8 +761,8 @@
         <a:cs typeface="+mn-cs"/>
       </a:defRPr>
     </a:lvl6pPr>
-    <a:lvl7pPr marL="2743200" algn="l" defTabSz="914400" rtl="0" eaLnBrk="1" latinLnBrk="0" hangingPunct="1">
-      <a:defRPr sz="1200" kern="1200">
+    <a:lvl7pPr marL="2767614" algn="l" defTabSz="922538" rtl="0" eaLnBrk="1" latinLnBrk="0" hangingPunct="1">
+      <a:defRPr sz="1211" kern="1200">
         <a:solidFill>
           <a:schemeClr val="tx1"/>
         </a:solidFill>
@@ -766,8 +771,8 @@
         <a:cs typeface="+mn-cs"/>
       </a:defRPr>
     </a:lvl7pPr>
-    <a:lvl8pPr marL="3200400" algn="l" defTabSz="914400" rtl="0" eaLnBrk="1" latinLnBrk="0" hangingPunct="1">
-      <a:defRPr sz="1200" kern="1200">
+    <a:lvl8pPr marL="3228884" algn="l" defTabSz="922538" rtl="0" eaLnBrk="1" latinLnBrk="0" hangingPunct="1">
+      <a:defRPr sz="1211" kern="1200">
         <a:solidFill>
           <a:schemeClr val="tx1"/>
         </a:solidFill>
@@ -776,8 +781,8 @@
         <a:cs typeface="+mn-cs"/>
       </a:defRPr>
     </a:lvl8pPr>
-    <a:lvl9pPr marL="3657600" algn="l" defTabSz="914400" rtl="0" eaLnBrk="1" latinLnBrk="0" hangingPunct="1">
-      <a:defRPr sz="1200" kern="1200">
+    <a:lvl9pPr marL="3690153" algn="l" defTabSz="922538" rtl="0" eaLnBrk="1" latinLnBrk="0" hangingPunct="1">
+      <a:defRPr sz="1211" kern="1200">
         <a:solidFill>
           <a:schemeClr val="tx1"/>
         </a:solidFill>
@@ -858,8 +863,8 @@
         </p:nvSpPr>
         <p:spPr>
           <a:xfrm>
-            <a:off x="2471738" y="763588"/>
-            <a:ext cx="2828925" cy="3771900"/>
+            <a:off x="2468563" y="763588"/>
+            <a:ext cx="2835275" cy="3771900"/>
           </a:xfrm>
           <a:solidFill>
             <a:srgbClr val="729FCF"/>
@@ -926,13 +931,7 @@
       </p:grpSpPr>
       <p:sp>
         <p:nvSpPr>
-          <p:cNvPr id="2" name="Title 1">
-            <a:extLst>
-              <a:ext uri="{FF2B5EF4-FFF2-40B4-BE49-F238E27FC236}">
-                <a16:creationId xmlns:a16="http://schemas.microsoft.com/office/drawing/2014/main" id="{3D3A1872-5062-4DEC-9C74-3252A5CDC7CA}"/>
-              </a:ext>
-            </a:extLst>
-          </p:cNvPr>
+          <p:cNvPr id="2" name="Title 1"/>
           <p:cNvSpPr>
             <a:spLocks noGrp="1"/>
           </p:cNvSpPr>
@@ -942,15 +941,15 @@
         </p:nvSpPr>
         <p:spPr>
           <a:xfrm>
-            <a:off x="2743200" y="4789488"/>
-            <a:ext cx="16459200" cy="10186987"/>
+            <a:off x="1663065" y="4826161"/>
+            <a:ext cx="18848070" cy="10266680"/>
           </a:xfrm>
         </p:spPr>
         <p:txBody>
           <a:bodyPr anchor="b"/>
           <a:lstStyle>
             <a:lvl1pPr algn="ctr">
-              <a:defRPr sz="6000"/>
+              <a:defRPr sz="14550"/>
             </a:lvl1pPr>
           </a:lstStyle>
           <a:p>
@@ -958,18 +957,13 @@
               <a:rPr lang="en-US"/>
               <a:t>Click to edit Master title style</a:t>
             </a:r>
-          </a:p>
-        </p:txBody>
-      </p:sp>
-      <p:sp>
-        <p:nvSpPr>
-          <p:cNvPr id="3" name="Subtitle 2">
-            <a:extLst>
-              <a:ext uri="{FF2B5EF4-FFF2-40B4-BE49-F238E27FC236}">
-                <a16:creationId xmlns:a16="http://schemas.microsoft.com/office/drawing/2014/main" id="{9FEEA62E-5E29-4670-BDE7-A8A5AFB7E0C6}"/>
-              </a:ext>
-            </a:extLst>
-          </p:cNvPr>
+            <a:endParaRPr lang="en-US" dirty="0"/>
+          </a:p>
+        </p:txBody>
+      </p:sp>
+      <p:sp>
+        <p:nvSpPr>
+          <p:cNvPr id="3" name="Subtitle 2"/>
           <p:cNvSpPr>
             <a:spLocks noGrp="1"/>
           </p:cNvSpPr>
@@ -979,8 +973,8 @@
         </p:nvSpPr>
         <p:spPr>
           <a:xfrm>
-            <a:off x="2743200" y="15368588"/>
-            <a:ext cx="16459200" cy="7064375"/>
+            <a:off x="2771775" y="15488763"/>
+            <a:ext cx="16630650" cy="7119777"/>
           </a:xfrm>
         </p:spPr>
         <p:txBody>
@@ -988,39 +982,39 @@
           <a:lstStyle>
             <a:lvl1pPr marL="0" indent="0" algn="ctr">
               <a:buNone/>
-              <a:defRPr sz="2400"/>
+              <a:defRPr sz="5820"/>
             </a:lvl1pPr>
-            <a:lvl2pPr marL="457200" indent="0" algn="ctr">
+            <a:lvl2pPr marL="1108710" indent="0" algn="ctr">
               <a:buNone/>
-              <a:defRPr sz="2000"/>
+              <a:defRPr sz="4850"/>
             </a:lvl2pPr>
-            <a:lvl3pPr marL="914400" indent="0" algn="ctr">
+            <a:lvl3pPr marL="2217420" indent="0" algn="ctr">
               <a:buNone/>
-              <a:defRPr sz="1800"/>
+              <a:defRPr sz="4365"/>
             </a:lvl3pPr>
-            <a:lvl4pPr marL="1371600" indent="0" algn="ctr">
+            <a:lvl4pPr marL="3326130" indent="0" algn="ctr">
               <a:buNone/>
-              <a:defRPr sz="1600"/>
+              <a:defRPr sz="3880"/>
             </a:lvl4pPr>
-            <a:lvl5pPr marL="1828800" indent="0" algn="ctr">
+            <a:lvl5pPr marL="4434840" indent="0" algn="ctr">
               <a:buNone/>
-              <a:defRPr sz="1600"/>
+              <a:defRPr sz="3880"/>
             </a:lvl5pPr>
-            <a:lvl6pPr marL="2286000" indent="0" algn="ctr">
+            <a:lvl6pPr marL="5543550" indent="0" algn="ctr">
               <a:buNone/>
-              <a:defRPr sz="1600"/>
+              <a:defRPr sz="3880"/>
             </a:lvl6pPr>
-            <a:lvl7pPr marL="2743200" indent="0" algn="ctr">
+            <a:lvl7pPr marL="6652260" indent="0" algn="ctr">
               <a:buNone/>
-              <a:defRPr sz="1600"/>
+              <a:defRPr sz="3880"/>
             </a:lvl7pPr>
-            <a:lvl8pPr marL="3200400" indent="0" algn="ctr">
+            <a:lvl8pPr marL="7760970" indent="0" algn="ctr">
               <a:buNone/>
-              <a:defRPr sz="1600"/>
+              <a:defRPr sz="3880"/>
             </a:lvl8pPr>
-            <a:lvl9pPr marL="3657600" indent="0" algn="ctr">
+            <a:lvl9pPr marL="8869680" indent="0" algn="ctr">
               <a:buNone/>
-              <a:defRPr sz="1600"/>
+              <a:defRPr sz="3880"/>
             </a:lvl9pPr>
           </a:lstStyle>
           <a:p>
@@ -1028,18 +1022,13 @@
               <a:rPr lang="en-US"/>
               <a:t>Click to edit Master subtitle style</a:t>
             </a:r>
-          </a:p>
-        </p:txBody>
-      </p:sp>
-      <p:sp>
-        <p:nvSpPr>
-          <p:cNvPr id="4" name="Date Placeholder 3">
-            <a:extLst>
-              <a:ext uri="{FF2B5EF4-FFF2-40B4-BE49-F238E27FC236}">
-                <a16:creationId xmlns:a16="http://schemas.microsoft.com/office/drawing/2014/main" id="{53BF6A93-741F-4900-BF7F-4DE792886BAF}"/>
-              </a:ext>
-            </a:extLst>
-          </p:cNvPr>
+            <a:endParaRPr lang="en-US" dirty="0"/>
+          </a:p>
+        </p:txBody>
+      </p:sp>
+      <p:sp>
+        <p:nvSpPr>
+          <p:cNvPr id="4" name="Date Placeholder 3"/>
           <p:cNvSpPr>
             <a:spLocks noGrp="1"/>
           </p:cNvSpPr>
@@ -1059,13 +1048,7 @@
       </p:sp>
       <p:sp>
         <p:nvSpPr>
-          <p:cNvPr id="5" name="Footer Placeholder 4">
-            <a:extLst>
-              <a:ext uri="{FF2B5EF4-FFF2-40B4-BE49-F238E27FC236}">
-                <a16:creationId xmlns:a16="http://schemas.microsoft.com/office/drawing/2014/main" id="{44297390-A4D1-4193-AF00-B451F3A386F3}"/>
-              </a:ext>
-            </a:extLst>
-          </p:cNvPr>
+          <p:cNvPr id="5" name="Footer Placeholder 4"/>
           <p:cNvSpPr>
             <a:spLocks noGrp="1"/>
           </p:cNvSpPr>
@@ -1085,13 +1068,7 @@
       </p:sp>
       <p:sp>
         <p:nvSpPr>
-          <p:cNvPr id="6" name="Slide Number Placeholder 5">
-            <a:extLst>
-              <a:ext uri="{FF2B5EF4-FFF2-40B4-BE49-F238E27FC236}">
-                <a16:creationId xmlns:a16="http://schemas.microsoft.com/office/drawing/2014/main" id="{F870841F-8F44-4D01-8200-E0DE71F1841A}"/>
-              </a:ext>
-            </a:extLst>
-          </p:cNvPr>
+          <p:cNvPr id="6" name="Slide Number Placeholder 5"/>
           <p:cNvSpPr>
             <a:spLocks noGrp="1"/>
           </p:cNvSpPr>
@@ -1106,6 +1083,7 @@
           <a:p>
             <a:pPr lvl="0"/>
             <a:fld id="{62DA6FB5-F915-486F-8466-F5B7C96FAE5E}" type="slidenum">
+              <a:rPr lang="en-US" smtClean="0"/>
               <a:t>‹#›</a:t>
             </a:fld>
             <a:endParaRPr lang="en-US"/>
@@ -1115,7 +1093,7 @@
     </p:spTree>
     <p:extLst>
       <p:ext uri="{BB962C8B-B14F-4D97-AF65-F5344CB8AC3E}">
-        <p14:creationId xmlns:p14="http://schemas.microsoft.com/office/powerpoint/2010/main" val="16927984"/>
+        <p14:creationId xmlns:p14="http://schemas.microsoft.com/office/powerpoint/2010/main" val="3561154064"/>
       </p:ext>
     </p:extLst>
   </p:cSld>
@@ -1144,13 +1122,7 @@
       </p:grpSpPr>
       <p:sp>
         <p:nvSpPr>
-          <p:cNvPr id="2" name="Title 1">
-            <a:extLst>
-              <a:ext uri="{FF2B5EF4-FFF2-40B4-BE49-F238E27FC236}">
-                <a16:creationId xmlns:a16="http://schemas.microsoft.com/office/drawing/2014/main" id="{C6CB90F7-9B8A-4B0A-8943-B46612ED1502}"/>
-              </a:ext>
-            </a:extLst>
-          </p:cNvPr>
+          <p:cNvPr id="2" name="Title 1"/>
           <p:cNvSpPr>
             <a:spLocks noGrp="1"/>
           </p:cNvSpPr>
@@ -1167,18 +1139,13 @@
               <a:rPr lang="en-US"/>
               <a:t>Click to edit Master title style</a:t>
             </a:r>
-          </a:p>
-        </p:txBody>
-      </p:sp>
-      <p:sp>
-        <p:nvSpPr>
-          <p:cNvPr id="3" name="Vertical Text Placeholder 2">
-            <a:extLst>
-              <a:ext uri="{FF2B5EF4-FFF2-40B4-BE49-F238E27FC236}">
-                <a16:creationId xmlns:a16="http://schemas.microsoft.com/office/drawing/2014/main" id="{4B5B5079-3858-4081-B24C-4531BC15153D}"/>
-              </a:ext>
-            </a:extLst>
-          </p:cNvPr>
+            <a:endParaRPr lang="en-US" dirty="0"/>
+          </a:p>
+        </p:txBody>
+      </p:sp>
+      <p:sp>
+        <p:nvSpPr>
+          <p:cNvPr id="3" name="Vertical Text Placeholder 2"/>
           <p:cNvSpPr>
             <a:spLocks noGrp="1"/>
           </p:cNvSpPr>
@@ -1224,18 +1191,13 @@
               <a:rPr lang="en-US"/>
               <a:t>Fifth level</a:t>
             </a:r>
-          </a:p>
-        </p:txBody>
-      </p:sp>
-      <p:sp>
-        <p:nvSpPr>
-          <p:cNvPr id="4" name="Date Placeholder 3">
-            <a:extLst>
-              <a:ext uri="{FF2B5EF4-FFF2-40B4-BE49-F238E27FC236}">
-                <a16:creationId xmlns:a16="http://schemas.microsoft.com/office/drawing/2014/main" id="{48F22EF1-A0B3-4E65-BD96-1F07191AA457}"/>
-              </a:ext>
-            </a:extLst>
-          </p:cNvPr>
+            <a:endParaRPr lang="en-US" dirty="0"/>
+          </a:p>
+        </p:txBody>
+      </p:sp>
+      <p:sp>
+        <p:nvSpPr>
+          <p:cNvPr id="4" name="Date Placeholder 3"/>
           <p:cNvSpPr>
             <a:spLocks noGrp="1"/>
           </p:cNvSpPr>
@@ -1255,13 +1217,7 @@
       </p:sp>
       <p:sp>
         <p:nvSpPr>
-          <p:cNvPr id="5" name="Footer Placeholder 4">
-            <a:extLst>
-              <a:ext uri="{FF2B5EF4-FFF2-40B4-BE49-F238E27FC236}">
-                <a16:creationId xmlns:a16="http://schemas.microsoft.com/office/drawing/2014/main" id="{382BA53A-B71F-4D0A-AD52-687204428754}"/>
-              </a:ext>
-            </a:extLst>
-          </p:cNvPr>
+          <p:cNvPr id="5" name="Footer Placeholder 4"/>
           <p:cNvSpPr>
             <a:spLocks noGrp="1"/>
           </p:cNvSpPr>
@@ -1281,13 +1237,7 @@
       </p:sp>
       <p:sp>
         <p:nvSpPr>
-          <p:cNvPr id="6" name="Slide Number Placeholder 5">
-            <a:extLst>
-              <a:ext uri="{FF2B5EF4-FFF2-40B4-BE49-F238E27FC236}">
-                <a16:creationId xmlns:a16="http://schemas.microsoft.com/office/drawing/2014/main" id="{9677EAAD-2A5E-4D89-ABA8-CE8196B220FB}"/>
-              </a:ext>
-            </a:extLst>
-          </p:cNvPr>
+          <p:cNvPr id="6" name="Slide Number Placeholder 5"/>
           <p:cNvSpPr>
             <a:spLocks noGrp="1"/>
           </p:cNvSpPr>
@@ -1302,6 +1252,7 @@
           <a:p>
             <a:pPr lvl="0"/>
             <a:fld id="{B9CCD88E-D43C-4F04-A533-5A220DA3B8E6}" type="slidenum">
+              <a:rPr lang="en-US" smtClean="0"/>
               <a:t>‹#›</a:t>
             </a:fld>
             <a:endParaRPr lang="en-US"/>
@@ -1311,7 +1262,7 @@
     </p:spTree>
     <p:extLst>
       <p:ext uri="{BB962C8B-B14F-4D97-AF65-F5344CB8AC3E}">
-        <p14:creationId xmlns:p14="http://schemas.microsoft.com/office/powerpoint/2010/main" val="2174506328"/>
+        <p14:creationId xmlns:p14="http://schemas.microsoft.com/office/powerpoint/2010/main" val="1090221073"/>
       </p:ext>
     </p:extLst>
   </p:cSld>
@@ -1340,13 +1291,7 @@
       </p:grpSpPr>
       <p:sp>
         <p:nvSpPr>
-          <p:cNvPr id="2" name="Vertical Title 1">
-            <a:extLst>
-              <a:ext uri="{FF2B5EF4-FFF2-40B4-BE49-F238E27FC236}">
-                <a16:creationId xmlns:a16="http://schemas.microsoft.com/office/drawing/2014/main" id="{BB30DA70-3F3D-4270-BE4C-2621C2CD4B38}"/>
-              </a:ext>
-            </a:extLst>
-          </p:cNvPr>
+          <p:cNvPr id="2" name="Vertical Title 1"/>
           <p:cNvSpPr>
             <a:spLocks noGrp="1"/>
           </p:cNvSpPr>
@@ -1356,8 +1301,8 @@
         </p:nvSpPr>
         <p:spPr>
           <a:xfrm>
-            <a:off x="15909925" y="1165225"/>
-            <a:ext cx="4937125" cy="22650450"/>
+            <a:off x="15868413" y="1570038"/>
+            <a:ext cx="4781312" cy="24990903"/>
           </a:xfrm>
         </p:spPr>
         <p:txBody>
@@ -1368,18 +1313,13 @@
               <a:rPr lang="en-US"/>
               <a:t>Click to edit Master title style</a:t>
             </a:r>
-          </a:p>
-        </p:txBody>
-      </p:sp>
-      <p:sp>
-        <p:nvSpPr>
-          <p:cNvPr id="3" name="Vertical Text Placeholder 2">
-            <a:extLst>
-              <a:ext uri="{FF2B5EF4-FFF2-40B4-BE49-F238E27FC236}">
-                <a16:creationId xmlns:a16="http://schemas.microsoft.com/office/drawing/2014/main" id="{CF629E73-CDD4-4880-B170-F849134E453F}"/>
-              </a:ext>
-            </a:extLst>
-          </p:cNvPr>
+            <a:endParaRPr lang="en-US" dirty="0"/>
+          </a:p>
+        </p:txBody>
+      </p:sp>
+      <p:sp>
+        <p:nvSpPr>
+          <p:cNvPr id="3" name="Vertical Text Placeholder 2"/>
           <p:cNvSpPr>
             <a:spLocks noGrp="1"/>
           </p:cNvSpPr>
@@ -1389,8 +1329,8 @@
         </p:nvSpPr>
         <p:spPr>
           <a:xfrm>
-            <a:off x="1096963" y="1165225"/>
-            <a:ext cx="14660562" cy="22650450"/>
+            <a:off x="1524478" y="1570038"/>
+            <a:ext cx="14066758" cy="24990903"/>
           </a:xfrm>
         </p:spPr>
         <p:txBody>
@@ -1430,18 +1370,13 @@
               <a:rPr lang="en-US"/>
               <a:t>Fifth level</a:t>
             </a:r>
-          </a:p>
-        </p:txBody>
-      </p:sp>
-      <p:sp>
-        <p:nvSpPr>
-          <p:cNvPr id="4" name="Date Placeholder 3">
-            <a:extLst>
-              <a:ext uri="{FF2B5EF4-FFF2-40B4-BE49-F238E27FC236}">
-                <a16:creationId xmlns:a16="http://schemas.microsoft.com/office/drawing/2014/main" id="{FA51F467-3E7B-474E-A4E8-BF82AAF08C74}"/>
-              </a:ext>
-            </a:extLst>
-          </p:cNvPr>
+            <a:endParaRPr lang="en-US" dirty="0"/>
+          </a:p>
+        </p:txBody>
+      </p:sp>
+      <p:sp>
+        <p:nvSpPr>
+          <p:cNvPr id="4" name="Date Placeholder 3"/>
           <p:cNvSpPr>
             <a:spLocks noGrp="1"/>
           </p:cNvSpPr>
@@ -1461,13 +1396,7 @@
       </p:sp>
       <p:sp>
         <p:nvSpPr>
-          <p:cNvPr id="5" name="Footer Placeholder 4">
-            <a:extLst>
-              <a:ext uri="{FF2B5EF4-FFF2-40B4-BE49-F238E27FC236}">
-                <a16:creationId xmlns:a16="http://schemas.microsoft.com/office/drawing/2014/main" id="{1DC45C09-D491-4918-BA50-BBDC246CC5B4}"/>
-              </a:ext>
-            </a:extLst>
-          </p:cNvPr>
+          <p:cNvPr id="5" name="Footer Placeholder 4"/>
           <p:cNvSpPr>
             <a:spLocks noGrp="1"/>
           </p:cNvSpPr>
@@ -1487,13 +1416,7 @@
       </p:sp>
       <p:sp>
         <p:nvSpPr>
-          <p:cNvPr id="6" name="Slide Number Placeholder 5">
-            <a:extLst>
-              <a:ext uri="{FF2B5EF4-FFF2-40B4-BE49-F238E27FC236}">
-                <a16:creationId xmlns:a16="http://schemas.microsoft.com/office/drawing/2014/main" id="{B576CFFD-0F89-4A94-B98B-75144FA1FBBF}"/>
-              </a:ext>
-            </a:extLst>
-          </p:cNvPr>
+          <p:cNvPr id="6" name="Slide Number Placeholder 5"/>
           <p:cNvSpPr>
             <a:spLocks noGrp="1"/>
           </p:cNvSpPr>
@@ -1508,6 +1431,7 @@
           <a:p>
             <a:pPr lvl="0"/>
             <a:fld id="{BDEFF917-2E24-494C-8E2F-98ABA903A01B}" type="slidenum">
+              <a:rPr lang="en-US" smtClean="0"/>
               <a:t>‹#›</a:t>
             </a:fld>
             <a:endParaRPr lang="en-US"/>
@@ -1517,7 +1441,7 @@
     </p:spTree>
     <p:extLst>
       <p:ext uri="{BB962C8B-B14F-4D97-AF65-F5344CB8AC3E}">
-        <p14:creationId xmlns:p14="http://schemas.microsoft.com/office/powerpoint/2010/main" val="4293053330"/>
+        <p14:creationId xmlns:p14="http://schemas.microsoft.com/office/powerpoint/2010/main" val="825280542"/>
       </p:ext>
     </p:extLst>
   </p:cSld>
@@ -1546,13 +1470,7 @@
       </p:grpSpPr>
       <p:sp>
         <p:nvSpPr>
-          <p:cNvPr id="2" name="Title 1">
-            <a:extLst>
-              <a:ext uri="{FF2B5EF4-FFF2-40B4-BE49-F238E27FC236}">
-                <a16:creationId xmlns:a16="http://schemas.microsoft.com/office/drawing/2014/main" id="{B4633D40-D110-47CC-85BC-855703F8CDDE}"/>
-              </a:ext>
-            </a:extLst>
-          </p:cNvPr>
+          <p:cNvPr id="2" name="Title 1"/>
           <p:cNvSpPr>
             <a:spLocks noGrp="1"/>
           </p:cNvSpPr>
@@ -1569,18 +1487,13 @@
               <a:rPr lang="en-US"/>
               <a:t>Click to edit Master title style</a:t>
             </a:r>
-          </a:p>
-        </p:txBody>
-      </p:sp>
-      <p:sp>
-        <p:nvSpPr>
-          <p:cNvPr id="3" name="Content Placeholder 2">
-            <a:extLst>
-              <a:ext uri="{FF2B5EF4-FFF2-40B4-BE49-F238E27FC236}">
-                <a16:creationId xmlns:a16="http://schemas.microsoft.com/office/drawing/2014/main" id="{05E4E54E-F328-4EC2-92F5-CECEF1CBEE91}"/>
-              </a:ext>
-            </a:extLst>
-          </p:cNvPr>
+            <a:endParaRPr lang="en-US" dirty="0"/>
+          </a:p>
+        </p:txBody>
+      </p:sp>
+      <p:sp>
+        <p:nvSpPr>
+          <p:cNvPr id="3" name="Content Placeholder 2"/>
           <p:cNvSpPr>
             <a:spLocks noGrp="1"/>
           </p:cNvSpPr>
@@ -1626,18 +1539,13 @@
               <a:rPr lang="en-US"/>
               <a:t>Fifth level</a:t>
             </a:r>
-          </a:p>
-        </p:txBody>
-      </p:sp>
-      <p:sp>
-        <p:nvSpPr>
-          <p:cNvPr id="4" name="Date Placeholder 3">
-            <a:extLst>
-              <a:ext uri="{FF2B5EF4-FFF2-40B4-BE49-F238E27FC236}">
-                <a16:creationId xmlns:a16="http://schemas.microsoft.com/office/drawing/2014/main" id="{52939121-4E06-468A-AE3E-FF4B61AD3D19}"/>
-              </a:ext>
-            </a:extLst>
-          </p:cNvPr>
+            <a:endParaRPr lang="en-US" dirty="0"/>
+          </a:p>
+        </p:txBody>
+      </p:sp>
+      <p:sp>
+        <p:nvSpPr>
+          <p:cNvPr id="4" name="Date Placeholder 3"/>
           <p:cNvSpPr>
             <a:spLocks noGrp="1"/>
           </p:cNvSpPr>
@@ -1657,13 +1565,7 @@
       </p:sp>
       <p:sp>
         <p:nvSpPr>
-          <p:cNvPr id="5" name="Footer Placeholder 4">
-            <a:extLst>
-              <a:ext uri="{FF2B5EF4-FFF2-40B4-BE49-F238E27FC236}">
-                <a16:creationId xmlns:a16="http://schemas.microsoft.com/office/drawing/2014/main" id="{8A743BD0-5BD8-4C7F-85A9-2B3FEBFEBC3C}"/>
-              </a:ext>
-            </a:extLst>
-          </p:cNvPr>
+          <p:cNvPr id="5" name="Footer Placeholder 4"/>
           <p:cNvSpPr>
             <a:spLocks noGrp="1"/>
           </p:cNvSpPr>
@@ -1683,13 +1585,7 @@
       </p:sp>
       <p:sp>
         <p:nvSpPr>
-          <p:cNvPr id="6" name="Slide Number Placeholder 5">
-            <a:extLst>
-              <a:ext uri="{FF2B5EF4-FFF2-40B4-BE49-F238E27FC236}">
-                <a16:creationId xmlns:a16="http://schemas.microsoft.com/office/drawing/2014/main" id="{F9EAF2E7-4609-448C-BB6B-0F6704386E5A}"/>
-              </a:ext>
-            </a:extLst>
-          </p:cNvPr>
+          <p:cNvPr id="6" name="Slide Number Placeholder 5"/>
           <p:cNvSpPr>
             <a:spLocks noGrp="1"/>
           </p:cNvSpPr>
@@ -1704,6 +1600,7 @@
           <a:p>
             <a:pPr lvl="0"/>
             <a:fld id="{657FAE0B-3D53-4292-9501-EAB741F2A10B}" type="slidenum">
+              <a:rPr lang="en-US" smtClean="0"/>
               <a:t>‹#›</a:t>
             </a:fld>
             <a:endParaRPr lang="en-US"/>
@@ -1713,7 +1610,7 @@
     </p:spTree>
     <p:extLst>
       <p:ext uri="{BB962C8B-B14F-4D97-AF65-F5344CB8AC3E}">
-        <p14:creationId xmlns:p14="http://schemas.microsoft.com/office/powerpoint/2010/main" val="880345544"/>
+        <p14:creationId xmlns:p14="http://schemas.microsoft.com/office/powerpoint/2010/main" val="3160659191"/>
       </p:ext>
     </p:extLst>
   </p:cSld>
@@ -1742,13 +1639,7 @@
       </p:grpSpPr>
       <p:sp>
         <p:nvSpPr>
-          <p:cNvPr id="2" name="Title 1">
-            <a:extLst>
-              <a:ext uri="{FF2B5EF4-FFF2-40B4-BE49-F238E27FC236}">
-                <a16:creationId xmlns:a16="http://schemas.microsoft.com/office/drawing/2014/main" id="{9F516F6F-5224-47F7-A004-20BE080D17C4}"/>
-              </a:ext>
-            </a:extLst>
-          </p:cNvPr>
+          <p:cNvPr id="2" name="Title 1"/>
           <p:cNvSpPr>
             <a:spLocks noGrp="1"/>
           </p:cNvSpPr>
@@ -1758,15 +1649,15 @@
         </p:nvSpPr>
         <p:spPr>
           <a:xfrm>
-            <a:off x="1497013" y="7294563"/>
-            <a:ext cx="18927762" cy="12171362"/>
+            <a:off x="1512928" y="7351880"/>
+            <a:ext cx="19125248" cy="12266769"/>
           </a:xfrm>
         </p:spPr>
         <p:txBody>
           <a:bodyPr anchor="b"/>
           <a:lstStyle>
             <a:lvl1pPr>
-              <a:defRPr sz="6000"/>
+              <a:defRPr sz="14550"/>
             </a:lvl1pPr>
           </a:lstStyle>
           <a:p>
@@ -1774,18 +1665,13 @@
               <a:rPr lang="en-US"/>
               <a:t>Click to edit Master title style</a:t>
             </a:r>
-          </a:p>
-        </p:txBody>
-      </p:sp>
-      <p:sp>
-        <p:nvSpPr>
-          <p:cNvPr id="3" name="Text Placeholder 2">
-            <a:extLst>
-              <a:ext uri="{FF2B5EF4-FFF2-40B4-BE49-F238E27FC236}">
-                <a16:creationId xmlns:a16="http://schemas.microsoft.com/office/drawing/2014/main" id="{1FF1F2D8-A184-42DB-93CE-F1130ED72C75}"/>
-              </a:ext>
-            </a:extLst>
-          </p:cNvPr>
+            <a:endParaRPr lang="en-US" dirty="0"/>
+          </a:p>
+        </p:txBody>
+      </p:sp>
+      <p:sp>
+        <p:nvSpPr>
+          <p:cNvPr id="3" name="Text Placeholder 2"/>
           <p:cNvSpPr>
             <a:spLocks noGrp="1"/>
           </p:cNvSpPr>
@@ -1795,8 +1681,8 @@
         </p:nvSpPr>
         <p:spPr>
           <a:xfrm>
-            <a:off x="1497013" y="19581813"/>
-            <a:ext cx="18927762" cy="6400800"/>
+            <a:off x="1512928" y="19734697"/>
+            <a:ext cx="19125248" cy="6450804"/>
           </a:xfrm>
         </p:spPr>
         <p:txBody>
@@ -1804,17 +1690,15 @@
           <a:lstStyle>
             <a:lvl1pPr marL="0" indent="0">
               <a:buNone/>
-              <a:defRPr sz="2400">
+              <a:defRPr sz="5820">
                 <a:solidFill>
-                  <a:schemeClr val="tx1">
-                    <a:tint val="75000"/>
-                  </a:schemeClr>
+                  <a:schemeClr val="tx1"/>
                 </a:solidFill>
               </a:defRPr>
             </a:lvl1pPr>
-            <a:lvl2pPr marL="457200" indent="0">
+            <a:lvl2pPr marL="1108710" indent="0">
               <a:buNone/>
-              <a:defRPr sz="2000">
+              <a:defRPr sz="4850">
                 <a:solidFill>
                   <a:schemeClr val="tx1">
                     <a:tint val="75000"/>
@@ -1822,9 +1706,9 @@
                 </a:solidFill>
               </a:defRPr>
             </a:lvl2pPr>
-            <a:lvl3pPr marL="914400" indent="0">
+            <a:lvl3pPr marL="2217420" indent="0">
               <a:buNone/>
-              <a:defRPr sz="1800">
+              <a:defRPr sz="4365">
                 <a:solidFill>
                   <a:schemeClr val="tx1">
                     <a:tint val="75000"/>
@@ -1832,9 +1716,9 @@
                 </a:solidFill>
               </a:defRPr>
             </a:lvl3pPr>
-            <a:lvl4pPr marL="1371600" indent="0">
+            <a:lvl4pPr marL="3326130" indent="0">
               <a:buNone/>
-              <a:defRPr sz="1600">
+              <a:defRPr sz="3880">
                 <a:solidFill>
                   <a:schemeClr val="tx1">
                     <a:tint val="75000"/>
@@ -1842,9 +1726,9 @@
                 </a:solidFill>
               </a:defRPr>
             </a:lvl4pPr>
-            <a:lvl5pPr marL="1828800" indent="0">
+            <a:lvl5pPr marL="4434840" indent="0">
               <a:buNone/>
-              <a:defRPr sz="1600">
+              <a:defRPr sz="3880">
                 <a:solidFill>
                   <a:schemeClr val="tx1">
                     <a:tint val="75000"/>
@@ -1852,9 +1736,9 @@
                 </a:solidFill>
               </a:defRPr>
             </a:lvl5pPr>
-            <a:lvl6pPr marL="2286000" indent="0">
+            <a:lvl6pPr marL="5543550" indent="0">
               <a:buNone/>
-              <a:defRPr sz="1600">
+              <a:defRPr sz="3880">
                 <a:solidFill>
                   <a:schemeClr val="tx1">
                     <a:tint val="75000"/>
@@ -1862,9 +1746,9 @@
                 </a:solidFill>
               </a:defRPr>
             </a:lvl6pPr>
-            <a:lvl7pPr marL="2743200" indent="0">
+            <a:lvl7pPr marL="6652260" indent="0">
               <a:buNone/>
-              <a:defRPr sz="1600">
+              <a:defRPr sz="3880">
                 <a:solidFill>
                   <a:schemeClr val="tx1">
                     <a:tint val="75000"/>
@@ -1872,9 +1756,9 @@
                 </a:solidFill>
               </a:defRPr>
             </a:lvl7pPr>
-            <a:lvl8pPr marL="3200400" indent="0">
+            <a:lvl8pPr marL="7760970" indent="0">
               <a:buNone/>
-              <a:defRPr sz="1600">
+              <a:defRPr sz="3880">
                 <a:solidFill>
                   <a:schemeClr val="tx1">
                     <a:tint val="75000"/>
@@ -1882,9 +1766,9 @@
                 </a:solidFill>
               </a:defRPr>
             </a:lvl8pPr>
-            <a:lvl9pPr marL="3657600" indent="0">
+            <a:lvl9pPr marL="8869680" indent="0">
               <a:buNone/>
-              <a:defRPr sz="1600">
+              <a:defRPr sz="3880">
                 <a:solidFill>
                   <a:schemeClr val="tx1">
                     <a:tint val="75000"/>
@@ -1904,13 +1788,7 @@
       </p:sp>
       <p:sp>
         <p:nvSpPr>
-          <p:cNvPr id="4" name="Date Placeholder 3">
-            <a:extLst>
-              <a:ext uri="{FF2B5EF4-FFF2-40B4-BE49-F238E27FC236}">
-                <a16:creationId xmlns:a16="http://schemas.microsoft.com/office/drawing/2014/main" id="{9D491217-403A-4AC9-A343-59D8206E01E0}"/>
-              </a:ext>
-            </a:extLst>
-          </p:cNvPr>
+          <p:cNvPr id="4" name="Date Placeholder 3"/>
           <p:cNvSpPr>
             <a:spLocks noGrp="1"/>
           </p:cNvSpPr>
@@ -1930,13 +1808,7 @@
       </p:sp>
       <p:sp>
         <p:nvSpPr>
-          <p:cNvPr id="5" name="Footer Placeholder 4">
-            <a:extLst>
-              <a:ext uri="{FF2B5EF4-FFF2-40B4-BE49-F238E27FC236}">
-                <a16:creationId xmlns:a16="http://schemas.microsoft.com/office/drawing/2014/main" id="{841C1E3F-1916-4BCB-AEC1-AFB1CAE83BB1}"/>
-              </a:ext>
-            </a:extLst>
-          </p:cNvPr>
+          <p:cNvPr id="5" name="Footer Placeholder 4"/>
           <p:cNvSpPr>
             <a:spLocks noGrp="1"/>
           </p:cNvSpPr>
@@ -1956,13 +1828,7 @@
       </p:sp>
       <p:sp>
         <p:nvSpPr>
-          <p:cNvPr id="6" name="Slide Number Placeholder 5">
-            <a:extLst>
-              <a:ext uri="{FF2B5EF4-FFF2-40B4-BE49-F238E27FC236}">
-                <a16:creationId xmlns:a16="http://schemas.microsoft.com/office/drawing/2014/main" id="{0A44D86E-F5D0-4B77-8489-D5CBADD6DB8F}"/>
-              </a:ext>
-            </a:extLst>
-          </p:cNvPr>
+          <p:cNvPr id="6" name="Slide Number Placeholder 5"/>
           <p:cNvSpPr>
             <a:spLocks noGrp="1"/>
           </p:cNvSpPr>
@@ -1977,6 +1843,7 @@
           <a:p>
             <a:pPr lvl="0"/>
             <a:fld id="{64955E65-57E2-47E1-9C7D-7B6C7F7BCC19}" type="slidenum">
+              <a:rPr lang="en-US" smtClean="0"/>
               <a:t>‹#›</a:t>
             </a:fld>
             <a:endParaRPr lang="en-US"/>
@@ -1986,7 +1853,7 @@
     </p:spTree>
     <p:extLst>
       <p:ext uri="{BB962C8B-B14F-4D97-AF65-F5344CB8AC3E}">
-        <p14:creationId xmlns:p14="http://schemas.microsoft.com/office/powerpoint/2010/main" val="1225068329"/>
+        <p14:creationId xmlns:p14="http://schemas.microsoft.com/office/powerpoint/2010/main" val="2923746476"/>
       </p:ext>
     </p:extLst>
   </p:cSld>
@@ -2015,13 +1882,7 @@
       </p:grpSpPr>
       <p:sp>
         <p:nvSpPr>
-          <p:cNvPr id="2" name="Title 1">
-            <a:extLst>
-              <a:ext uri="{FF2B5EF4-FFF2-40B4-BE49-F238E27FC236}">
-                <a16:creationId xmlns:a16="http://schemas.microsoft.com/office/drawing/2014/main" id="{9A516435-CB8C-428D-A740-1C71CE26050F}"/>
-              </a:ext>
-            </a:extLst>
-          </p:cNvPr>
+          <p:cNvPr id="2" name="Title 1"/>
           <p:cNvSpPr>
             <a:spLocks noGrp="1"/>
           </p:cNvSpPr>
@@ -2038,18 +1899,13 @@
               <a:rPr lang="en-US"/>
               <a:t>Click to edit Master title style</a:t>
             </a:r>
-          </a:p>
-        </p:txBody>
-      </p:sp>
-      <p:sp>
-        <p:nvSpPr>
-          <p:cNvPr id="3" name="Content Placeholder 2">
-            <a:extLst>
-              <a:ext uri="{FF2B5EF4-FFF2-40B4-BE49-F238E27FC236}">
-                <a16:creationId xmlns:a16="http://schemas.microsoft.com/office/drawing/2014/main" id="{E77178C1-2E26-453C-AABC-0ADFB98B558B}"/>
-              </a:ext>
-            </a:extLst>
-          </p:cNvPr>
+            <a:endParaRPr lang="en-US" dirty="0"/>
+          </a:p>
+        </p:txBody>
+      </p:sp>
+      <p:sp>
+        <p:nvSpPr>
+          <p:cNvPr id="3" name="Content Placeholder 2"/>
           <p:cNvSpPr>
             <a:spLocks noGrp="1"/>
           </p:cNvSpPr>
@@ -2059,8 +1915,8 @@
         </p:nvSpPr>
         <p:spPr>
           <a:xfrm>
-            <a:off x="1096963" y="6846888"/>
-            <a:ext cx="9798050" cy="16968787"/>
+            <a:off x="1524476" y="7850188"/>
+            <a:ext cx="9424035" cy="18710753"/>
           </a:xfrm>
         </p:spPr>
         <p:txBody>
@@ -2100,18 +1956,13 @@
               <a:rPr lang="en-US"/>
               <a:t>Fifth level</a:t>
             </a:r>
-          </a:p>
-        </p:txBody>
-      </p:sp>
-      <p:sp>
-        <p:nvSpPr>
-          <p:cNvPr id="4" name="Content Placeholder 3">
-            <a:extLst>
-              <a:ext uri="{FF2B5EF4-FFF2-40B4-BE49-F238E27FC236}">
-                <a16:creationId xmlns:a16="http://schemas.microsoft.com/office/drawing/2014/main" id="{2F6954F2-9317-4E50-BCD3-C2A943C6F07B}"/>
-              </a:ext>
-            </a:extLst>
-          </p:cNvPr>
+            <a:endParaRPr lang="en-US" dirty="0"/>
+          </a:p>
+        </p:txBody>
+      </p:sp>
+      <p:sp>
+        <p:nvSpPr>
+          <p:cNvPr id="4" name="Content Placeholder 3"/>
           <p:cNvSpPr>
             <a:spLocks noGrp="1"/>
           </p:cNvSpPr>
@@ -2121,8 +1972,8 @@
         </p:nvSpPr>
         <p:spPr>
           <a:xfrm>
-            <a:off x="11047413" y="6846888"/>
-            <a:ext cx="9799637" cy="16968787"/>
+            <a:off x="11225689" y="7850188"/>
+            <a:ext cx="9424035" cy="18710753"/>
           </a:xfrm>
         </p:spPr>
         <p:txBody>
@@ -2162,18 +2013,13 @@
               <a:rPr lang="en-US"/>
               <a:t>Fifth level</a:t>
             </a:r>
-          </a:p>
-        </p:txBody>
-      </p:sp>
-      <p:sp>
-        <p:nvSpPr>
-          <p:cNvPr id="5" name="Date Placeholder 4">
-            <a:extLst>
-              <a:ext uri="{FF2B5EF4-FFF2-40B4-BE49-F238E27FC236}">
-                <a16:creationId xmlns:a16="http://schemas.microsoft.com/office/drawing/2014/main" id="{6DFBC0DD-D045-494D-AE06-50792DD06E5D}"/>
-              </a:ext>
-            </a:extLst>
-          </p:cNvPr>
+            <a:endParaRPr lang="en-US" dirty="0"/>
+          </a:p>
+        </p:txBody>
+      </p:sp>
+      <p:sp>
+        <p:nvSpPr>
+          <p:cNvPr id="5" name="Date Placeholder 4"/>
           <p:cNvSpPr>
             <a:spLocks noGrp="1"/>
           </p:cNvSpPr>
@@ -2193,13 +2039,7 @@
       </p:sp>
       <p:sp>
         <p:nvSpPr>
-          <p:cNvPr id="6" name="Footer Placeholder 5">
-            <a:extLst>
-              <a:ext uri="{FF2B5EF4-FFF2-40B4-BE49-F238E27FC236}">
-                <a16:creationId xmlns:a16="http://schemas.microsoft.com/office/drawing/2014/main" id="{4DE0AF6F-2ECB-4836-998B-0FAE9B92EC0E}"/>
-              </a:ext>
-            </a:extLst>
-          </p:cNvPr>
+          <p:cNvPr id="6" name="Footer Placeholder 5"/>
           <p:cNvSpPr>
             <a:spLocks noGrp="1"/>
           </p:cNvSpPr>
@@ -2219,13 +2059,7 @@
       </p:sp>
       <p:sp>
         <p:nvSpPr>
-          <p:cNvPr id="7" name="Slide Number Placeholder 6">
-            <a:extLst>
-              <a:ext uri="{FF2B5EF4-FFF2-40B4-BE49-F238E27FC236}">
-                <a16:creationId xmlns:a16="http://schemas.microsoft.com/office/drawing/2014/main" id="{54E5983C-9D27-4E08-BF8D-E2193E8BF8AA}"/>
-              </a:ext>
-            </a:extLst>
-          </p:cNvPr>
+          <p:cNvPr id="7" name="Slide Number Placeholder 6"/>
           <p:cNvSpPr>
             <a:spLocks noGrp="1"/>
           </p:cNvSpPr>
@@ -2240,6 +2074,7 @@
           <a:p>
             <a:pPr lvl="0"/>
             <a:fld id="{68F2655E-2FED-4864-B402-0C7040BF636F}" type="slidenum">
+              <a:rPr lang="en-US" smtClean="0"/>
               <a:t>‹#›</a:t>
             </a:fld>
             <a:endParaRPr lang="en-US"/>
@@ -2249,7 +2084,7 @@
     </p:spTree>
     <p:extLst>
       <p:ext uri="{BB962C8B-B14F-4D97-AF65-F5344CB8AC3E}">
-        <p14:creationId xmlns:p14="http://schemas.microsoft.com/office/powerpoint/2010/main" val="2369943377"/>
+        <p14:creationId xmlns:p14="http://schemas.microsoft.com/office/powerpoint/2010/main" val="1119022624"/>
       </p:ext>
     </p:extLst>
   </p:cSld>
@@ -2278,13 +2113,7 @@
       </p:grpSpPr>
       <p:sp>
         <p:nvSpPr>
-          <p:cNvPr id="2" name="Title 1">
-            <a:extLst>
-              <a:ext uri="{FF2B5EF4-FFF2-40B4-BE49-F238E27FC236}">
-                <a16:creationId xmlns:a16="http://schemas.microsoft.com/office/drawing/2014/main" id="{E5561A0E-7B7D-4A8F-89C8-D9C166484759}"/>
-              </a:ext>
-            </a:extLst>
-          </p:cNvPr>
+          <p:cNvPr id="2" name="Title 1"/>
           <p:cNvSpPr>
             <a:spLocks noGrp="1"/>
           </p:cNvSpPr>
@@ -2294,8 +2123,8 @@
         </p:nvSpPr>
         <p:spPr>
           <a:xfrm>
-            <a:off x="1511300" y="1557338"/>
-            <a:ext cx="18927763" cy="5656262"/>
+            <a:off x="1527364" y="1570044"/>
+            <a:ext cx="19125248" cy="5699921"/>
           </a:xfrm>
         </p:spPr>
         <p:txBody>
@@ -2306,18 +2135,13 @@
               <a:rPr lang="en-US"/>
               <a:t>Click to edit Master title style</a:t>
             </a:r>
-          </a:p>
-        </p:txBody>
-      </p:sp>
-      <p:sp>
-        <p:nvSpPr>
-          <p:cNvPr id="3" name="Text Placeholder 2">
-            <a:extLst>
-              <a:ext uri="{FF2B5EF4-FFF2-40B4-BE49-F238E27FC236}">
-                <a16:creationId xmlns:a16="http://schemas.microsoft.com/office/drawing/2014/main" id="{2E9FA506-B979-4A47-9A9F-699CB45812A9}"/>
-              </a:ext>
-            </a:extLst>
-          </p:cNvPr>
+            <a:endParaRPr lang="en-US" dirty="0"/>
+          </a:p>
+        </p:txBody>
+      </p:sp>
+      <p:sp>
+        <p:nvSpPr>
+          <p:cNvPr id="3" name="Text Placeholder 2"/>
           <p:cNvSpPr>
             <a:spLocks noGrp="1"/>
           </p:cNvSpPr>
@@ -2327,8 +2151,8 @@
         </p:nvSpPr>
         <p:spPr>
           <a:xfrm>
-            <a:off x="1511300" y="7172325"/>
-            <a:ext cx="9283700" cy="3516313"/>
+            <a:off x="1527367" y="7229001"/>
+            <a:ext cx="9380725" cy="3542822"/>
           </a:xfrm>
         </p:spPr>
         <p:txBody>
@@ -2336,39 +2160,39 @@
           <a:lstStyle>
             <a:lvl1pPr marL="0" indent="0">
               <a:buNone/>
-              <a:defRPr sz="2400" b="1"/>
+              <a:defRPr sz="5820" b="1"/>
             </a:lvl1pPr>
-            <a:lvl2pPr marL="457200" indent="0">
+            <a:lvl2pPr marL="1108710" indent="0">
               <a:buNone/>
-              <a:defRPr sz="2000" b="1"/>
+              <a:defRPr sz="4850" b="1"/>
             </a:lvl2pPr>
-            <a:lvl3pPr marL="914400" indent="0">
+            <a:lvl3pPr marL="2217420" indent="0">
               <a:buNone/>
-              <a:defRPr sz="1800" b="1"/>
+              <a:defRPr sz="4365" b="1"/>
             </a:lvl3pPr>
-            <a:lvl4pPr marL="1371600" indent="0">
+            <a:lvl4pPr marL="3326130" indent="0">
               <a:buNone/>
-              <a:defRPr sz="1600" b="1"/>
+              <a:defRPr sz="3880" b="1"/>
             </a:lvl4pPr>
-            <a:lvl5pPr marL="1828800" indent="0">
+            <a:lvl5pPr marL="4434840" indent="0">
               <a:buNone/>
-              <a:defRPr sz="1600" b="1"/>
+              <a:defRPr sz="3880" b="1"/>
             </a:lvl5pPr>
-            <a:lvl6pPr marL="2286000" indent="0">
+            <a:lvl6pPr marL="5543550" indent="0">
               <a:buNone/>
-              <a:defRPr sz="1600" b="1"/>
+              <a:defRPr sz="3880" b="1"/>
             </a:lvl6pPr>
-            <a:lvl7pPr marL="2743200" indent="0">
+            <a:lvl7pPr marL="6652260" indent="0">
               <a:buNone/>
-              <a:defRPr sz="1600" b="1"/>
+              <a:defRPr sz="3880" b="1"/>
             </a:lvl7pPr>
-            <a:lvl8pPr marL="3200400" indent="0">
+            <a:lvl8pPr marL="7760970" indent="0">
               <a:buNone/>
-              <a:defRPr sz="1600" b="1"/>
+              <a:defRPr sz="3880" b="1"/>
             </a:lvl8pPr>
-            <a:lvl9pPr marL="3657600" indent="0">
+            <a:lvl9pPr marL="8869680" indent="0">
               <a:buNone/>
-              <a:defRPr sz="1600" b="1"/>
+              <a:defRPr sz="3880" b="1"/>
             </a:lvl9pPr>
           </a:lstStyle>
           <a:p>
@@ -2382,13 +2206,7 @@
       </p:sp>
       <p:sp>
         <p:nvSpPr>
-          <p:cNvPr id="4" name="Content Placeholder 3">
-            <a:extLst>
-              <a:ext uri="{FF2B5EF4-FFF2-40B4-BE49-F238E27FC236}">
-                <a16:creationId xmlns:a16="http://schemas.microsoft.com/office/drawing/2014/main" id="{8134CD0A-3064-4DDE-BE10-0ECED491EE2C}"/>
-              </a:ext>
-            </a:extLst>
-          </p:cNvPr>
+          <p:cNvPr id="4" name="Content Placeholder 3"/>
           <p:cNvSpPr>
             <a:spLocks noGrp="1"/>
           </p:cNvSpPr>
@@ -2398,8 +2216,8 @@
         </p:nvSpPr>
         <p:spPr>
           <a:xfrm>
-            <a:off x="1511300" y="10688638"/>
-            <a:ext cx="9283700" cy="15721012"/>
+            <a:off x="1527367" y="10771823"/>
+            <a:ext cx="9380725" cy="15843728"/>
           </a:xfrm>
         </p:spPr>
         <p:txBody>
@@ -2439,18 +2257,13 @@
               <a:rPr lang="en-US"/>
               <a:t>Fifth level</a:t>
             </a:r>
-          </a:p>
-        </p:txBody>
-      </p:sp>
-      <p:sp>
-        <p:nvSpPr>
-          <p:cNvPr id="5" name="Text Placeholder 4">
-            <a:extLst>
-              <a:ext uri="{FF2B5EF4-FFF2-40B4-BE49-F238E27FC236}">
-                <a16:creationId xmlns:a16="http://schemas.microsoft.com/office/drawing/2014/main" id="{628A4DAF-5E50-40D2-941C-B5A4B4ED5FD7}"/>
-              </a:ext>
-            </a:extLst>
-          </p:cNvPr>
+            <a:endParaRPr lang="en-US" dirty="0"/>
+          </a:p>
+        </p:txBody>
+      </p:sp>
+      <p:sp>
+        <p:nvSpPr>
+          <p:cNvPr id="5" name="Text Placeholder 4"/>
           <p:cNvSpPr>
             <a:spLocks noGrp="1"/>
           </p:cNvSpPr>
@@ -2460,8 +2273,8 @@
         </p:nvSpPr>
         <p:spPr>
           <a:xfrm>
-            <a:off x="11109325" y="7172325"/>
-            <a:ext cx="9329738" cy="3516313"/>
+            <a:off x="11225690" y="7229001"/>
+            <a:ext cx="9426923" cy="3542822"/>
           </a:xfrm>
         </p:spPr>
         <p:txBody>
@@ -2469,39 +2282,39 @@
           <a:lstStyle>
             <a:lvl1pPr marL="0" indent="0">
               <a:buNone/>
-              <a:defRPr sz="2400" b="1"/>
+              <a:defRPr sz="5820" b="1"/>
             </a:lvl1pPr>
-            <a:lvl2pPr marL="457200" indent="0">
+            <a:lvl2pPr marL="1108710" indent="0">
               <a:buNone/>
-              <a:defRPr sz="2000" b="1"/>
+              <a:defRPr sz="4850" b="1"/>
             </a:lvl2pPr>
-            <a:lvl3pPr marL="914400" indent="0">
+            <a:lvl3pPr marL="2217420" indent="0">
               <a:buNone/>
-              <a:defRPr sz="1800" b="1"/>
+              <a:defRPr sz="4365" b="1"/>
             </a:lvl3pPr>
-            <a:lvl4pPr marL="1371600" indent="0">
+            <a:lvl4pPr marL="3326130" indent="0">
               <a:buNone/>
-              <a:defRPr sz="1600" b="1"/>
+              <a:defRPr sz="3880" b="1"/>
             </a:lvl4pPr>
-            <a:lvl5pPr marL="1828800" indent="0">
+            <a:lvl5pPr marL="4434840" indent="0">
               <a:buNone/>
-              <a:defRPr sz="1600" b="1"/>
+              <a:defRPr sz="3880" b="1"/>
             </a:lvl5pPr>
-            <a:lvl6pPr marL="2286000" indent="0">
+            <a:lvl6pPr marL="5543550" indent="0">
               <a:buNone/>
-              <a:defRPr sz="1600" b="1"/>
+              <a:defRPr sz="3880" b="1"/>
             </a:lvl6pPr>
-            <a:lvl7pPr marL="2743200" indent="0">
+            <a:lvl7pPr marL="6652260" indent="0">
               <a:buNone/>
-              <a:defRPr sz="1600" b="1"/>
+              <a:defRPr sz="3880" b="1"/>
             </a:lvl7pPr>
-            <a:lvl8pPr marL="3200400" indent="0">
+            <a:lvl8pPr marL="7760970" indent="0">
               <a:buNone/>
-              <a:defRPr sz="1600" b="1"/>
+              <a:defRPr sz="3880" b="1"/>
             </a:lvl8pPr>
-            <a:lvl9pPr marL="3657600" indent="0">
+            <a:lvl9pPr marL="8869680" indent="0">
               <a:buNone/>
-              <a:defRPr sz="1600" b="1"/>
+              <a:defRPr sz="3880" b="1"/>
             </a:lvl9pPr>
           </a:lstStyle>
           <a:p>
@@ -2515,13 +2328,7 @@
       </p:sp>
       <p:sp>
         <p:nvSpPr>
-          <p:cNvPr id="6" name="Content Placeholder 5">
-            <a:extLst>
-              <a:ext uri="{FF2B5EF4-FFF2-40B4-BE49-F238E27FC236}">
-                <a16:creationId xmlns:a16="http://schemas.microsoft.com/office/drawing/2014/main" id="{854C8503-B514-42AE-8F88-0307FCE1E6A9}"/>
-              </a:ext>
-            </a:extLst>
-          </p:cNvPr>
+          <p:cNvPr id="6" name="Content Placeholder 5"/>
           <p:cNvSpPr>
             <a:spLocks noGrp="1"/>
           </p:cNvSpPr>
@@ -2531,8 +2338,8 @@
         </p:nvSpPr>
         <p:spPr>
           <a:xfrm>
-            <a:off x="11109325" y="10688638"/>
-            <a:ext cx="9329738" cy="15721012"/>
+            <a:off x="11225690" y="10771823"/>
+            <a:ext cx="9426923" cy="15843728"/>
           </a:xfrm>
         </p:spPr>
         <p:txBody>
@@ -2572,18 +2379,13 @@
               <a:rPr lang="en-US"/>
               <a:t>Fifth level</a:t>
             </a:r>
-          </a:p>
-        </p:txBody>
-      </p:sp>
-      <p:sp>
-        <p:nvSpPr>
-          <p:cNvPr id="7" name="Date Placeholder 6">
-            <a:extLst>
-              <a:ext uri="{FF2B5EF4-FFF2-40B4-BE49-F238E27FC236}">
-                <a16:creationId xmlns:a16="http://schemas.microsoft.com/office/drawing/2014/main" id="{667E30CF-1A2C-4822-A036-28FDAB0FBAC2}"/>
-              </a:ext>
-            </a:extLst>
-          </p:cNvPr>
+            <a:endParaRPr lang="en-US" dirty="0"/>
+          </a:p>
+        </p:txBody>
+      </p:sp>
+      <p:sp>
+        <p:nvSpPr>
+          <p:cNvPr id="7" name="Date Placeholder 6"/>
           <p:cNvSpPr>
             <a:spLocks noGrp="1"/>
           </p:cNvSpPr>
@@ -2603,13 +2405,7 @@
       </p:sp>
       <p:sp>
         <p:nvSpPr>
-          <p:cNvPr id="8" name="Footer Placeholder 7">
-            <a:extLst>
-              <a:ext uri="{FF2B5EF4-FFF2-40B4-BE49-F238E27FC236}">
-                <a16:creationId xmlns:a16="http://schemas.microsoft.com/office/drawing/2014/main" id="{58E1BF80-9D7B-496F-A64D-E20332DE3F3C}"/>
-              </a:ext>
-            </a:extLst>
-          </p:cNvPr>
+          <p:cNvPr id="8" name="Footer Placeholder 7"/>
           <p:cNvSpPr>
             <a:spLocks noGrp="1"/>
           </p:cNvSpPr>
@@ -2629,13 +2425,7 @@
       </p:sp>
       <p:sp>
         <p:nvSpPr>
-          <p:cNvPr id="9" name="Slide Number Placeholder 8">
-            <a:extLst>
-              <a:ext uri="{FF2B5EF4-FFF2-40B4-BE49-F238E27FC236}">
-                <a16:creationId xmlns:a16="http://schemas.microsoft.com/office/drawing/2014/main" id="{C54D30F7-8775-40CA-B393-7F857F50DCD6}"/>
-              </a:ext>
-            </a:extLst>
-          </p:cNvPr>
+          <p:cNvPr id="9" name="Slide Number Placeholder 8"/>
           <p:cNvSpPr>
             <a:spLocks noGrp="1"/>
           </p:cNvSpPr>
@@ -2650,6 +2440,7 @@
           <a:p>
             <a:pPr lvl="0"/>
             <a:fld id="{046E7444-E1F6-48BA-BEF2-F2FDB63556F1}" type="slidenum">
+              <a:rPr lang="en-US" smtClean="0"/>
               <a:t>‹#›</a:t>
             </a:fld>
             <a:endParaRPr lang="en-US"/>
@@ -2659,7 +2450,7 @@
     </p:spTree>
     <p:extLst>
       <p:ext uri="{BB962C8B-B14F-4D97-AF65-F5344CB8AC3E}">
-        <p14:creationId xmlns:p14="http://schemas.microsoft.com/office/powerpoint/2010/main" val="535088991"/>
+        <p14:creationId xmlns:p14="http://schemas.microsoft.com/office/powerpoint/2010/main" val="4136808814"/>
       </p:ext>
     </p:extLst>
   </p:cSld>
@@ -2688,13 +2479,7 @@
       </p:grpSpPr>
       <p:sp>
         <p:nvSpPr>
-          <p:cNvPr id="2" name="Title 1">
-            <a:extLst>
-              <a:ext uri="{FF2B5EF4-FFF2-40B4-BE49-F238E27FC236}">
-                <a16:creationId xmlns:a16="http://schemas.microsoft.com/office/drawing/2014/main" id="{A3AF33E1-A705-4B6D-8E42-66D1575E297B}"/>
-              </a:ext>
-            </a:extLst>
-          </p:cNvPr>
+          <p:cNvPr id="2" name="Title 1"/>
           <p:cNvSpPr>
             <a:spLocks noGrp="1"/>
           </p:cNvSpPr>
@@ -2711,18 +2496,13 @@
               <a:rPr lang="en-US"/>
               <a:t>Click to edit Master title style</a:t>
             </a:r>
-          </a:p>
-        </p:txBody>
-      </p:sp>
-      <p:sp>
-        <p:nvSpPr>
-          <p:cNvPr id="3" name="Date Placeholder 2">
-            <a:extLst>
-              <a:ext uri="{FF2B5EF4-FFF2-40B4-BE49-F238E27FC236}">
-                <a16:creationId xmlns:a16="http://schemas.microsoft.com/office/drawing/2014/main" id="{9FD82158-8D8F-4C99-ADED-0DE0DD094F87}"/>
-              </a:ext>
-            </a:extLst>
-          </p:cNvPr>
+            <a:endParaRPr lang="en-US" dirty="0"/>
+          </a:p>
+        </p:txBody>
+      </p:sp>
+      <p:sp>
+        <p:nvSpPr>
+          <p:cNvPr id="3" name="Date Placeholder 2"/>
           <p:cNvSpPr>
             <a:spLocks noGrp="1"/>
           </p:cNvSpPr>
@@ -2742,13 +2522,7 @@
       </p:sp>
       <p:sp>
         <p:nvSpPr>
-          <p:cNvPr id="4" name="Footer Placeholder 3">
-            <a:extLst>
-              <a:ext uri="{FF2B5EF4-FFF2-40B4-BE49-F238E27FC236}">
-                <a16:creationId xmlns:a16="http://schemas.microsoft.com/office/drawing/2014/main" id="{F34869DC-F83C-4C3F-861B-7F2375BC2FDD}"/>
-              </a:ext>
-            </a:extLst>
-          </p:cNvPr>
+          <p:cNvPr id="4" name="Footer Placeholder 3"/>
           <p:cNvSpPr>
             <a:spLocks noGrp="1"/>
           </p:cNvSpPr>
@@ -2768,13 +2542,7 @@
       </p:sp>
       <p:sp>
         <p:nvSpPr>
-          <p:cNvPr id="5" name="Slide Number Placeholder 4">
-            <a:extLst>
-              <a:ext uri="{FF2B5EF4-FFF2-40B4-BE49-F238E27FC236}">
-                <a16:creationId xmlns:a16="http://schemas.microsoft.com/office/drawing/2014/main" id="{83C5AAB8-D398-4650-9FB8-99F113191F32}"/>
-              </a:ext>
-            </a:extLst>
-          </p:cNvPr>
+          <p:cNvPr id="5" name="Slide Number Placeholder 4"/>
           <p:cNvSpPr>
             <a:spLocks noGrp="1"/>
           </p:cNvSpPr>
@@ -2789,6 +2557,7 @@
           <a:p>
             <a:pPr lvl="0"/>
             <a:fld id="{99BE8ED9-6A6D-4877-9E05-8EC8183DFE19}" type="slidenum">
+              <a:rPr lang="en-US" smtClean="0"/>
               <a:t>‹#›</a:t>
             </a:fld>
             <a:endParaRPr lang="en-US"/>
@@ -2798,7 +2567,7 @@
     </p:spTree>
     <p:extLst>
       <p:ext uri="{BB962C8B-B14F-4D97-AF65-F5344CB8AC3E}">
-        <p14:creationId xmlns:p14="http://schemas.microsoft.com/office/powerpoint/2010/main" val="1416778845"/>
+        <p14:creationId xmlns:p14="http://schemas.microsoft.com/office/powerpoint/2010/main" val="3403431011"/>
       </p:ext>
     </p:extLst>
   </p:cSld>
@@ -2827,13 +2596,7 @@
       </p:grpSpPr>
       <p:sp>
         <p:nvSpPr>
-          <p:cNvPr id="2" name="Date Placeholder 1">
-            <a:extLst>
-              <a:ext uri="{FF2B5EF4-FFF2-40B4-BE49-F238E27FC236}">
-                <a16:creationId xmlns:a16="http://schemas.microsoft.com/office/drawing/2014/main" id="{11CCFB00-1B87-4CB9-B2FD-F5CB18CEAAC8}"/>
-              </a:ext>
-            </a:extLst>
-          </p:cNvPr>
+          <p:cNvPr id="2" name="Date Placeholder 1"/>
           <p:cNvSpPr>
             <a:spLocks noGrp="1"/>
           </p:cNvSpPr>
@@ -2853,13 +2616,7 @@
       </p:sp>
       <p:sp>
         <p:nvSpPr>
-          <p:cNvPr id="3" name="Footer Placeholder 2">
-            <a:extLst>
-              <a:ext uri="{FF2B5EF4-FFF2-40B4-BE49-F238E27FC236}">
-                <a16:creationId xmlns:a16="http://schemas.microsoft.com/office/drawing/2014/main" id="{D7120E14-BEA5-4457-AB14-AFE590A3D065}"/>
-              </a:ext>
-            </a:extLst>
-          </p:cNvPr>
+          <p:cNvPr id="3" name="Footer Placeholder 2"/>
           <p:cNvSpPr>
             <a:spLocks noGrp="1"/>
           </p:cNvSpPr>
@@ -2879,13 +2636,7 @@
       </p:sp>
       <p:sp>
         <p:nvSpPr>
-          <p:cNvPr id="4" name="Slide Number Placeholder 3">
-            <a:extLst>
-              <a:ext uri="{FF2B5EF4-FFF2-40B4-BE49-F238E27FC236}">
-                <a16:creationId xmlns:a16="http://schemas.microsoft.com/office/drawing/2014/main" id="{140894F4-766D-470B-80B0-28916D885FFF}"/>
-              </a:ext>
-            </a:extLst>
-          </p:cNvPr>
+          <p:cNvPr id="4" name="Slide Number Placeholder 3"/>
           <p:cNvSpPr>
             <a:spLocks noGrp="1"/>
           </p:cNvSpPr>
@@ -2900,6 +2651,7 @@
           <a:p>
             <a:pPr lvl="0"/>
             <a:fld id="{706CC2F8-BD95-4FB8-B42E-3E0C39461794}" type="slidenum">
+              <a:rPr lang="en-US" smtClean="0"/>
               <a:t>‹#›</a:t>
             </a:fld>
             <a:endParaRPr lang="en-US"/>
@@ -2909,7 +2661,7 @@
     </p:spTree>
     <p:extLst>
       <p:ext uri="{BB962C8B-B14F-4D97-AF65-F5344CB8AC3E}">
-        <p14:creationId xmlns:p14="http://schemas.microsoft.com/office/powerpoint/2010/main" val="3180166404"/>
+        <p14:creationId xmlns:p14="http://schemas.microsoft.com/office/powerpoint/2010/main" val="2997419634"/>
       </p:ext>
     </p:extLst>
   </p:cSld>
@@ -2939,13 +2691,7 @@
       </p:grpSpPr>
       <p:sp>
         <p:nvSpPr>
-          <p:cNvPr id="2" name="Title 1">
-            <a:extLst>
-              <a:ext uri="{FF2B5EF4-FFF2-40B4-BE49-F238E27FC236}">
-                <a16:creationId xmlns:a16="http://schemas.microsoft.com/office/drawing/2014/main" id="{27D3EDCB-5794-454D-91D7-93EF2C14E1E4}"/>
-              </a:ext>
-            </a:extLst>
-          </p:cNvPr>
+          <p:cNvPr id="2" name="Title 1"/>
           <p:cNvSpPr>
             <a:spLocks noGrp="1"/>
           </p:cNvSpPr>
@@ -2955,15 +2701,15 @@
         </p:nvSpPr>
         <p:spPr>
           <a:xfrm>
-            <a:off x="1511300" y="1951038"/>
-            <a:ext cx="7078663" cy="6827837"/>
+            <a:off x="1527364" y="1965960"/>
+            <a:ext cx="7151757" cy="6880860"/>
           </a:xfrm>
         </p:spPr>
         <p:txBody>
           <a:bodyPr anchor="b"/>
           <a:lstStyle>
             <a:lvl1pPr>
-              <a:defRPr sz="3200"/>
+              <a:defRPr sz="7760"/>
             </a:lvl1pPr>
           </a:lstStyle>
           <a:p>
@@ -2971,18 +2717,13 @@
               <a:rPr lang="en-US"/>
               <a:t>Click to edit Master title style</a:t>
             </a:r>
-          </a:p>
-        </p:txBody>
-      </p:sp>
-      <p:sp>
-        <p:nvSpPr>
-          <p:cNvPr id="3" name="Content Placeholder 2">
-            <a:extLst>
-              <a:ext uri="{FF2B5EF4-FFF2-40B4-BE49-F238E27FC236}">
-                <a16:creationId xmlns:a16="http://schemas.microsoft.com/office/drawing/2014/main" id="{E74BCCE3-B528-4457-A050-3E5E2EA57705}"/>
-              </a:ext>
-            </a:extLst>
-          </p:cNvPr>
+            <a:endParaRPr lang="en-US" dirty="0"/>
+          </a:p>
+        </p:txBody>
+      </p:sp>
+      <p:sp>
+        <p:nvSpPr>
+          <p:cNvPr id="3" name="Content Placeholder 2"/>
           <p:cNvSpPr>
             <a:spLocks noGrp="1"/>
           </p:cNvSpPr>
@@ -2992,39 +2733,39 @@
         </p:nvSpPr>
         <p:spPr>
           <a:xfrm>
-            <a:off x="9329738" y="4213225"/>
-            <a:ext cx="11109325" cy="20794663"/>
+            <a:off x="9426923" y="4245934"/>
+            <a:ext cx="11225689" cy="20956588"/>
           </a:xfrm>
         </p:spPr>
         <p:txBody>
           <a:bodyPr/>
           <a:lstStyle>
             <a:lvl1pPr>
-              <a:defRPr sz="3200"/>
+              <a:defRPr sz="7760"/>
             </a:lvl1pPr>
             <a:lvl2pPr>
-              <a:defRPr sz="2800"/>
+              <a:defRPr sz="6790"/>
             </a:lvl2pPr>
             <a:lvl3pPr>
-              <a:defRPr sz="2400"/>
+              <a:defRPr sz="5820"/>
             </a:lvl3pPr>
             <a:lvl4pPr>
-              <a:defRPr sz="2000"/>
+              <a:defRPr sz="4850"/>
             </a:lvl4pPr>
             <a:lvl5pPr>
-              <a:defRPr sz="2000"/>
+              <a:defRPr sz="4850"/>
             </a:lvl5pPr>
             <a:lvl6pPr>
-              <a:defRPr sz="2000"/>
+              <a:defRPr sz="4850"/>
             </a:lvl6pPr>
             <a:lvl7pPr>
-              <a:defRPr sz="2000"/>
+              <a:defRPr sz="4850"/>
             </a:lvl7pPr>
             <a:lvl8pPr>
-              <a:defRPr sz="2000"/>
+              <a:defRPr sz="4850"/>
             </a:lvl8pPr>
             <a:lvl9pPr>
-              <a:defRPr sz="2000"/>
+              <a:defRPr sz="4850"/>
             </a:lvl9pPr>
           </a:lstStyle>
           <a:p>
@@ -3061,18 +2802,13 @@
               <a:rPr lang="en-US"/>
               <a:t>Fifth level</a:t>
             </a:r>
-          </a:p>
-        </p:txBody>
-      </p:sp>
-      <p:sp>
-        <p:nvSpPr>
-          <p:cNvPr id="4" name="Text Placeholder 3">
-            <a:extLst>
-              <a:ext uri="{FF2B5EF4-FFF2-40B4-BE49-F238E27FC236}">
-                <a16:creationId xmlns:a16="http://schemas.microsoft.com/office/drawing/2014/main" id="{D1689BDF-0EE5-4974-91B5-7990A1D968B8}"/>
-              </a:ext>
-            </a:extLst>
-          </p:cNvPr>
+            <a:endParaRPr lang="en-US" dirty="0"/>
+          </a:p>
+        </p:txBody>
+      </p:sp>
+      <p:sp>
+        <p:nvSpPr>
+          <p:cNvPr id="4" name="Text Placeholder 3"/>
           <p:cNvSpPr>
             <a:spLocks noGrp="1"/>
           </p:cNvSpPr>
@@ -3082,8 +2818,8 @@
         </p:nvSpPr>
         <p:spPr>
           <a:xfrm>
-            <a:off x="1511300" y="8778875"/>
-            <a:ext cx="7078663" cy="16262350"/>
+            <a:off x="1527364" y="8846820"/>
+            <a:ext cx="7151757" cy="16389828"/>
           </a:xfrm>
         </p:spPr>
         <p:txBody>
@@ -3091,39 +2827,39 @@
           <a:lstStyle>
             <a:lvl1pPr marL="0" indent="0">
               <a:buNone/>
-              <a:defRPr sz="1600"/>
+              <a:defRPr sz="3880"/>
             </a:lvl1pPr>
-            <a:lvl2pPr marL="457200" indent="0">
+            <a:lvl2pPr marL="1108710" indent="0">
               <a:buNone/>
-              <a:defRPr sz="1400"/>
+              <a:defRPr sz="3395"/>
             </a:lvl2pPr>
-            <a:lvl3pPr marL="914400" indent="0">
+            <a:lvl3pPr marL="2217420" indent="0">
               <a:buNone/>
-              <a:defRPr sz="1200"/>
+              <a:defRPr sz="2910"/>
             </a:lvl3pPr>
-            <a:lvl4pPr marL="1371600" indent="0">
+            <a:lvl4pPr marL="3326130" indent="0">
               <a:buNone/>
-              <a:defRPr sz="1000"/>
+              <a:defRPr sz="2425"/>
             </a:lvl4pPr>
-            <a:lvl5pPr marL="1828800" indent="0">
+            <a:lvl5pPr marL="4434840" indent="0">
               <a:buNone/>
-              <a:defRPr sz="1000"/>
+              <a:defRPr sz="2425"/>
             </a:lvl5pPr>
-            <a:lvl6pPr marL="2286000" indent="0">
+            <a:lvl6pPr marL="5543550" indent="0">
               <a:buNone/>
-              <a:defRPr sz="1000"/>
+              <a:defRPr sz="2425"/>
             </a:lvl6pPr>
-            <a:lvl7pPr marL="2743200" indent="0">
+            <a:lvl7pPr marL="6652260" indent="0">
               <a:buNone/>
-              <a:defRPr sz="1000"/>
+              <a:defRPr sz="2425"/>
             </a:lvl7pPr>
-            <a:lvl8pPr marL="3200400" indent="0">
+            <a:lvl8pPr marL="7760970" indent="0">
               <a:buNone/>
-              <a:defRPr sz="1000"/>
+              <a:defRPr sz="2425"/>
             </a:lvl8pPr>
-            <a:lvl9pPr marL="3657600" indent="0">
+            <a:lvl9pPr marL="8869680" indent="0">
               <a:buNone/>
-              <a:defRPr sz="1000"/>
+              <a:defRPr sz="2425"/>
             </a:lvl9pPr>
           </a:lstStyle>
           <a:p>
@@ -3137,13 +2873,7 @@
       </p:sp>
       <p:sp>
         <p:nvSpPr>
-          <p:cNvPr id="5" name="Date Placeholder 4">
-            <a:extLst>
-              <a:ext uri="{FF2B5EF4-FFF2-40B4-BE49-F238E27FC236}">
-                <a16:creationId xmlns:a16="http://schemas.microsoft.com/office/drawing/2014/main" id="{7EFB258C-D877-4BB7-87DD-93B7B4C26682}"/>
-              </a:ext>
-            </a:extLst>
-          </p:cNvPr>
+          <p:cNvPr id="5" name="Date Placeholder 4"/>
           <p:cNvSpPr>
             <a:spLocks noGrp="1"/>
           </p:cNvSpPr>
@@ -3163,13 +2893,7 @@
       </p:sp>
       <p:sp>
         <p:nvSpPr>
-          <p:cNvPr id="6" name="Footer Placeholder 5">
-            <a:extLst>
-              <a:ext uri="{FF2B5EF4-FFF2-40B4-BE49-F238E27FC236}">
-                <a16:creationId xmlns:a16="http://schemas.microsoft.com/office/drawing/2014/main" id="{0A74F776-E5BE-441A-9A9A-C9934A24BD02}"/>
-              </a:ext>
-            </a:extLst>
-          </p:cNvPr>
+          <p:cNvPr id="6" name="Footer Placeholder 5"/>
           <p:cNvSpPr>
             <a:spLocks noGrp="1"/>
           </p:cNvSpPr>
@@ -3189,13 +2913,7 @@
       </p:sp>
       <p:sp>
         <p:nvSpPr>
-          <p:cNvPr id="7" name="Slide Number Placeholder 6">
-            <a:extLst>
-              <a:ext uri="{FF2B5EF4-FFF2-40B4-BE49-F238E27FC236}">
-                <a16:creationId xmlns:a16="http://schemas.microsoft.com/office/drawing/2014/main" id="{00BD639D-63E6-4F58-83CF-5538439C7052}"/>
-              </a:ext>
-            </a:extLst>
-          </p:cNvPr>
+          <p:cNvPr id="7" name="Slide Number Placeholder 6"/>
           <p:cNvSpPr>
             <a:spLocks noGrp="1"/>
           </p:cNvSpPr>
@@ -3210,6 +2928,7 @@
           <a:p>
             <a:pPr lvl="0"/>
             <a:fld id="{EE69162F-CF40-4662-8EA9-4994BC51D487}" type="slidenum">
+              <a:rPr lang="en-US" smtClean="0"/>
               <a:t>‹#›</a:t>
             </a:fld>
             <a:endParaRPr lang="en-US"/>
@@ -3219,7 +2938,7 @@
     </p:spTree>
     <p:extLst>
       <p:ext uri="{BB962C8B-B14F-4D97-AF65-F5344CB8AC3E}">
-        <p14:creationId xmlns:p14="http://schemas.microsoft.com/office/powerpoint/2010/main" val="4209489926"/>
+        <p14:creationId xmlns:p14="http://schemas.microsoft.com/office/powerpoint/2010/main" val="3774985253"/>
       </p:ext>
     </p:extLst>
   </p:cSld>
@@ -3248,13 +2967,7 @@
       </p:grpSpPr>
       <p:sp>
         <p:nvSpPr>
-          <p:cNvPr id="2" name="Title 1">
-            <a:extLst>
-              <a:ext uri="{FF2B5EF4-FFF2-40B4-BE49-F238E27FC236}">
-                <a16:creationId xmlns:a16="http://schemas.microsoft.com/office/drawing/2014/main" id="{5B4D5244-C2DF-4638-A90E-A534D4A91B04}"/>
-              </a:ext>
-            </a:extLst>
-          </p:cNvPr>
+          <p:cNvPr id="2" name="Title 1"/>
           <p:cNvSpPr>
             <a:spLocks noGrp="1"/>
           </p:cNvSpPr>
@@ -3264,15 +2977,15 @@
         </p:nvSpPr>
         <p:spPr>
           <a:xfrm>
-            <a:off x="1511300" y="1951038"/>
-            <a:ext cx="7078663" cy="6827837"/>
+            <a:off x="1527364" y="1965960"/>
+            <a:ext cx="7151757" cy="6880860"/>
           </a:xfrm>
         </p:spPr>
         <p:txBody>
           <a:bodyPr anchor="b"/>
           <a:lstStyle>
             <a:lvl1pPr>
-              <a:defRPr sz="3200"/>
+              <a:defRPr sz="7760"/>
             </a:lvl1pPr>
           </a:lstStyle>
           <a:p>
@@ -3280,20 +2993,15 @@
               <a:rPr lang="en-US"/>
               <a:t>Click to edit Master title style</a:t>
             </a:r>
-          </a:p>
-        </p:txBody>
-      </p:sp>
-      <p:sp>
-        <p:nvSpPr>
-          <p:cNvPr id="3" name="Picture Placeholder 2">
-            <a:extLst>
-              <a:ext uri="{FF2B5EF4-FFF2-40B4-BE49-F238E27FC236}">
-                <a16:creationId xmlns:a16="http://schemas.microsoft.com/office/drawing/2014/main" id="{DBC727ED-095F-42E4-93A4-C9A19B8704E8}"/>
-              </a:ext>
-            </a:extLst>
-          </p:cNvPr>
+            <a:endParaRPr lang="en-US" dirty="0"/>
+          </a:p>
+        </p:txBody>
+      </p:sp>
+      <p:sp>
+        <p:nvSpPr>
+          <p:cNvPr id="3" name="Picture Placeholder 2"/>
           <p:cNvSpPr>
-            <a:spLocks noGrp="1"/>
+            <a:spLocks noGrp="1" noChangeAspect="1"/>
           </p:cNvSpPr>
           <p:nvPr>
             <p:ph type="pic" idx="1"/>
@@ -3301,64 +3009,62 @@
         </p:nvSpPr>
         <p:spPr>
           <a:xfrm>
-            <a:off x="9329738" y="4213225"/>
-            <a:ext cx="11109325" cy="20794663"/>
+            <a:off x="9426923" y="4245934"/>
+            <a:ext cx="11225689" cy="20956588"/>
           </a:xfrm>
         </p:spPr>
         <p:txBody>
-          <a:bodyPr/>
+          <a:bodyPr anchor="t"/>
           <a:lstStyle>
             <a:lvl1pPr marL="0" indent="0">
               <a:buNone/>
-              <a:defRPr sz="3200"/>
+              <a:defRPr sz="7760"/>
             </a:lvl1pPr>
-            <a:lvl2pPr marL="457200" indent="0">
+            <a:lvl2pPr marL="1108710" indent="0">
               <a:buNone/>
-              <a:defRPr sz="2800"/>
+              <a:defRPr sz="6790"/>
             </a:lvl2pPr>
-            <a:lvl3pPr marL="914400" indent="0">
+            <a:lvl3pPr marL="2217420" indent="0">
               <a:buNone/>
-              <a:defRPr sz="2400"/>
+              <a:defRPr sz="5820"/>
             </a:lvl3pPr>
-            <a:lvl4pPr marL="1371600" indent="0">
+            <a:lvl4pPr marL="3326130" indent="0">
               <a:buNone/>
-              <a:defRPr sz="2000"/>
+              <a:defRPr sz="4850"/>
             </a:lvl4pPr>
-            <a:lvl5pPr marL="1828800" indent="0">
+            <a:lvl5pPr marL="4434840" indent="0">
               <a:buNone/>
-              <a:defRPr sz="2000"/>
+              <a:defRPr sz="4850"/>
             </a:lvl5pPr>
-            <a:lvl6pPr marL="2286000" indent="0">
+            <a:lvl6pPr marL="5543550" indent="0">
               <a:buNone/>
-              <a:defRPr sz="2000"/>
+              <a:defRPr sz="4850"/>
             </a:lvl6pPr>
-            <a:lvl7pPr marL="2743200" indent="0">
+            <a:lvl7pPr marL="6652260" indent="0">
               <a:buNone/>
-              <a:defRPr sz="2000"/>
+              <a:defRPr sz="4850"/>
             </a:lvl7pPr>
-            <a:lvl8pPr marL="3200400" indent="0">
+            <a:lvl8pPr marL="7760970" indent="0">
               <a:buNone/>
-              <a:defRPr sz="2000"/>
+              <a:defRPr sz="4850"/>
             </a:lvl8pPr>
-            <a:lvl9pPr marL="3657600" indent="0">
+            <a:lvl9pPr marL="8869680" indent="0">
               <a:buNone/>
-              <a:defRPr sz="2000"/>
+              <a:defRPr sz="4850"/>
             </a:lvl9pPr>
           </a:lstStyle>
           <a:p>
-            <a:endParaRPr lang="en-US"/>
-          </a:p>
-        </p:txBody>
-      </p:sp>
-      <p:sp>
-        <p:nvSpPr>
-          <p:cNvPr id="4" name="Text Placeholder 3">
-            <a:extLst>
-              <a:ext uri="{FF2B5EF4-FFF2-40B4-BE49-F238E27FC236}">
-                <a16:creationId xmlns:a16="http://schemas.microsoft.com/office/drawing/2014/main" id="{62CAC57E-130A-4DB6-A311-B475FE9E8B64}"/>
-              </a:ext>
-            </a:extLst>
-          </p:cNvPr>
+            <a:r>
+              <a:rPr lang="en-US"/>
+              <a:t>Click icon to add picture</a:t>
+            </a:r>
+            <a:endParaRPr lang="en-US" dirty="0"/>
+          </a:p>
+        </p:txBody>
+      </p:sp>
+      <p:sp>
+        <p:nvSpPr>
+          <p:cNvPr id="4" name="Text Placeholder 3"/>
           <p:cNvSpPr>
             <a:spLocks noGrp="1"/>
           </p:cNvSpPr>
@@ -3368,8 +3074,8 @@
         </p:nvSpPr>
         <p:spPr>
           <a:xfrm>
-            <a:off x="1511300" y="8778875"/>
-            <a:ext cx="7078663" cy="16262350"/>
+            <a:off x="1527364" y="8846820"/>
+            <a:ext cx="7151757" cy="16389828"/>
           </a:xfrm>
         </p:spPr>
         <p:txBody>
@@ -3377,39 +3083,39 @@
           <a:lstStyle>
             <a:lvl1pPr marL="0" indent="0">
               <a:buNone/>
-              <a:defRPr sz="1600"/>
+              <a:defRPr sz="3880"/>
             </a:lvl1pPr>
-            <a:lvl2pPr marL="457200" indent="0">
+            <a:lvl2pPr marL="1108710" indent="0">
               <a:buNone/>
-              <a:defRPr sz="1400"/>
+              <a:defRPr sz="3395"/>
             </a:lvl2pPr>
-            <a:lvl3pPr marL="914400" indent="0">
+            <a:lvl3pPr marL="2217420" indent="0">
               <a:buNone/>
-              <a:defRPr sz="1200"/>
+              <a:defRPr sz="2910"/>
             </a:lvl3pPr>
-            <a:lvl4pPr marL="1371600" indent="0">
+            <a:lvl4pPr marL="3326130" indent="0">
               <a:buNone/>
-              <a:defRPr sz="1000"/>
+              <a:defRPr sz="2425"/>
             </a:lvl4pPr>
-            <a:lvl5pPr marL="1828800" indent="0">
+            <a:lvl5pPr marL="4434840" indent="0">
               <a:buNone/>
-              <a:defRPr sz="1000"/>
+              <a:defRPr sz="2425"/>
             </a:lvl5pPr>
-            <a:lvl6pPr marL="2286000" indent="0">
+            <a:lvl6pPr marL="5543550" indent="0">
               <a:buNone/>
-              <a:defRPr sz="1000"/>
+              <a:defRPr sz="2425"/>
             </a:lvl6pPr>
-            <a:lvl7pPr marL="2743200" indent="0">
+            <a:lvl7pPr marL="6652260" indent="0">
               <a:buNone/>
-              <a:defRPr sz="1000"/>
+              <a:defRPr sz="2425"/>
             </a:lvl7pPr>
-            <a:lvl8pPr marL="3200400" indent="0">
+            <a:lvl8pPr marL="7760970" indent="0">
               <a:buNone/>
-              <a:defRPr sz="1000"/>
+              <a:defRPr sz="2425"/>
             </a:lvl8pPr>
-            <a:lvl9pPr marL="3657600" indent="0">
+            <a:lvl9pPr marL="8869680" indent="0">
               <a:buNone/>
-              <a:defRPr sz="1000"/>
+              <a:defRPr sz="2425"/>
             </a:lvl9pPr>
           </a:lstStyle>
           <a:p>
@@ -3423,13 +3129,7 @@
       </p:sp>
       <p:sp>
         <p:nvSpPr>
-          <p:cNvPr id="5" name="Date Placeholder 4">
-            <a:extLst>
-              <a:ext uri="{FF2B5EF4-FFF2-40B4-BE49-F238E27FC236}">
-                <a16:creationId xmlns:a16="http://schemas.microsoft.com/office/drawing/2014/main" id="{1199073B-B267-449D-8EF1-DC515F107389}"/>
-              </a:ext>
-            </a:extLst>
-          </p:cNvPr>
+          <p:cNvPr id="5" name="Date Placeholder 4"/>
           <p:cNvSpPr>
             <a:spLocks noGrp="1"/>
           </p:cNvSpPr>
@@ -3449,13 +3149,7 @@
       </p:sp>
       <p:sp>
         <p:nvSpPr>
-          <p:cNvPr id="6" name="Footer Placeholder 5">
-            <a:extLst>
-              <a:ext uri="{FF2B5EF4-FFF2-40B4-BE49-F238E27FC236}">
-                <a16:creationId xmlns:a16="http://schemas.microsoft.com/office/drawing/2014/main" id="{63777E0D-EBE1-4D03-BEC2-6A7A5B8B3B29}"/>
-              </a:ext>
-            </a:extLst>
-          </p:cNvPr>
+          <p:cNvPr id="6" name="Footer Placeholder 5"/>
           <p:cNvSpPr>
             <a:spLocks noGrp="1"/>
           </p:cNvSpPr>
@@ -3475,13 +3169,7 @@
       </p:sp>
       <p:sp>
         <p:nvSpPr>
-          <p:cNvPr id="7" name="Slide Number Placeholder 6">
-            <a:extLst>
-              <a:ext uri="{FF2B5EF4-FFF2-40B4-BE49-F238E27FC236}">
-                <a16:creationId xmlns:a16="http://schemas.microsoft.com/office/drawing/2014/main" id="{F9CA7C0C-1F74-4719-8D44-280837D68276}"/>
-              </a:ext>
-            </a:extLst>
-          </p:cNvPr>
+          <p:cNvPr id="7" name="Slide Number Placeholder 6"/>
           <p:cNvSpPr>
             <a:spLocks noGrp="1"/>
           </p:cNvSpPr>
@@ -3496,6 +3184,7 @@
           <a:p>
             <a:pPr lvl="0"/>
             <a:fld id="{4F39389B-6F88-4F47-AA0F-D205F1C3AC33}" type="slidenum">
+              <a:rPr lang="en-US" smtClean="0"/>
               <a:t>‹#›</a:t>
             </a:fld>
             <a:endParaRPr lang="en-US"/>
@@ -3505,7 +3194,7 @@
     </p:spTree>
     <p:extLst>
       <p:ext uri="{BB962C8B-B14F-4D97-AF65-F5344CB8AC3E}">
-        <p14:creationId xmlns:p14="http://schemas.microsoft.com/office/powerpoint/2010/main" val="3698128280"/>
+        <p14:creationId xmlns:p14="http://schemas.microsoft.com/office/powerpoint/2010/main" val="1890296181"/>
       </p:ext>
     </p:extLst>
   </p:cSld>
@@ -3519,10 +3208,9 @@
 <p:sldMaster xmlns:a="http://schemas.openxmlformats.org/drawingml/2006/main" xmlns:r="http://schemas.openxmlformats.org/officeDocument/2006/relationships" xmlns:p="http://schemas.openxmlformats.org/presentationml/2006/main">
   <p:cSld>
     <p:bg>
-      <p:bgPr>
-        <a:noFill/>
-        <a:effectLst/>
-      </p:bgPr>
+      <p:bgRef idx="1001">
+        <a:schemeClr val="bg1"/>
+      </p:bgRef>
     </p:bg>
     <p:spTree>
       <p:nvGrpSpPr>
@@ -3540,14 +3228,8 @@
       </p:grpSpPr>
       <p:sp>
         <p:nvSpPr>
-          <p:cNvPr id="2" name="Title Placeholder 1">
-            <a:extLst>
-              <a:ext uri="{FF2B5EF4-FFF2-40B4-BE49-F238E27FC236}">
-                <a16:creationId xmlns:a16="http://schemas.microsoft.com/office/drawing/2014/main" id="{5AAA6B09-E4C6-45E4-96E9-1FCCD338B1DD}"/>
-              </a:ext>
-            </a:extLst>
-          </p:cNvPr>
-          <p:cNvSpPr txBox="1">
+          <p:cNvPr id="2" name="Title Placeholder 1"/>
+          <p:cNvSpPr>
             <a:spLocks noGrp="1"/>
           </p:cNvSpPr>
           <p:nvPr>
@@ -3556,35 +3238,31 @@
         </p:nvSpPr>
         <p:spPr>
           <a:xfrm>
-            <a:off x="1097280" y="1165680"/>
-            <a:ext cx="19750320" cy="4885200"/>
+            <a:off x="1524476" y="1570044"/>
+            <a:ext cx="19125248" cy="5699921"/>
           </a:xfrm>
           <a:prstGeom prst="rect">
             <a:avLst/>
           </a:prstGeom>
-          <a:noFill/>
-          <a:ln>
-            <a:noFill/>
-          </a:ln>
         </p:spPr>
         <p:txBody>
-          <a:bodyPr lIns="0" tIns="0" rIns="0" bIns="0" anchor="ctr"/>
+          <a:bodyPr vert="horz" lIns="91440" tIns="45720" rIns="91440" bIns="45720" rtlCol="0" anchor="ctr">
+            <a:normAutofit/>
+          </a:bodyPr>
           <a:lstStyle/>
           <a:p>
-            <a:endParaRPr lang="en-US"/>
-          </a:p>
-        </p:txBody>
-      </p:sp>
-      <p:sp>
-        <p:nvSpPr>
-          <p:cNvPr id="3" name="Text Placeholder 2">
-            <a:extLst>
-              <a:ext uri="{FF2B5EF4-FFF2-40B4-BE49-F238E27FC236}">
-                <a16:creationId xmlns:a16="http://schemas.microsoft.com/office/drawing/2014/main" id="{E47B70BF-7BB0-4EB9-AA97-2162157EA777}"/>
-              </a:ext>
-            </a:extLst>
-          </p:cNvPr>
-          <p:cNvSpPr txBox="1">
+            <a:r>
+              <a:rPr lang="en-US"/>
+              <a:t>Click to edit Master title style</a:t>
+            </a:r>
+            <a:endParaRPr lang="en-US" dirty="0"/>
+          </a:p>
+        </p:txBody>
+      </p:sp>
+      <p:sp>
+        <p:nvSpPr>
+          <p:cNvPr id="3" name="Text Placeholder 2"/>
+          <p:cNvSpPr>
             <a:spLocks noGrp="1"/>
           </p:cNvSpPr>
           <p:nvPr>
@@ -3593,20 +3271,16 @@
         </p:nvSpPr>
         <p:spPr>
           <a:xfrm>
-            <a:off x="1097280" y="6846120"/>
-            <a:ext cx="19750320" cy="16969320"/>
+            <a:off x="1524476" y="7850188"/>
+            <a:ext cx="19125248" cy="18710753"/>
           </a:xfrm>
           <a:prstGeom prst="rect">
             <a:avLst/>
           </a:prstGeom>
-          <a:noFill/>
-          <a:ln>
-            <a:noFill/>
-          </a:ln>
         </p:spPr>
         <p:txBody>
-          <a:bodyPr lIns="0" tIns="0" rIns="0" bIns="0">
-            <a:noAutofit/>
+          <a:bodyPr vert="horz" lIns="91440" tIns="45720" rIns="91440" bIns="45720" rtlCol="0">
+            <a:normAutofit/>
           </a:bodyPr>
           <a:lstStyle/>
           <a:p>
@@ -3643,19 +3317,14 @@
               <a:rPr lang="en-US"/>
               <a:t>Fifth level</a:t>
             </a:r>
-          </a:p>
-        </p:txBody>
-      </p:sp>
-      <p:sp>
-        <p:nvSpPr>
-          <p:cNvPr id="4" name="Date Placeholder 3">
-            <a:extLst>
-              <a:ext uri="{FF2B5EF4-FFF2-40B4-BE49-F238E27FC236}">
-                <a16:creationId xmlns:a16="http://schemas.microsoft.com/office/drawing/2014/main" id="{FE3136CE-D13D-4335-8694-3962D7B06EB5}"/>
-              </a:ext>
-            </a:extLst>
-          </p:cNvPr>
-          <p:cNvSpPr txBox="1">
+            <a:endParaRPr lang="en-US" dirty="0"/>
+          </a:p>
+        </p:txBody>
+      </p:sp>
+      <p:sp>
+        <p:nvSpPr>
+          <p:cNvPr id="4" name="Date Placeholder 3"/>
+          <p:cNvSpPr>
             <a:spLocks noGrp="1"/>
           </p:cNvSpPr>
           <p:nvPr>
@@ -3664,29 +3333,23 @@
         </p:nvSpPr>
         <p:spPr>
           <a:xfrm>
-            <a:off x="1097280" y="26655840"/>
-            <a:ext cx="5112720" cy="2017080"/>
+            <a:off x="1524476" y="27332311"/>
+            <a:ext cx="4989195" cy="1570038"/>
           </a:xfrm>
           <a:prstGeom prst="rect">
             <a:avLst/>
           </a:prstGeom>
-          <a:noFill/>
-          <a:ln>
-            <a:noFill/>
-          </a:ln>
         </p:spPr>
         <p:txBody>
-          <a:bodyPr lIns="0" tIns="0" rIns="0" bIns="0" anchorCtr="0">
-            <a:noAutofit/>
-          </a:bodyPr>
+          <a:bodyPr vert="horz" lIns="91440" tIns="45720" rIns="91440" bIns="45720" rtlCol="0" anchor="ctr"/>
           <a:lstStyle>
-            <a:lvl1pPr lvl="0" rtl="0" hangingPunct="0">
-              <a:buNone/>
-              <a:tabLst/>
-              <a:defRPr lang="en-US" sz="1400" kern="1200">
-                <a:latin typeface="Liberation Serif" pitchFamily="18"/>
-                <a:ea typeface="DejaVu Sans" pitchFamily="2"/>
-                <a:cs typeface="DejaVu Sans" pitchFamily="2"/>
+            <a:lvl1pPr algn="l">
+              <a:defRPr sz="2910">
+                <a:solidFill>
+                  <a:schemeClr val="tx1">
+                    <a:tint val="75000"/>
+                  </a:schemeClr>
+                </a:solidFill>
               </a:defRPr>
             </a:lvl1pPr>
           </a:lstStyle>
@@ -3698,14 +3361,8 @@
       </p:sp>
       <p:sp>
         <p:nvSpPr>
-          <p:cNvPr id="5" name="Footer Placeholder 4">
-            <a:extLst>
-              <a:ext uri="{FF2B5EF4-FFF2-40B4-BE49-F238E27FC236}">
-                <a16:creationId xmlns:a16="http://schemas.microsoft.com/office/drawing/2014/main" id="{2D3F8D41-82A3-4499-83A9-6236EDBE2D13}"/>
-              </a:ext>
-            </a:extLst>
-          </p:cNvPr>
-          <p:cNvSpPr txBox="1">
+          <p:cNvPr id="5" name="Footer Placeholder 4"/>
+          <p:cNvSpPr>
             <a:spLocks noGrp="1"/>
           </p:cNvSpPr>
           <p:nvPr>
@@ -3714,29 +3371,23 @@
         </p:nvSpPr>
         <p:spPr>
           <a:xfrm>
-            <a:off x="7505280" y="26655840"/>
-            <a:ext cx="6955920" cy="2017080"/>
+            <a:off x="7345204" y="27332311"/>
+            <a:ext cx="7483793" cy="1570038"/>
           </a:xfrm>
           <a:prstGeom prst="rect">
             <a:avLst/>
           </a:prstGeom>
-          <a:noFill/>
-          <a:ln>
-            <a:noFill/>
-          </a:ln>
         </p:spPr>
         <p:txBody>
-          <a:bodyPr lIns="0" tIns="0" rIns="0" bIns="0" anchorCtr="0">
-            <a:noAutofit/>
-          </a:bodyPr>
+          <a:bodyPr vert="horz" lIns="91440" tIns="45720" rIns="91440" bIns="45720" rtlCol="0" anchor="ctr"/>
           <a:lstStyle>
-            <a:lvl1pPr lvl="0" algn="ctr" rtl="0" hangingPunct="0">
-              <a:buNone/>
-              <a:tabLst/>
-              <a:defRPr lang="en-US" sz="1400" kern="1200">
-                <a:latin typeface="Liberation Serif" pitchFamily="18"/>
-                <a:ea typeface="DejaVu Sans" pitchFamily="2"/>
-                <a:cs typeface="DejaVu Sans" pitchFamily="2"/>
+            <a:lvl1pPr algn="ctr">
+              <a:defRPr sz="2910">
+                <a:solidFill>
+                  <a:schemeClr val="tx1">
+                    <a:tint val="75000"/>
+                  </a:schemeClr>
+                </a:solidFill>
               </a:defRPr>
             </a:lvl1pPr>
           </a:lstStyle>
@@ -3748,14 +3399,8 @@
       </p:sp>
       <p:sp>
         <p:nvSpPr>
-          <p:cNvPr id="6" name="Slide Number Placeholder 5">
-            <a:extLst>
-              <a:ext uri="{FF2B5EF4-FFF2-40B4-BE49-F238E27FC236}">
-                <a16:creationId xmlns:a16="http://schemas.microsoft.com/office/drawing/2014/main" id="{C300622D-6153-44B2-90BD-ECFC75BE750D}"/>
-              </a:ext>
-            </a:extLst>
-          </p:cNvPr>
-          <p:cNvSpPr txBox="1">
+          <p:cNvPr id="6" name="Slide Number Placeholder 5"/>
+          <p:cNvSpPr>
             <a:spLocks noGrp="1"/>
           </p:cNvSpPr>
           <p:nvPr>
@@ -3764,35 +3409,30 @@
         </p:nvSpPr>
         <p:spPr>
           <a:xfrm>
-            <a:off x="15734880" y="26655840"/>
-            <a:ext cx="5112720" cy="2017080"/>
+            <a:off x="15660529" y="27332311"/>
+            <a:ext cx="4989195" cy="1570038"/>
           </a:xfrm>
           <a:prstGeom prst="rect">
             <a:avLst/>
           </a:prstGeom>
-          <a:noFill/>
-          <a:ln>
-            <a:noFill/>
-          </a:ln>
         </p:spPr>
         <p:txBody>
-          <a:bodyPr lIns="0" tIns="0" rIns="0" bIns="0" anchorCtr="0">
-            <a:noAutofit/>
-          </a:bodyPr>
+          <a:bodyPr vert="horz" lIns="91440" tIns="45720" rIns="91440" bIns="45720" rtlCol="0" anchor="ctr"/>
           <a:lstStyle>
-            <a:lvl1pPr lvl="0" algn="r" rtl="0" hangingPunct="0">
-              <a:buNone/>
-              <a:tabLst/>
-              <a:defRPr lang="en-US" sz="1400" kern="1200">
-                <a:latin typeface="Liberation Serif" pitchFamily="18"/>
-                <a:ea typeface="DejaVu Sans" pitchFamily="2"/>
-                <a:cs typeface="DejaVu Sans" pitchFamily="2"/>
+            <a:lvl1pPr algn="r">
+              <a:defRPr sz="2910">
+                <a:solidFill>
+                  <a:schemeClr val="tx1">
+                    <a:tint val="75000"/>
+                  </a:schemeClr>
+                </a:solidFill>
               </a:defRPr>
             </a:lvl1pPr>
           </a:lstStyle>
           <a:p>
             <a:pPr lvl="0"/>
             <a:fld id="{1166192C-B75F-43F2-8701-7268183149D4}" type="slidenum">
+              <a:rPr lang="en-US" smtClean="0"/>
               <a:t>‹#›</a:t>
             </a:fld>
             <a:endParaRPr lang="en-US"/>
@@ -3800,69 +3440,75 @@
         </p:txBody>
       </p:sp>
     </p:spTree>
+    <p:extLst>
+      <p:ext uri="{BB962C8B-B14F-4D97-AF65-F5344CB8AC3E}">
+        <p14:creationId xmlns:p14="http://schemas.microsoft.com/office/powerpoint/2010/main" val="1868388683"/>
+      </p:ext>
+    </p:extLst>
   </p:cSld>
   <p:clrMap bg1="lt1" tx1="dk1" bg2="lt2" tx2="dk2" accent1="accent1" accent2="accent2" accent3="accent3" accent4="accent4" accent5="accent5" accent6="accent6" hlink="hlink" folHlink="folHlink"/>
   <p:sldLayoutIdLst>
-    <p:sldLayoutId id="2147483649" r:id="rId1"/>
-    <p:sldLayoutId id="2147483650" r:id="rId2"/>
-    <p:sldLayoutId id="2147483651" r:id="rId3"/>
-    <p:sldLayoutId id="2147483652" r:id="rId4"/>
-    <p:sldLayoutId id="2147483653" r:id="rId5"/>
-    <p:sldLayoutId id="2147483654" r:id="rId6"/>
-    <p:sldLayoutId id="2147483655" r:id="rId7"/>
-    <p:sldLayoutId id="2147483656" r:id="rId8"/>
-    <p:sldLayoutId id="2147483657" r:id="rId9"/>
-    <p:sldLayoutId id="2147483658" r:id="rId10"/>
-    <p:sldLayoutId id="2147483659" r:id="rId11"/>
+    <p:sldLayoutId id="2147483661" r:id="rId1"/>
+    <p:sldLayoutId id="2147483662" r:id="rId2"/>
+    <p:sldLayoutId id="2147483663" r:id="rId3"/>
+    <p:sldLayoutId id="2147483664" r:id="rId4"/>
+    <p:sldLayoutId id="2147483665" r:id="rId5"/>
+    <p:sldLayoutId id="2147483666" r:id="rId6"/>
+    <p:sldLayoutId id="2147483667" r:id="rId7"/>
+    <p:sldLayoutId id="2147483668" r:id="rId8"/>
+    <p:sldLayoutId id="2147483669" r:id="rId9"/>
+    <p:sldLayoutId id="2147483670" r:id="rId10"/>
+    <p:sldLayoutId id="2147483671" r:id="rId11"/>
   </p:sldLayoutIdLst>
   <p:txStyles>
     <p:titleStyle>
-      <a:lvl1pPr algn="ctr" rtl="0" hangingPunct="0">
-        <a:tabLst/>
-        <a:defRPr lang="en-US" sz="17020" b="0" i="0" u="none" strike="noStrike" kern="1200" cap="none">
-          <a:ln>
-            <a:noFill/>
-          </a:ln>
-          <a:highlight>
-            <a:scrgbClr r="0" g="0" b="0">
-              <a:alpha val="0"/>
-            </a:scrgbClr>
-          </a:highlight>
-          <a:latin typeface="Liberation Sans" pitchFamily="18"/>
+      <a:lvl1pPr algn="l" defTabSz="2217420" rtl="0" eaLnBrk="1" latinLnBrk="0" hangingPunct="1">
+        <a:lnSpc>
+          <a:spcPct val="90000"/>
+        </a:lnSpc>
+        <a:spcBef>
+          <a:spcPct val="0"/>
+        </a:spcBef>
+        <a:buNone/>
+        <a:defRPr sz="10670" kern="1200">
+          <a:solidFill>
+            <a:schemeClr val="tx1"/>
+          </a:solidFill>
+          <a:latin typeface="+mj-lt"/>
+          <a:ea typeface="+mj-ea"/>
+          <a:cs typeface="+mj-cs"/>
         </a:defRPr>
       </a:lvl1pPr>
     </p:titleStyle>
     <p:bodyStyle>
-      <a:lvl1pPr marL="0" marR="0" indent="0" rtl="0" hangingPunct="0">
-        <a:spcBef>
-          <a:spcPts val="5471"/>
-        </a:spcBef>
-        <a:spcAft>
-          <a:spcPts val="0"/>
-        </a:spcAft>
-        <a:tabLst/>
-        <a:defRPr lang="en-US" sz="12370" b="0" i="0" u="none" strike="noStrike" kern="1200" cap="none">
-          <a:ln>
-            <a:noFill/>
-          </a:ln>
-          <a:highlight>
-            <a:scrgbClr r="0" g="0" b="0">
-              <a:alpha val="0"/>
-            </a:scrgbClr>
-          </a:highlight>
-          <a:latin typeface="Liberation Sans" pitchFamily="18"/>
-        </a:defRPr>
-      </a:lvl1pPr>
-      <a:lvl2pPr marL="685800" indent="-228600" algn="l" defTabSz="914400" rtl="0" eaLnBrk="1" latinLnBrk="0" hangingPunct="1">
+      <a:lvl1pPr marL="554355" indent="-554355" algn="l" defTabSz="2217420" rtl="0" eaLnBrk="1" latinLnBrk="0" hangingPunct="1">
         <a:lnSpc>
           <a:spcPct val="90000"/>
         </a:lnSpc>
         <a:spcBef>
-          <a:spcPts val="500"/>
+          <a:spcPts val="2425"/>
         </a:spcBef>
         <a:buFont typeface="Arial" panose="020B0604020202020204" pitchFamily="34" charset="0"/>
         <a:buChar char="•"/>
-        <a:defRPr sz="2400" kern="1200">
+        <a:defRPr sz="6790" kern="1200">
+          <a:solidFill>
+            <a:schemeClr val="tx1"/>
+          </a:solidFill>
+          <a:latin typeface="+mn-lt"/>
+          <a:ea typeface="+mn-ea"/>
+          <a:cs typeface="+mn-cs"/>
+        </a:defRPr>
+      </a:lvl1pPr>
+      <a:lvl2pPr marL="1663065" indent="-554355" algn="l" defTabSz="2217420" rtl="0" eaLnBrk="1" latinLnBrk="0" hangingPunct="1">
+        <a:lnSpc>
+          <a:spcPct val="90000"/>
+        </a:lnSpc>
+        <a:spcBef>
+          <a:spcPts val="1213"/>
+        </a:spcBef>
+        <a:buFont typeface="Arial" panose="020B0604020202020204" pitchFamily="34" charset="0"/>
+        <a:buChar char="•"/>
+        <a:defRPr sz="5820" kern="1200">
           <a:solidFill>
             <a:schemeClr val="tx1"/>
           </a:solidFill>
@@ -3871,16 +3517,16 @@
           <a:cs typeface="+mn-cs"/>
         </a:defRPr>
       </a:lvl2pPr>
-      <a:lvl3pPr marL="1143000" indent="-228600" algn="l" defTabSz="914400" rtl="0" eaLnBrk="1" latinLnBrk="0" hangingPunct="1">
+      <a:lvl3pPr marL="2771775" indent="-554355" algn="l" defTabSz="2217420" rtl="0" eaLnBrk="1" latinLnBrk="0" hangingPunct="1">
         <a:lnSpc>
           <a:spcPct val="90000"/>
         </a:lnSpc>
         <a:spcBef>
-          <a:spcPts val="500"/>
+          <a:spcPts val="1213"/>
         </a:spcBef>
         <a:buFont typeface="Arial" panose="020B0604020202020204" pitchFamily="34" charset="0"/>
         <a:buChar char="•"/>
-        <a:defRPr sz="2000" kern="1200">
+        <a:defRPr sz="4850" kern="1200">
           <a:solidFill>
             <a:schemeClr val="tx1"/>
           </a:solidFill>
@@ -3889,16 +3535,16 @@
           <a:cs typeface="+mn-cs"/>
         </a:defRPr>
       </a:lvl3pPr>
-      <a:lvl4pPr marL="1600200" indent="-228600" algn="l" defTabSz="914400" rtl="0" eaLnBrk="1" latinLnBrk="0" hangingPunct="1">
+      <a:lvl4pPr marL="3880485" indent="-554355" algn="l" defTabSz="2217420" rtl="0" eaLnBrk="1" latinLnBrk="0" hangingPunct="1">
         <a:lnSpc>
           <a:spcPct val="90000"/>
         </a:lnSpc>
         <a:spcBef>
-          <a:spcPts val="500"/>
+          <a:spcPts val="1213"/>
         </a:spcBef>
         <a:buFont typeface="Arial" panose="020B0604020202020204" pitchFamily="34" charset="0"/>
         <a:buChar char="•"/>
-        <a:defRPr sz="1800" kern="1200">
+        <a:defRPr sz="4365" kern="1200">
           <a:solidFill>
             <a:schemeClr val="tx1"/>
           </a:solidFill>
@@ -3907,16 +3553,16 @@
           <a:cs typeface="+mn-cs"/>
         </a:defRPr>
       </a:lvl4pPr>
-      <a:lvl5pPr marL="2057400" indent="-228600" algn="l" defTabSz="914400" rtl="0" eaLnBrk="1" latinLnBrk="0" hangingPunct="1">
+      <a:lvl5pPr marL="4989195" indent="-554355" algn="l" defTabSz="2217420" rtl="0" eaLnBrk="1" latinLnBrk="0" hangingPunct="1">
         <a:lnSpc>
           <a:spcPct val="90000"/>
         </a:lnSpc>
         <a:spcBef>
-          <a:spcPts val="500"/>
+          <a:spcPts val="1213"/>
         </a:spcBef>
         <a:buFont typeface="Arial" panose="020B0604020202020204" pitchFamily="34" charset="0"/>
         <a:buChar char="•"/>
-        <a:defRPr sz="1800" kern="1200">
+        <a:defRPr sz="4365" kern="1200">
           <a:solidFill>
             <a:schemeClr val="tx1"/>
           </a:solidFill>
@@ -3925,16 +3571,16 @@
           <a:cs typeface="+mn-cs"/>
         </a:defRPr>
       </a:lvl5pPr>
-      <a:lvl6pPr marL="2514600" indent="-228600" algn="l" defTabSz="914400" rtl="0" eaLnBrk="1" latinLnBrk="0" hangingPunct="1">
+      <a:lvl6pPr marL="6097905" indent="-554355" algn="l" defTabSz="2217420" rtl="0" eaLnBrk="1" latinLnBrk="0" hangingPunct="1">
         <a:lnSpc>
           <a:spcPct val="90000"/>
         </a:lnSpc>
         <a:spcBef>
-          <a:spcPts val="500"/>
+          <a:spcPts val="1213"/>
         </a:spcBef>
         <a:buFont typeface="Arial" panose="020B0604020202020204" pitchFamily="34" charset="0"/>
         <a:buChar char="•"/>
-        <a:defRPr sz="1800" kern="1200">
+        <a:defRPr sz="4365" kern="1200">
           <a:solidFill>
             <a:schemeClr val="tx1"/>
           </a:solidFill>
@@ -3943,16 +3589,16 @@
           <a:cs typeface="+mn-cs"/>
         </a:defRPr>
       </a:lvl6pPr>
-      <a:lvl7pPr marL="2971800" indent="-228600" algn="l" defTabSz="914400" rtl="0" eaLnBrk="1" latinLnBrk="0" hangingPunct="1">
+      <a:lvl7pPr marL="7206615" indent="-554355" algn="l" defTabSz="2217420" rtl="0" eaLnBrk="1" latinLnBrk="0" hangingPunct="1">
         <a:lnSpc>
           <a:spcPct val="90000"/>
         </a:lnSpc>
         <a:spcBef>
-          <a:spcPts val="500"/>
+          <a:spcPts val="1213"/>
         </a:spcBef>
         <a:buFont typeface="Arial" panose="020B0604020202020204" pitchFamily="34" charset="0"/>
         <a:buChar char="•"/>
-        <a:defRPr sz="1800" kern="1200">
+        <a:defRPr sz="4365" kern="1200">
           <a:solidFill>
             <a:schemeClr val="tx1"/>
           </a:solidFill>
@@ -3961,16 +3607,16 @@
           <a:cs typeface="+mn-cs"/>
         </a:defRPr>
       </a:lvl7pPr>
-      <a:lvl8pPr marL="3429000" indent="-228600" algn="l" defTabSz="914400" rtl="0" eaLnBrk="1" latinLnBrk="0" hangingPunct="1">
+      <a:lvl8pPr marL="8315325" indent="-554355" algn="l" defTabSz="2217420" rtl="0" eaLnBrk="1" latinLnBrk="0" hangingPunct="1">
         <a:lnSpc>
           <a:spcPct val="90000"/>
         </a:lnSpc>
         <a:spcBef>
-          <a:spcPts val="500"/>
+          <a:spcPts val="1213"/>
         </a:spcBef>
         <a:buFont typeface="Arial" panose="020B0604020202020204" pitchFamily="34" charset="0"/>
         <a:buChar char="•"/>
-        <a:defRPr sz="1800" kern="1200">
+        <a:defRPr sz="4365" kern="1200">
           <a:solidFill>
             <a:schemeClr val="tx1"/>
           </a:solidFill>
@@ -3979,16 +3625,16 @@
           <a:cs typeface="+mn-cs"/>
         </a:defRPr>
       </a:lvl8pPr>
-      <a:lvl9pPr marL="3886200" indent="-228600" algn="l" defTabSz="914400" rtl="0" eaLnBrk="1" latinLnBrk="0" hangingPunct="1">
+      <a:lvl9pPr marL="9424035" indent="-554355" algn="l" defTabSz="2217420" rtl="0" eaLnBrk="1" latinLnBrk="0" hangingPunct="1">
         <a:lnSpc>
           <a:spcPct val="90000"/>
         </a:lnSpc>
         <a:spcBef>
-          <a:spcPts val="500"/>
+          <a:spcPts val="1213"/>
         </a:spcBef>
         <a:buFont typeface="Arial" panose="020B0604020202020204" pitchFamily="34" charset="0"/>
         <a:buChar char="•"/>
-        <a:defRPr sz="1800" kern="1200">
+        <a:defRPr sz="4365" kern="1200">
           <a:solidFill>
             <a:schemeClr val="tx1"/>
           </a:solidFill>
@@ -4002,8 +3648,8 @@
       <a:defPPr>
         <a:defRPr lang="en-US"/>
       </a:defPPr>
-      <a:lvl1pPr marL="0" algn="l" defTabSz="914400" rtl="0" eaLnBrk="1" latinLnBrk="0" hangingPunct="1">
-        <a:defRPr sz="1800" kern="1200">
+      <a:lvl1pPr marL="0" algn="l" defTabSz="2217420" rtl="0" eaLnBrk="1" latinLnBrk="0" hangingPunct="1">
+        <a:defRPr sz="4365" kern="1200">
           <a:solidFill>
             <a:schemeClr val="tx1"/>
           </a:solidFill>
@@ -4012,8 +3658,8 @@
           <a:cs typeface="+mn-cs"/>
         </a:defRPr>
       </a:lvl1pPr>
-      <a:lvl2pPr marL="457200" algn="l" defTabSz="914400" rtl="0" eaLnBrk="1" latinLnBrk="0" hangingPunct="1">
-        <a:defRPr sz="1800" kern="1200">
+      <a:lvl2pPr marL="1108710" algn="l" defTabSz="2217420" rtl="0" eaLnBrk="1" latinLnBrk="0" hangingPunct="1">
+        <a:defRPr sz="4365" kern="1200">
           <a:solidFill>
             <a:schemeClr val="tx1"/>
           </a:solidFill>
@@ -4022,8 +3668,8 @@
           <a:cs typeface="+mn-cs"/>
         </a:defRPr>
       </a:lvl2pPr>
-      <a:lvl3pPr marL="914400" algn="l" defTabSz="914400" rtl="0" eaLnBrk="1" latinLnBrk="0" hangingPunct="1">
-        <a:defRPr sz="1800" kern="1200">
+      <a:lvl3pPr marL="2217420" algn="l" defTabSz="2217420" rtl="0" eaLnBrk="1" latinLnBrk="0" hangingPunct="1">
+        <a:defRPr sz="4365" kern="1200">
           <a:solidFill>
             <a:schemeClr val="tx1"/>
           </a:solidFill>
@@ -4032,8 +3678,8 @@
           <a:cs typeface="+mn-cs"/>
         </a:defRPr>
       </a:lvl3pPr>
-      <a:lvl4pPr marL="1371600" algn="l" defTabSz="914400" rtl="0" eaLnBrk="1" latinLnBrk="0" hangingPunct="1">
-        <a:defRPr sz="1800" kern="1200">
+      <a:lvl4pPr marL="3326130" algn="l" defTabSz="2217420" rtl="0" eaLnBrk="1" latinLnBrk="0" hangingPunct="1">
+        <a:defRPr sz="4365" kern="1200">
           <a:solidFill>
             <a:schemeClr val="tx1"/>
           </a:solidFill>
@@ -4042,8 +3688,8 @@
           <a:cs typeface="+mn-cs"/>
         </a:defRPr>
       </a:lvl4pPr>
-      <a:lvl5pPr marL="1828800" algn="l" defTabSz="914400" rtl="0" eaLnBrk="1" latinLnBrk="0" hangingPunct="1">
-        <a:defRPr sz="1800" kern="1200">
+      <a:lvl5pPr marL="4434840" algn="l" defTabSz="2217420" rtl="0" eaLnBrk="1" latinLnBrk="0" hangingPunct="1">
+        <a:defRPr sz="4365" kern="1200">
           <a:solidFill>
             <a:schemeClr val="tx1"/>
           </a:solidFill>
@@ -4052,8 +3698,8 @@
           <a:cs typeface="+mn-cs"/>
         </a:defRPr>
       </a:lvl5pPr>
-      <a:lvl6pPr marL="2286000" algn="l" defTabSz="914400" rtl="0" eaLnBrk="1" latinLnBrk="0" hangingPunct="1">
-        <a:defRPr sz="1800" kern="1200">
+      <a:lvl6pPr marL="5543550" algn="l" defTabSz="2217420" rtl="0" eaLnBrk="1" latinLnBrk="0" hangingPunct="1">
+        <a:defRPr sz="4365" kern="1200">
           <a:solidFill>
             <a:schemeClr val="tx1"/>
           </a:solidFill>
@@ -4062,8 +3708,8 @@
           <a:cs typeface="+mn-cs"/>
         </a:defRPr>
       </a:lvl6pPr>
-      <a:lvl7pPr marL="2743200" algn="l" defTabSz="914400" rtl="0" eaLnBrk="1" latinLnBrk="0" hangingPunct="1">
-        <a:defRPr sz="1800" kern="1200">
+      <a:lvl7pPr marL="6652260" algn="l" defTabSz="2217420" rtl="0" eaLnBrk="1" latinLnBrk="0" hangingPunct="1">
+        <a:defRPr sz="4365" kern="1200">
           <a:solidFill>
             <a:schemeClr val="tx1"/>
           </a:solidFill>
@@ -4072,8 +3718,8 @@
           <a:cs typeface="+mn-cs"/>
         </a:defRPr>
       </a:lvl7pPr>
-      <a:lvl8pPr marL="3200400" algn="l" defTabSz="914400" rtl="0" eaLnBrk="1" latinLnBrk="0" hangingPunct="1">
-        <a:defRPr sz="1800" kern="1200">
+      <a:lvl8pPr marL="7760970" algn="l" defTabSz="2217420" rtl="0" eaLnBrk="1" latinLnBrk="0" hangingPunct="1">
+        <a:defRPr sz="4365" kern="1200">
           <a:solidFill>
             <a:schemeClr val="tx1"/>
           </a:solidFill>
@@ -4082,8 +3728,8 @@
           <a:cs typeface="+mn-cs"/>
         </a:defRPr>
       </a:lvl8pPr>
-      <a:lvl9pPr marL="3657600" algn="l" defTabSz="914400" rtl="0" eaLnBrk="1" latinLnBrk="0" hangingPunct="1">
-        <a:defRPr sz="1800" kern="1200">
+      <a:lvl9pPr marL="8869680" algn="l" defTabSz="2217420" rtl="0" eaLnBrk="1" latinLnBrk="0" hangingPunct="1">
+        <a:defRPr sz="4365" kern="1200">
           <a:solidFill>
             <a:schemeClr val="tx1"/>
           </a:solidFill>
@@ -4128,8 +3774,8 @@
         </p:nvSpPr>
         <p:spPr>
           <a:xfrm>
-            <a:off x="483684" y="13782140"/>
-            <a:ext cx="20756880" cy="7230010"/>
+            <a:off x="564812" y="13889813"/>
+            <a:ext cx="20935732" cy="7286494"/>
           </a:xfrm>
           <a:custGeom>
             <a:avLst/>
@@ -4187,28 +3833,13 @@
           </a:ln>
         </p:spPr>
         <p:txBody>
-          <a:bodyPr vert="horz" wrap="none" lIns="90000" tIns="45000" rIns="90000" bIns="45000" anchor="ctr" anchorCtr="0" compatLnSpc="0">
+          <a:bodyPr vert="horz" wrap="none" lIns="90703" tIns="45352" rIns="90703" bIns="45352" anchor="ctr" anchorCtr="0" compatLnSpc="0">
             <a:noAutofit/>
           </a:bodyPr>
           <a:lstStyle/>
           <a:p>
-            <a:pPr marL="0" marR="0" lvl="0" indent="0" rtl="0" hangingPunct="0">
-              <a:lnSpc>
-                <a:spcPct val="100000"/>
-              </a:lnSpc>
-              <a:spcBef>
-                <a:spcPts val="0"/>
-              </a:spcBef>
-              <a:spcAft>
-                <a:spcPts val="0"/>
-              </a:spcAft>
-              <a:buNone/>
-              <a:tabLst/>
-            </a:pPr>
-            <a:endParaRPr lang="en-US" sz="1800" b="0" i="0" u="none" strike="noStrike" kern="1200" cap="none">
-              <a:ln>
-                <a:noFill/>
-              </a:ln>
+            <a:pPr hangingPunct="0"/>
+            <a:endParaRPr lang="en-US" sz="1814">
               <a:latin typeface="Liberation Sans" pitchFamily="18"/>
               <a:ea typeface="Noto Sans CJK SC Regular" pitchFamily="2"/>
               <a:cs typeface="FreeSans" pitchFamily="2"/>
@@ -4230,8 +3861,8 @@
         </p:nvSpPr>
         <p:spPr>
           <a:xfrm>
-            <a:off x="11509560" y="4754160"/>
-            <a:ext cx="9795960" cy="8595360"/>
+            <a:off x="11628053" y="4791302"/>
+            <a:ext cx="9872491" cy="8662511"/>
           </a:xfrm>
           <a:custGeom>
             <a:avLst>
@@ -4392,28 +4023,13 @@
           </a:ln>
         </p:spPr>
         <p:txBody>
-          <a:bodyPr vert="horz" wrap="none" lIns="90000" tIns="45000" rIns="90000" bIns="45000" anchor="ctr" anchorCtr="0" compatLnSpc="0">
+          <a:bodyPr vert="horz" wrap="none" lIns="90703" tIns="45352" rIns="90703" bIns="45352" anchor="ctr" anchorCtr="0" compatLnSpc="0">
             <a:noAutofit/>
           </a:bodyPr>
           <a:lstStyle/>
           <a:p>
-            <a:pPr marL="0" marR="0" lvl="0" indent="0" rtl="0" hangingPunct="0">
-              <a:lnSpc>
-                <a:spcPct val="100000"/>
-              </a:lnSpc>
-              <a:spcBef>
-                <a:spcPts val="0"/>
-              </a:spcBef>
-              <a:spcAft>
-                <a:spcPts val="0"/>
-              </a:spcAft>
-              <a:buNone/>
-              <a:tabLst/>
-            </a:pPr>
-            <a:endParaRPr lang="en-US" sz="1800" b="0" i="0" u="none" strike="noStrike" kern="1200" cap="none">
-              <a:ln>
-                <a:noFill/>
-              </a:ln>
+            <a:pPr hangingPunct="0"/>
+            <a:endParaRPr lang="en-US" sz="1814">
               <a:latin typeface="Liberation Sans" pitchFamily="18"/>
               <a:ea typeface="Noto Sans CJK SC Regular" pitchFamily="2"/>
               <a:cs typeface="FreeSans" pitchFamily="2"/>
@@ -4423,10 +4039,10 @@
       </p:sp>
       <p:sp>
         <p:nvSpPr>
-          <p:cNvPr id="4" name="Freeform: Shape 3">
+          <p:cNvPr id="5" name="Freeform: Shape 4">
             <a:extLst>
               <a:ext uri="{FF2B5EF4-FFF2-40B4-BE49-F238E27FC236}">
-                <a16:creationId xmlns:a16="http://schemas.microsoft.com/office/drawing/2014/main" id="{49C86A49-5229-4A68-8663-D5086E68995F}"/>
+                <a16:creationId xmlns:a16="http://schemas.microsoft.com/office/drawing/2014/main" id="{AB91EC73-D320-49BF-88C2-7932F32C6429}"/>
               </a:ext>
             </a:extLst>
           </p:cNvPr>
@@ -4435,8 +4051,8 @@
         </p:nvSpPr>
         <p:spPr>
           <a:xfrm>
-            <a:off x="548640" y="9303840"/>
-            <a:ext cx="10607040" cy="3777480"/>
+            <a:off x="581500" y="5045270"/>
+            <a:ext cx="10735681" cy="4054793"/>
           </a:xfrm>
           <a:custGeom>
             <a:avLst>
@@ -4597,28 +4213,13 @@
           </a:ln>
         </p:spPr>
         <p:txBody>
-          <a:bodyPr vert="horz" wrap="none" lIns="90000" tIns="45000" rIns="90000" bIns="45000" anchor="ctr" anchorCtr="0" compatLnSpc="0">
+          <a:bodyPr vert="horz" wrap="none" lIns="90703" tIns="45352" rIns="90703" bIns="45352" anchor="ctr" anchorCtr="0" compatLnSpc="0">
             <a:noAutofit/>
           </a:bodyPr>
           <a:lstStyle/>
           <a:p>
-            <a:pPr marL="0" marR="0" lvl="0" indent="0" rtl="0" hangingPunct="0">
-              <a:lnSpc>
-                <a:spcPct val="100000"/>
-              </a:lnSpc>
-              <a:spcBef>
-                <a:spcPts val="0"/>
-              </a:spcBef>
-              <a:spcAft>
-                <a:spcPts val="0"/>
-              </a:spcAft>
-              <a:buNone/>
-              <a:tabLst/>
-            </a:pPr>
-            <a:endParaRPr lang="en-US" sz="1800" b="0" i="0" u="none" strike="noStrike" kern="1200" cap="none">
-              <a:ln>
-                <a:noFill/>
-              </a:ln>
+            <a:pPr hangingPunct="0"/>
+            <a:endParaRPr lang="en-US" sz="1814">
               <a:latin typeface="Liberation Sans" pitchFamily="18"/>
               <a:ea typeface="Noto Sans CJK SC Regular" pitchFamily="2"/>
               <a:cs typeface="FreeSans" pitchFamily="2"/>
@@ -4628,10 +4229,785 @@
       </p:sp>
       <p:sp>
         <p:nvSpPr>
-          <p:cNvPr id="5" name="Freeform: Shape 4">
+          <p:cNvPr id="6" name="Title 5">
             <a:extLst>
               <a:ext uri="{FF2B5EF4-FFF2-40B4-BE49-F238E27FC236}">
-                <a16:creationId xmlns:a16="http://schemas.microsoft.com/office/drawing/2014/main" id="{AB91EC73-D320-49BF-88C2-7932F32C6429}"/>
+                <a16:creationId xmlns:a16="http://schemas.microsoft.com/office/drawing/2014/main" id="{3A513A75-6288-4426-923E-591E951A8625}"/>
+              </a:ext>
+            </a:extLst>
+          </p:cNvPr>
+          <p:cNvSpPr txBox="1">
+            <a:spLocks noGrp="1"/>
+          </p:cNvSpPr>
+          <p:nvPr>
+            <p:ph type="title" idx="4294967295"/>
+          </p:nvPr>
+        </p:nvSpPr>
+        <p:spPr>
+          <a:xfrm>
+            <a:off x="6692900" y="1195388"/>
+            <a:ext cx="15481300" cy="2500312"/>
+          </a:xfrm>
+        </p:spPr>
+        <p:txBody>
+          <a:bodyPr>
+            <a:spAutoFit/>
+          </a:bodyPr>
+          <a:lstStyle/>
+          <a:p>
+            <a:pPr lvl="0"/>
+            <a:r>
+              <a:rPr lang="en-US" sz="8062" dirty="0" err="1">
+                <a:latin typeface="Calibri" pitchFamily="34"/>
+              </a:rPr>
+              <a:t>BindsNET</a:t>
+            </a:r>
+            <a:r>
+              <a:rPr lang="en-US" sz="8062" dirty="0">
+                <a:latin typeface="Calibri" pitchFamily="34"/>
+              </a:rPr>
+              <a:t>: An ML-oriented spiking networks library built with </a:t>
+            </a:r>
+            <a:r>
+              <a:rPr lang="en-US" sz="8062" dirty="0" err="1">
+                <a:latin typeface="Calibri" pitchFamily="34"/>
+              </a:rPr>
+              <a:t>PyTorch</a:t>
+            </a:r>
+            <a:endParaRPr lang="en-US" sz="8062" dirty="0">
+              <a:latin typeface="Calibri" pitchFamily="34"/>
+            </a:endParaRPr>
+          </a:p>
+        </p:txBody>
+      </p:sp>
+      <p:sp>
+        <p:nvSpPr>
+          <p:cNvPr id="7" name="TextBox 6">
+            <a:extLst>
+              <a:ext uri="{FF2B5EF4-FFF2-40B4-BE49-F238E27FC236}">
+                <a16:creationId xmlns:a16="http://schemas.microsoft.com/office/drawing/2014/main" id="{F2B5BAD2-21A8-46D3-8C87-DB8F8DF99EF5}"/>
+              </a:ext>
+            </a:extLst>
+          </p:cNvPr>
+          <p:cNvSpPr txBox="1"/>
+          <p:nvPr/>
+        </p:nvSpPr>
+        <p:spPr>
+          <a:xfrm>
+            <a:off x="673656" y="3761640"/>
+            <a:ext cx="20826889" cy="921544"/>
+          </a:xfrm>
+          <a:prstGeom prst="rect">
+            <a:avLst/>
+          </a:prstGeom>
+          <a:noFill/>
+          <a:ln>
+            <a:noFill/>
+          </a:ln>
+        </p:spPr>
+        <p:txBody>
+          <a:bodyPr vert="horz" wrap="none" lIns="90703" tIns="45352" rIns="90703" bIns="45352" anchorCtr="0" compatLnSpc="0"/>
+          <a:lstStyle/>
+          <a:p>
+            <a:pPr algn="ctr" hangingPunct="0">
+              <a:spcBef>
+                <a:spcPts val="1200"/>
+              </a:spcBef>
+              <a:spcAft>
+                <a:spcPts val="1000"/>
+              </a:spcAft>
+              <a:defRPr sz="4400"/>
+            </a:pPr>
+            <a:r>
+              <a:rPr lang="en-US" sz="4434">
+                <a:latin typeface="Calibri" pitchFamily="34"/>
+                <a:ea typeface="Noto Sans CJK SC Regular" pitchFamily="2"/>
+                <a:cs typeface="FreeSans" pitchFamily="2"/>
+              </a:rPr>
+              <a:t>Daniel J. Saunders, Hananel Hazan, Hassaan Khan, Hava T. Siegelmann, Robert Kozma</a:t>
+            </a:r>
+          </a:p>
+        </p:txBody>
+      </p:sp>
+      <p:pic>
+        <p:nvPicPr>
+          <p:cNvPr id="8" name="Picture 7">
+            <a:extLst>
+              <a:ext uri="{FF2B5EF4-FFF2-40B4-BE49-F238E27FC236}">
+                <a16:creationId xmlns:a16="http://schemas.microsoft.com/office/drawing/2014/main" id="{26D844F7-6022-4868-8326-91BC0C4CDA48}"/>
+              </a:ext>
+            </a:extLst>
+          </p:cNvPr>
+          <p:cNvPicPr>
+            <a:picLocks noChangeAspect="1"/>
+          </p:cNvPicPr>
+          <p:nvPr/>
+        </p:nvPicPr>
+        <p:blipFill>
+          <a:blip r:embed="rId3">
+            <a:lum/>
+            <a:alphaModFix/>
+          </a:blip>
+          <a:srcRect/>
+          <a:stretch>
+            <a:fillRect/>
+          </a:stretch>
+        </p:blipFill>
+        <p:spPr>
+          <a:xfrm>
+            <a:off x="2069757" y="25911434"/>
+            <a:ext cx="5068491" cy="2598462"/>
+          </a:xfrm>
+          <a:prstGeom prst="rect">
+            <a:avLst/>
+          </a:prstGeom>
+          <a:noFill/>
+          <a:ln>
+            <a:noFill/>
+          </a:ln>
+        </p:spPr>
+      </p:pic>
+      <p:pic>
+        <p:nvPicPr>
+          <p:cNvPr id="9" name="Picture 8">
+            <a:extLst>
+              <a:ext uri="{FF2B5EF4-FFF2-40B4-BE49-F238E27FC236}">
+                <a16:creationId xmlns:a16="http://schemas.microsoft.com/office/drawing/2014/main" id="{2D1FEDFB-3FED-43F8-9565-350DC70A2ED9}"/>
+              </a:ext>
+            </a:extLst>
+          </p:cNvPr>
+          <p:cNvPicPr>
+            <a:picLocks noChangeAspect="1"/>
+          </p:cNvPicPr>
+          <p:nvPr/>
+        </p:nvPicPr>
+        <p:blipFill>
+          <a:blip r:embed="rId4">
+            <a:lum/>
+            <a:alphaModFix/>
+          </a:blip>
+          <a:srcRect/>
+          <a:stretch>
+            <a:fillRect/>
+          </a:stretch>
+        </p:blipFill>
+        <p:spPr>
+          <a:xfrm>
+            <a:off x="8007185" y="26094654"/>
+            <a:ext cx="5724455" cy="2228394"/>
+          </a:xfrm>
+          <a:prstGeom prst="rect">
+            <a:avLst/>
+          </a:prstGeom>
+          <a:noFill/>
+          <a:ln w="12600">
+            <a:solidFill>
+              <a:srgbClr val="3465A4"/>
+            </a:solidFill>
+            <a:prstDash val="solid"/>
+          </a:ln>
+        </p:spPr>
+      </p:pic>
+      <p:pic>
+        <p:nvPicPr>
+          <p:cNvPr id="10" name="Picture 9">
+            <a:extLst>
+              <a:ext uri="{FF2B5EF4-FFF2-40B4-BE49-F238E27FC236}">
+                <a16:creationId xmlns:a16="http://schemas.microsoft.com/office/drawing/2014/main" id="{9866B43A-AD36-4248-B92B-01232B7C2937}"/>
+              </a:ext>
+            </a:extLst>
+          </p:cNvPr>
+          <p:cNvPicPr>
+            <a:picLocks noChangeAspect="1"/>
+          </p:cNvPicPr>
+          <p:nvPr/>
+        </p:nvPicPr>
+        <p:blipFill>
+          <a:blip r:embed="rId5">
+            <a:lum/>
+            <a:alphaModFix/>
+          </a:blip>
+          <a:srcRect/>
+          <a:stretch>
+            <a:fillRect/>
+          </a:stretch>
+        </p:blipFill>
+        <p:spPr>
+          <a:xfrm>
+            <a:off x="14664431" y="25976740"/>
+            <a:ext cx="5713570" cy="2393111"/>
+          </a:xfrm>
+          <a:prstGeom prst="rect">
+            <a:avLst/>
+          </a:prstGeom>
+          <a:noFill/>
+          <a:ln>
+            <a:noFill/>
+          </a:ln>
+        </p:spPr>
+      </p:pic>
+      <p:sp>
+        <p:nvSpPr>
+          <p:cNvPr id="11" name="TextBox 10">
+            <a:extLst>
+              <a:ext uri="{FF2B5EF4-FFF2-40B4-BE49-F238E27FC236}">
+                <a16:creationId xmlns:a16="http://schemas.microsoft.com/office/drawing/2014/main" id="{68E21DD8-BE49-42E4-B5C5-BD75C9D7B9B9}"/>
+              </a:ext>
+            </a:extLst>
+          </p:cNvPr>
+          <p:cNvSpPr txBox="1"/>
+          <p:nvPr/>
+        </p:nvSpPr>
+        <p:spPr>
+          <a:xfrm>
+            <a:off x="677267" y="5199852"/>
+            <a:ext cx="10623227" cy="3687945"/>
+          </a:xfrm>
+          <a:prstGeom prst="rect">
+            <a:avLst/>
+          </a:prstGeom>
+          <a:noFill/>
+          <a:ln>
+            <a:noFill/>
+          </a:ln>
+        </p:spPr>
+        <p:txBody>
+          <a:bodyPr vert="horz" wrap="square" lIns="90703" tIns="45352" rIns="90703" bIns="45352" anchorCtr="0" compatLnSpc="0">
+            <a:spAutoFit/>
+          </a:bodyPr>
+          <a:lstStyle/>
+          <a:p>
+            <a:pPr algn="ctr" hangingPunct="0">
+              <a:defRPr sz="4000"/>
+            </a:pPr>
+            <a:r>
+              <a:rPr lang="en-US" sz="4031" b="1" i="1" dirty="0">
+                <a:solidFill>
+                  <a:srgbClr val="000080"/>
+                </a:solidFill>
+                <a:latin typeface="Liberation Sans" pitchFamily="18"/>
+                <a:ea typeface="Noto Sans CJK SC Regular" pitchFamily="2"/>
+                <a:cs typeface="FreeSans" pitchFamily="2"/>
+              </a:rPr>
+              <a:t>What is </a:t>
+            </a:r>
+            <a:r>
+              <a:rPr lang="en-US" sz="4031" b="1" i="1" dirty="0" err="1">
+                <a:solidFill>
+                  <a:srgbClr val="000080"/>
+                </a:solidFill>
+                <a:latin typeface="Liberation Sans" pitchFamily="18"/>
+                <a:ea typeface="Noto Sans CJK SC Regular" pitchFamily="2"/>
+                <a:cs typeface="FreeSans" pitchFamily="2"/>
+              </a:rPr>
+              <a:t>BindsNET</a:t>
+            </a:r>
+            <a:r>
+              <a:rPr lang="en-US" sz="4031" b="1" i="1" dirty="0">
+                <a:solidFill>
+                  <a:srgbClr val="000080"/>
+                </a:solidFill>
+                <a:latin typeface="Liberation Sans" pitchFamily="18"/>
+                <a:ea typeface="Noto Sans CJK SC Regular" pitchFamily="2"/>
+                <a:cs typeface="FreeSans" pitchFamily="2"/>
+              </a:rPr>
+              <a:t>?</a:t>
+            </a:r>
+          </a:p>
+          <a:p>
+            <a:pPr hangingPunct="0">
+              <a:defRPr sz="4000"/>
+            </a:pPr>
+            <a:endParaRPr lang="en-US" sz="1008" b="1" i="1" dirty="0">
+              <a:latin typeface="Liberation Sans" pitchFamily="18"/>
+              <a:ea typeface="Noto Sans CJK SC Regular" pitchFamily="2"/>
+              <a:cs typeface="FreeSans" pitchFamily="2"/>
+            </a:endParaRPr>
+          </a:p>
+          <a:p>
+            <a:pPr marL="460766" indent="-460766" hangingPunct="0">
+              <a:buSzPct val="100000"/>
+              <a:buFont typeface="Arial" panose="020B0604020202020204" pitchFamily="34" charset="0"/>
+              <a:buChar char="•"/>
+              <a:defRPr sz="4000"/>
+            </a:pPr>
+            <a:r>
+              <a:rPr lang="en-US" sz="3225" dirty="0">
+                <a:latin typeface="Liberation Sans" pitchFamily="18"/>
+                <a:ea typeface="Noto Sans CJK SC Regular" pitchFamily="2"/>
+                <a:cs typeface="FreeSans" pitchFamily="2"/>
+              </a:rPr>
+              <a:t>Clock-driven </a:t>
+            </a:r>
+            <a:r>
+              <a:rPr lang="en-US" sz="3225" i="1" dirty="0">
+                <a:latin typeface="Liberation Sans" pitchFamily="18"/>
+                <a:ea typeface="Noto Sans CJK SC Regular" pitchFamily="2"/>
+                <a:cs typeface="FreeSans" pitchFamily="2"/>
+              </a:rPr>
+              <a:t>spiking neural networks</a:t>
+            </a:r>
+            <a:r>
+              <a:rPr lang="en-US" sz="3225" dirty="0">
+                <a:latin typeface="Liberation Sans" pitchFamily="18"/>
+                <a:ea typeface="Noto Sans CJK SC Regular" pitchFamily="2"/>
+                <a:cs typeface="FreeSans" pitchFamily="2"/>
+              </a:rPr>
+              <a:t> (SNN) simulator</a:t>
+            </a:r>
+          </a:p>
+          <a:p>
+            <a:pPr marL="460766" indent="-460766" hangingPunct="0">
+              <a:buSzPct val="100000"/>
+              <a:buFont typeface="Arial" panose="020B0604020202020204" pitchFamily="34" charset="0"/>
+              <a:buChar char="•"/>
+              <a:defRPr sz="4000"/>
+            </a:pPr>
+            <a:r>
+              <a:rPr lang="en-US" sz="3225" dirty="0">
+                <a:latin typeface="Liberation Sans" pitchFamily="18"/>
+                <a:ea typeface="Noto Sans CJK SC Regular" pitchFamily="2"/>
+                <a:cs typeface="FreeSans" pitchFamily="2"/>
+              </a:rPr>
+              <a:t>Oriented towards ML + RL</a:t>
+            </a:r>
+          </a:p>
+          <a:p>
+            <a:pPr marL="460766" indent="-460766" hangingPunct="0">
+              <a:buSzPct val="100000"/>
+              <a:buFont typeface="Arial" panose="020B0604020202020204" pitchFamily="34" charset="0"/>
+              <a:buChar char="•"/>
+              <a:defRPr sz="4000"/>
+            </a:pPr>
+            <a:r>
+              <a:rPr lang="en-US" sz="3225" dirty="0">
+                <a:latin typeface="Liberation Sans" pitchFamily="18"/>
+                <a:ea typeface="Noto Sans CJK SC Regular" pitchFamily="2"/>
+                <a:cs typeface="FreeSans" pitchFamily="2"/>
+              </a:rPr>
+              <a:t>User-friendly syntax + fast prototyping</a:t>
+            </a:r>
+          </a:p>
+          <a:p>
+            <a:pPr marL="460766" indent="-460766" hangingPunct="0">
+              <a:buSzPct val="100000"/>
+              <a:buFont typeface="Arial" panose="020B0604020202020204" pitchFamily="34" charset="0"/>
+              <a:buChar char="•"/>
+              <a:defRPr sz="4000"/>
+            </a:pPr>
+            <a:r>
+              <a:rPr lang="en-US" sz="3225" i="1" dirty="0">
+                <a:latin typeface="Liberation Sans" pitchFamily="18"/>
+                <a:ea typeface="Noto Sans CJK SC Regular" pitchFamily="2"/>
+                <a:cs typeface="FreeSans" pitchFamily="2"/>
+              </a:rPr>
+              <a:t>Functional </a:t>
+            </a:r>
+            <a:r>
+              <a:rPr lang="en-US" sz="3225" dirty="0">
+                <a:latin typeface="Liberation Sans" pitchFamily="18"/>
+                <a:ea typeface="Noto Sans CJK SC Regular" pitchFamily="2"/>
+                <a:cs typeface="FreeSans" pitchFamily="2"/>
+              </a:rPr>
+              <a:t>(rather than </a:t>
+            </a:r>
+            <a:r>
+              <a:rPr lang="en-US" sz="3225" i="1" dirty="0">
+                <a:latin typeface="Liberation Sans" pitchFamily="18"/>
+                <a:ea typeface="Noto Sans CJK SC Regular" pitchFamily="2"/>
+                <a:cs typeface="FreeSans" pitchFamily="2"/>
+              </a:rPr>
+              <a:t>exact</a:t>
+            </a:r>
+            <a:r>
+              <a:rPr lang="en-US" sz="3225" dirty="0">
+                <a:latin typeface="Liberation Sans" pitchFamily="18"/>
+                <a:ea typeface="Noto Sans CJK SC Regular" pitchFamily="2"/>
+                <a:cs typeface="FreeSans" pitchFamily="2"/>
+              </a:rPr>
+              <a:t>) dynamics</a:t>
+            </a:r>
+          </a:p>
+          <a:p>
+            <a:pPr marL="460766" indent="-460766" hangingPunct="0">
+              <a:buSzPct val="100000"/>
+              <a:buFont typeface="Arial" panose="020B0604020202020204" pitchFamily="34" charset="0"/>
+              <a:buChar char="•"/>
+              <a:defRPr sz="4000"/>
+            </a:pPr>
+            <a:r>
+              <a:rPr lang="en-US" sz="3225" dirty="0">
+                <a:latin typeface="Liberation Sans" pitchFamily="18"/>
+                <a:ea typeface="Noto Sans CJK SC Regular" pitchFamily="2"/>
+                <a:cs typeface="FreeSans" pitchFamily="2"/>
+              </a:rPr>
+              <a:t>Run on CPUs, GPUs, or both</a:t>
+            </a:r>
+          </a:p>
+          <a:p>
+            <a:pPr marL="460766" indent="-460766" hangingPunct="0">
+              <a:buSzPct val="100000"/>
+              <a:buFont typeface="Arial" panose="020B0604020202020204" pitchFamily="34" charset="0"/>
+              <a:buChar char="•"/>
+              <a:defRPr sz="4000"/>
+            </a:pPr>
+            <a:r>
+              <a:rPr lang="en-US" sz="3225" dirty="0">
+                <a:latin typeface="Liberation Sans" pitchFamily="18"/>
+                <a:ea typeface="Noto Sans CJK SC Regular" pitchFamily="2"/>
+                <a:cs typeface="FreeSans" pitchFamily="2"/>
+              </a:rPr>
+              <a:t>Inherits performance + functionality of </a:t>
+            </a:r>
+            <a:r>
+              <a:rPr lang="en-US" sz="3225" dirty="0" err="1">
+                <a:latin typeface="Liberation Sans" pitchFamily="18"/>
+                <a:ea typeface="Noto Sans CJK SC Regular" pitchFamily="2"/>
+                <a:cs typeface="FreeSans" pitchFamily="2"/>
+              </a:rPr>
+              <a:t>PyTorch</a:t>
+            </a:r>
+            <a:endParaRPr lang="en-US" sz="3225" dirty="0">
+              <a:latin typeface="Liberation Sans" pitchFamily="18"/>
+              <a:ea typeface="Noto Sans CJK SC Regular" pitchFamily="2"/>
+              <a:cs typeface="FreeSans" pitchFamily="2"/>
+            </a:endParaRPr>
+          </a:p>
+        </p:txBody>
+      </p:sp>
+      <p:sp>
+        <p:nvSpPr>
+          <p:cNvPr id="12" name="TextBox 11">
+            <a:extLst>
+              <a:ext uri="{FF2B5EF4-FFF2-40B4-BE49-F238E27FC236}">
+                <a16:creationId xmlns:a16="http://schemas.microsoft.com/office/drawing/2014/main" id="{523401B0-CC46-4F5C-ADEB-3A9DF9BEC47D}"/>
+              </a:ext>
+            </a:extLst>
+          </p:cNvPr>
+          <p:cNvSpPr txBox="1"/>
+          <p:nvPr/>
+        </p:nvSpPr>
+        <p:spPr>
+          <a:xfrm>
+            <a:off x="5004911" y="9192217"/>
+            <a:ext cx="183242" cy="361188"/>
+          </a:xfrm>
+          <a:prstGeom prst="rect">
+            <a:avLst/>
+          </a:prstGeom>
+          <a:noFill/>
+          <a:ln>
+            <a:noFill/>
+          </a:ln>
+        </p:spPr>
+        <p:txBody>
+          <a:bodyPr vert="horz" wrap="none" lIns="90703" tIns="45352" rIns="90703" bIns="45352" anchorCtr="0" compatLnSpc="0">
+            <a:spAutoFit/>
+          </a:bodyPr>
+          <a:lstStyle/>
+          <a:p>
+            <a:pPr hangingPunct="0"/>
+            <a:endParaRPr lang="en-US" sz="1814">
+              <a:latin typeface="Liberation Sans" pitchFamily="18"/>
+              <a:ea typeface="Noto Sans CJK SC Regular" pitchFamily="2"/>
+              <a:cs typeface="FreeSans" pitchFamily="2"/>
+            </a:endParaRPr>
+          </a:p>
+        </p:txBody>
+      </p:sp>
+      <p:sp>
+        <p:nvSpPr>
+          <p:cNvPr id="14" name="TextBox 13">
+            <a:extLst>
+              <a:ext uri="{FF2B5EF4-FFF2-40B4-BE49-F238E27FC236}">
+                <a16:creationId xmlns:a16="http://schemas.microsoft.com/office/drawing/2014/main" id="{364CEB09-A9A8-414D-9B2A-F423D382BDD8}"/>
+              </a:ext>
+            </a:extLst>
+          </p:cNvPr>
+          <p:cNvSpPr txBox="1"/>
+          <p:nvPr/>
+        </p:nvSpPr>
+        <p:spPr>
+          <a:xfrm>
+            <a:off x="11934244" y="5067765"/>
+            <a:ext cx="9197683" cy="3756831"/>
+          </a:xfrm>
+          <a:prstGeom prst="rect">
+            <a:avLst/>
+          </a:prstGeom>
+          <a:noFill/>
+          <a:ln>
+            <a:noFill/>
+          </a:ln>
+        </p:spPr>
+        <p:txBody>
+          <a:bodyPr vert="horz" wrap="none" lIns="90703" tIns="45352" rIns="90703" bIns="45352" anchorCtr="0" compatLnSpc="0"/>
+          <a:lstStyle/>
+          <a:p>
+            <a:pPr algn="ctr" hangingPunct="0">
+              <a:defRPr sz="1800"/>
+            </a:pPr>
+            <a:r>
+              <a:rPr lang="en-US" sz="4031" b="1" i="1" dirty="0">
+                <a:solidFill>
+                  <a:srgbClr val="000080"/>
+                </a:solidFill>
+                <a:latin typeface="Liberation Sans" pitchFamily="18"/>
+                <a:ea typeface="Noto Sans CJK SC Regular" pitchFamily="2"/>
+                <a:cs typeface="FreeSans" pitchFamily="2"/>
+              </a:rPr>
+              <a:t>What’s in the library?</a:t>
+            </a:r>
+          </a:p>
+          <a:p>
+            <a:pPr hangingPunct="0">
+              <a:defRPr sz="1800"/>
+            </a:pPr>
+            <a:endParaRPr lang="en-US" sz="1008" b="1" i="1" dirty="0">
+              <a:latin typeface="Liberation Sans" pitchFamily="18"/>
+              <a:ea typeface="Noto Sans CJK SC Regular" pitchFamily="2"/>
+              <a:cs typeface="FreeSans" pitchFamily="2"/>
+            </a:endParaRPr>
+          </a:p>
+          <a:p>
+            <a:pPr marL="460766" indent="-460766" hangingPunct="0">
+              <a:buFont typeface="Arial" panose="020B0604020202020204" pitchFamily="34" charset="0"/>
+              <a:buChar char="•"/>
+              <a:defRPr sz="1800"/>
+            </a:pPr>
+            <a:r>
+              <a:rPr lang="en-US" sz="3225" b="1" dirty="0">
+                <a:solidFill>
+                  <a:srgbClr val="000080"/>
+                </a:solidFill>
+                <a:latin typeface="Liberation Sans" pitchFamily="18"/>
+                <a:ea typeface="Noto Sans CJK SC Regular" pitchFamily="2"/>
+                <a:cs typeface="FreeSans" pitchFamily="2"/>
+              </a:rPr>
+              <a:t>Network</a:t>
+            </a:r>
+            <a:r>
+              <a:rPr lang="en-US" sz="3225" dirty="0">
+                <a:latin typeface="Liberation Sans" pitchFamily="18"/>
+                <a:ea typeface="Noto Sans CJK SC Regular" pitchFamily="2"/>
+                <a:cs typeface="FreeSans" pitchFamily="2"/>
+              </a:rPr>
+              <a:t>: Central data structure; handles</a:t>
+            </a:r>
+            <a:br>
+              <a:rPr lang="en-US" sz="3225" dirty="0">
+                <a:latin typeface="Liberation Sans" pitchFamily="18"/>
+                <a:ea typeface="Noto Sans CJK SC Regular" pitchFamily="2"/>
+                <a:cs typeface="FreeSans" pitchFamily="2"/>
+              </a:rPr>
+            </a:br>
+            <a:r>
+              <a:rPr lang="en-US" sz="3225" dirty="0">
+                <a:latin typeface="Liberation Sans" pitchFamily="18"/>
+                <a:ea typeface="Noto Sans CJK SC Regular" pitchFamily="2"/>
+                <a:cs typeface="FreeSans" pitchFamily="2"/>
+              </a:rPr>
+              <a:t>simulation of various SNN components</a:t>
+            </a:r>
+          </a:p>
+          <a:p>
+            <a:pPr marL="460766" indent="-460766" hangingPunct="0">
+              <a:buFont typeface="Arial" panose="020B0604020202020204" pitchFamily="34" charset="0"/>
+              <a:buChar char="•"/>
+              <a:defRPr sz="1800"/>
+            </a:pPr>
+            <a:r>
+              <a:rPr lang="en-US" sz="3225" b="1" dirty="0">
+                <a:solidFill>
+                  <a:srgbClr val="000080"/>
+                </a:solidFill>
+                <a:latin typeface="Liberation Sans" pitchFamily="18"/>
+                <a:ea typeface="Noto Sans CJK SC Regular" pitchFamily="2"/>
+                <a:cs typeface="FreeSans" pitchFamily="2"/>
+              </a:rPr>
+              <a:t>Learning</a:t>
+            </a:r>
+            <a:r>
+              <a:rPr lang="en-US" sz="3225" b="1" dirty="0">
+                <a:latin typeface="Liberation Sans" pitchFamily="18"/>
+                <a:ea typeface="Noto Sans CJK SC Regular" pitchFamily="2"/>
+                <a:cs typeface="FreeSans" pitchFamily="2"/>
+              </a:rPr>
+              <a:t> </a:t>
+            </a:r>
+            <a:r>
+              <a:rPr lang="en-US" sz="3225" dirty="0">
+                <a:latin typeface="Liberation Sans" pitchFamily="18"/>
+                <a:ea typeface="Noto Sans CJK SC Regular" pitchFamily="2"/>
+                <a:cs typeface="FreeSans" pitchFamily="2"/>
+              </a:rPr>
+              <a:t>rules: Hebbian learning, STDP,</a:t>
+            </a:r>
+            <a:br>
+              <a:rPr lang="en-US" sz="3225" dirty="0">
+                <a:latin typeface="Liberation Sans" pitchFamily="18"/>
+                <a:ea typeface="Noto Sans CJK SC Regular" pitchFamily="2"/>
+                <a:cs typeface="FreeSans" pitchFamily="2"/>
+              </a:rPr>
+            </a:br>
+            <a:r>
+              <a:rPr lang="en-US" sz="3225" dirty="0">
+                <a:latin typeface="Liberation Sans" pitchFamily="18"/>
+                <a:ea typeface="Noto Sans CJK SC Regular" pitchFamily="2"/>
+                <a:cs typeface="FreeSans" pitchFamily="2"/>
+              </a:rPr>
+              <a:t>reward-modulation; local updates</a:t>
+            </a:r>
+          </a:p>
+          <a:p>
+            <a:pPr marL="460766" indent="-460766" hangingPunct="0">
+              <a:buFont typeface="Arial" panose="020B0604020202020204" pitchFamily="34" charset="0"/>
+              <a:buChar char="•"/>
+              <a:defRPr sz="1800"/>
+            </a:pPr>
+            <a:r>
+              <a:rPr lang="en-US" sz="3225" b="1" dirty="0">
+                <a:solidFill>
+                  <a:srgbClr val="000080"/>
+                </a:solidFill>
+                <a:latin typeface="Liberation Sans" pitchFamily="18"/>
+                <a:ea typeface="Noto Sans CJK SC Regular" pitchFamily="2"/>
+                <a:cs typeface="FreeSans" pitchFamily="2"/>
+              </a:rPr>
+              <a:t>Pipeline</a:t>
+            </a:r>
+            <a:r>
+              <a:rPr lang="en-US" sz="3225" dirty="0">
+                <a:latin typeface="Liberation Sans" pitchFamily="18"/>
+                <a:ea typeface="Noto Sans CJK SC Regular" pitchFamily="2"/>
+                <a:cs typeface="FreeSans" pitchFamily="2"/>
+              </a:rPr>
+              <a:t>: Coordinates network + environment</a:t>
+            </a:r>
+          </a:p>
+          <a:p>
+            <a:pPr marL="460766" indent="-460766" hangingPunct="0">
+              <a:buFont typeface="Arial" panose="020B0604020202020204" pitchFamily="34" charset="0"/>
+              <a:buChar char="•"/>
+              <a:defRPr sz="1800"/>
+            </a:pPr>
+            <a:r>
+              <a:rPr lang="en-US" sz="3225" b="1" dirty="0">
+                <a:solidFill>
+                  <a:srgbClr val="000080"/>
+                </a:solidFill>
+                <a:latin typeface="Liberation Sans" pitchFamily="18"/>
+                <a:ea typeface="Noto Sans CJK SC Regular" pitchFamily="2"/>
+                <a:cs typeface="FreeSans" pitchFamily="2"/>
+              </a:rPr>
+              <a:t>ML datasets + RL environments</a:t>
+            </a:r>
+            <a:endParaRPr lang="en-US" sz="3225" dirty="0">
+              <a:latin typeface="Liberation Sans" pitchFamily="18"/>
+              <a:ea typeface="Noto Sans CJK SC Regular" pitchFamily="2"/>
+              <a:cs typeface="FreeSans" pitchFamily="2"/>
+            </a:endParaRPr>
+          </a:p>
+          <a:p>
+            <a:pPr lvl="0" hangingPunct="0">
+              <a:defRPr sz="1800"/>
+            </a:pPr>
+            <a:endParaRPr lang="en-US" sz="3225" b="1" dirty="0">
+              <a:latin typeface="Liberation Sans" pitchFamily="18"/>
+              <a:ea typeface="Noto Sans CJK SC Regular" pitchFamily="2"/>
+              <a:cs typeface="FreeSans" pitchFamily="2"/>
+            </a:endParaRPr>
+          </a:p>
+        </p:txBody>
+      </p:sp>
+      <p:pic>
+        <p:nvPicPr>
+          <p:cNvPr id="16" name="Picture 15">
+            <a:extLst>
+              <a:ext uri="{FF2B5EF4-FFF2-40B4-BE49-F238E27FC236}">
+                <a16:creationId xmlns:a16="http://schemas.microsoft.com/office/drawing/2014/main" id="{65BC59DB-3F88-425D-814A-72DEC0A7DF89}"/>
+              </a:ext>
+            </a:extLst>
+          </p:cNvPr>
+          <p:cNvPicPr>
+            <a:picLocks noChangeAspect="1"/>
+          </p:cNvPicPr>
+          <p:nvPr/>
+        </p:nvPicPr>
+        <p:blipFill>
+          <a:blip r:embed="rId6">
+            <a:lum/>
+            <a:alphaModFix/>
+          </a:blip>
+          <a:srcRect/>
+          <a:stretch>
+            <a:fillRect/>
+          </a:stretch>
+        </p:blipFill>
+        <p:spPr>
+          <a:xfrm>
+            <a:off x="18151559" y="14222174"/>
+            <a:ext cx="1859776" cy="1880457"/>
+          </a:xfrm>
+          <a:prstGeom prst="rect">
+            <a:avLst/>
+          </a:prstGeom>
+          <a:noFill/>
+          <a:ln w="12600">
+            <a:solidFill>
+              <a:srgbClr val="3465A4"/>
+            </a:solidFill>
+            <a:prstDash val="solid"/>
+          </a:ln>
+        </p:spPr>
+      </p:pic>
+      <p:pic>
+        <p:nvPicPr>
+          <p:cNvPr id="17" name="Picture 16">
+            <a:extLst>
+              <a:ext uri="{FF2B5EF4-FFF2-40B4-BE49-F238E27FC236}">
+                <a16:creationId xmlns:a16="http://schemas.microsoft.com/office/drawing/2014/main" id="{D167088F-49EA-4B28-84B6-C7502CB16DAD}"/>
+              </a:ext>
+            </a:extLst>
+          </p:cNvPr>
+          <p:cNvPicPr>
+            <a:picLocks noChangeAspect="1"/>
+          </p:cNvPicPr>
+          <p:nvPr/>
+        </p:nvPicPr>
+        <p:blipFill>
+          <a:blip r:embed="rId7">
+            <a:lum/>
+            <a:alphaModFix/>
+          </a:blip>
+          <a:srcRect/>
+          <a:stretch>
+            <a:fillRect/>
+          </a:stretch>
+        </p:blipFill>
+        <p:spPr>
+          <a:xfrm>
+            <a:off x="17026211" y="17072140"/>
+            <a:ext cx="4110472" cy="2118681"/>
+          </a:xfrm>
+          <a:prstGeom prst="rect">
+            <a:avLst/>
+          </a:prstGeom>
+          <a:noFill/>
+          <a:ln w="12600">
+            <a:solidFill>
+              <a:srgbClr val="3465A4"/>
+            </a:solidFill>
+            <a:prstDash val="solid"/>
+          </a:ln>
+        </p:spPr>
+      </p:pic>
+      <p:sp>
+        <p:nvSpPr>
+          <p:cNvPr id="18" name="Freeform: Shape 17">
+            <a:extLst>
+              <a:ext uri="{FF2B5EF4-FFF2-40B4-BE49-F238E27FC236}">
+                <a16:creationId xmlns:a16="http://schemas.microsoft.com/office/drawing/2014/main" id="{F53D3489-CC42-4EF8-8D92-C8252C95BAAD}"/>
               </a:ext>
             </a:extLst>
           </p:cNvPr>
@@ -4639,9 +5015,209 @@
           <p:nvPr/>
         </p:nvSpPr>
         <p:spPr>
+          <a:xfrm rot="5400000">
+            <a:off x="18765984" y="16331898"/>
+            <a:ext cx="630927" cy="475492"/>
+          </a:xfrm>
+          <a:custGeom>
+            <a:avLst>
+              <a:gd name="f0" fmla="val 16200"/>
+              <a:gd name="f1" fmla="val 5400"/>
+            </a:avLst>
+            <a:gdLst>
+              <a:gd name="f2" fmla="val w"/>
+              <a:gd name="f3" fmla="val h"/>
+              <a:gd name="f4" fmla="val 0"/>
+              <a:gd name="f5" fmla="val 21600"/>
+              <a:gd name="f6" fmla="val 10800"/>
+              <a:gd name="f7" fmla="*/ f2 1 21600"/>
+              <a:gd name="f8" fmla="*/ f3 1 21600"/>
+              <a:gd name="f9" fmla="pin 0 f0 21600"/>
+              <a:gd name="f10" fmla="pin 0 f1 10800"/>
+              <a:gd name="f11" fmla="val f10"/>
+              <a:gd name="f12" fmla="val f9"/>
+              <a:gd name="f13" fmla="+- 21600 0 f10"/>
+              <a:gd name="f14" fmla="*/ f9 f7 1"/>
+              <a:gd name="f15" fmla="*/ f10 f8 1"/>
+              <a:gd name="f16" fmla="*/ 0 f7 1"/>
+              <a:gd name="f17" fmla="+- 21600 0 f12"/>
+              <a:gd name="f18" fmla="*/ f13 f8 1"/>
+              <a:gd name="f19" fmla="*/ f11 f8 1"/>
+              <a:gd name="f20" fmla="*/ f17 f11 1"/>
+              <a:gd name="f21" fmla="*/ f20 1 10800"/>
+              <a:gd name="f22" fmla="+- f12 f21 0"/>
+              <a:gd name="f23" fmla="*/ f22 f7 1"/>
+            </a:gdLst>
+            <a:ahLst>
+              <a:ahXY gdRefX="f0" minX="f4" maxX="f5" gdRefY="f1" minY="f4" maxY="f6">
+                <a:pos x="f14" y="f15"/>
+              </a:ahXY>
+            </a:ahLst>
+            <a:cxnLst>
+              <a:cxn ang="3cd4">
+                <a:pos x="hc" y="t"/>
+              </a:cxn>
+              <a:cxn ang="0">
+                <a:pos x="r" y="vc"/>
+              </a:cxn>
+              <a:cxn ang="cd4">
+                <a:pos x="hc" y="b"/>
+              </a:cxn>
+              <a:cxn ang="cd2">
+                <a:pos x="l" y="vc"/>
+              </a:cxn>
+            </a:cxnLst>
+            <a:rect l="f16" t="f19" r="f23" b="f18"/>
+            <a:pathLst>
+              <a:path w="21600" h="21600">
+                <a:moveTo>
+                  <a:pt x="f4" y="f11"/>
+                </a:moveTo>
+                <a:lnTo>
+                  <a:pt x="f12" y="f11"/>
+                </a:lnTo>
+                <a:lnTo>
+                  <a:pt x="f12" y="f4"/>
+                </a:lnTo>
+                <a:lnTo>
+                  <a:pt x="f5" y="f6"/>
+                </a:lnTo>
+                <a:lnTo>
+                  <a:pt x="f12" y="f5"/>
+                </a:lnTo>
+                <a:lnTo>
+                  <a:pt x="f12" y="f13"/>
+                </a:lnTo>
+                <a:lnTo>
+                  <a:pt x="f4" y="f13"/>
+                </a:lnTo>
+                <a:close/>
+              </a:path>
+            </a:pathLst>
+          </a:custGeom>
+          <a:solidFill>
+            <a:srgbClr val="729FCF"/>
+          </a:solidFill>
+          <a:ln w="0">
+            <a:solidFill>
+              <a:srgbClr val="3465A4"/>
+            </a:solidFill>
+            <a:prstDash val="solid"/>
+          </a:ln>
+        </p:spPr>
+        <p:txBody>
+          <a:bodyPr vert="horz" wrap="none" lIns="90703" tIns="45352" rIns="90703" bIns="45352" anchor="ctr" anchorCtr="0" compatLnSpc="0">
+            <a:noAutofit/>
+          </a:bodyPr>
+          <a:lstStyle/>
+          <a:p>
+            <a:pPr hangingPunct="0"/>
+            <a:endParaRPr lang="en-US" sz="1814">
+              <a:latin typeface="Liberation Sans" pitchFamily="18"/>
+              <a:ea typeface="Noto Sans CJK SC Regular" pitchFamily="2"/>
+              <a:cs typeface="FreeSans" pitchFamily="2"/>
+            </a:endParaRPr>
+          </a:p>
+        </p:txBody>
+      </p:sp>
+      <p:pic>
+        <p:nvPicPr>
+          <p:cNvPr id="20" name="Picture 19">
+            <a:extLst>
+              <a:ext uri="{FF2B5EF4-FFF2-40B4-BE49-F238E27FC236}">
+                <a16:creationId xmlns:a16="http://schemas.microsoft.com/office/drawing/2014/main" id="{C62E5BCC-F42C-4FE0-B5FA-C089800B657D}"/>
+              </a:ext>
+            </a:extLst>
+          </p:cNvPr>
+          <p:cNvPicPr>
+            <a:picLocks noChangeAspect="1"/>
+          </p:cNvPicPr>
+          <p:nvPr/>
+        </p:nvPicPr>
+        <p:blipFill rotWithShape="1">
+          <a:blip r:embed="rId8">
+            <a:lum/>
+            <a:alphaModFix/>
+          </a:blip>
+          <a:srcRect t="17790"/>
+          <a:stretch/>
+        </p:blipFill>
+        <p:spPr>
           <a:xfrm>
-            <a:off x="548640" y="5006160"/>
-            <a:ext cx="10607040" cy="4023360"/>
+            <a:off x="11526829" y="17072139"/>
+            <a:ext cx="5245936" cy="2137026"/>
+          </a:xfrm>
+          <a:prstGeom prst="rect">
+            <a:avLst/>
+          </a:prstGeom>
+          <a:noFill/>
+          <a:ln w="12600">
+            <a:solidFill>
+              <a:srgbClr val="3465A4"/>
+            </a:solidFill>
+            <a:prstDash val="solid"/>
+          </a:ln>
+        </p:spPr>
+      </p:pic>
+      <p:pic>
+        <p:nvPicPr>
+          <p:cNvPr id="21" name="Picture 20">
+            <a:extLst>
+              <a:ext uri="{FF2B5EF4-FFF2-40B4-BE49-F238E27FC236}">
+                <a16:creationId xmlns:a16="http://schemas.microsoft.com/office/drawing/2014/main" id="{8E2488AE-EFAC-4845-A407-6C78D993C22E}"/>
+              </a:ext>
+            </a:extLst>
+          </p:cNvPr>
+          <p:cNvPicPr>
+            <a:picLocks noChangeAspect="1"/>
+          </p:cNvPicPr>
+          <p:nvPr/>
+        </p:nvPicPr>
+        <p:blipFill>
+          <a:blip r:embed="rId9">
+            <a:lum/>
+            <a:alphaModFix/>
+          </a:blip>
+          <a:srcRect l="-2694" t="-3681" b="-3668"/>
+          <a:stretch>
+            <a:fillRect/>
+          </a:stretch>
+        </p:blipFill>
+        <p:spPr>
+          <a:xfrm>
+            <a:off x="814968" y="14885000"/>
+            <a:ext cx="5039799" cy="3765788"/>
+          </a:xfrm>
+          <a:prstGeom prst="rect">
+            <a:avLst/>
+          </a:prstGeom>
+          <a:solidFill>
+            <a:srgbClr val="FFFFFF"/>
+          </a:solidFill>
+          <a:ln w="12600">
+            <a:solidFill>
+              <a:srgbClr val="3465A4"/>
+            </a:solidFill>
+            <a:prstDash val="solid"/>
+          </a:ln>
+        </p:spPr>
+      </p:pic>
+      <p:sp>
+        <p:nvSpPr>
+          <p:cNvPr id="26" name="Freeform: Shape 25">
+            <a:extLst>
+              <a:ext uri="{FF2B5EF4-FFF2-40B4-BE49-F238E27FC236}">
+                <a16:creationId xmlns:a16="http://schemas.microsoft.com/office/drawing/2014/main" id="{869684F4-AD48-4F7C-BFA4-8F6B490BC3E7}"/>
+              </a:ext>
+            </a:extLst>
+          </p:cNvPr>
+          <p:cNvSpPr/>
+          <p:nvPr/>
+        </p:nvSpPr>
+        <p:spPr>
+          <a:xfrm>
+            <a:off x="950119" y="19447476"/>
+            <a:ext cx="20181808" cy="1351017"/>
           </a:xfrm>
           <a:custGeom>
             <a:avLst>
@@ -4802,28 +5378,13 @@
           </a:ln>
         </p:spPr>
         <p:txBody>
-          <a:bodyPr vert="horz" wrap="none" lIns="90000" tIns="45000" rIns="90000" bIns="45000" anchor="ctr" anchorCtr="0" compatLnSpc="0">
+          <a:bodyPr vert="horz" wrap="none" lIns="90703" tIns="45352" rIns="90703" bIns="45352" anchor="ctr" anchorCtr="0" compatLnSpc="0">
             <a:noAutofit/>
           </a:bodyPr>
           <a:lstStyle/>
           <a:p>
-            <a:pPr marL="0" marR="0" lvl="0" indent="0" rtl="0" hangingPunct="0">
-              <a:lnSpc>
-                <a:spcPct val="100000"/>
-              </a:lnSpc>
-              <a:spcBef>
-                <a:spcPts val="0"/>
-              </a:spcBef>
-              <a:spcAft>
-                <a:spcPts val="0"/>
-              </a:spcAft>
-              <a:buNone/>
-              <a:tabLst/>
-            </a:pPr>
-            <a:endParaRPr lang="en-US" sz="1800" b="0" i="0" u="none" strike="noStrike" kern="1200" cap="none">
-              <a:ln>
-                <a:noFill/>
-              </a:ln>
+            <a:pPr hangingPunct="0"/>
+            <a:endParaRPr lang="en-US" sz="1814">
               <a:latin typeface="Liberation Sans" pitchFamily="18"/>
               <a:ea typeface="Noto Sans CJK SC Regular" pitchFamily="2"/>
               <a:cs typeface="FreeSans" pitchFamily="2"/>
@@ -4833,48 +5394,10 @@
       </p:sp>
       <p:sp>
         <p:nvSpPr>
-          <p:cNvPr id="6" name="Title 5">
+          <p:cNvPr id="27" name="TextBox 26">
             <a:extLst>
               <a:ext uri="{FF2B5EF4-FFF2-40B4-BE49-F238E27FC236}">
-                <a16:creationId xmlns:a16="http://schemas.microsoft.com/office/drawing/2014/main" id="{3A513A75-6288-4426-923E-591E951A8625}"/>
-              </a:ext>
-            </a:extLst>
-          </p:cNvPr>
-          <p:cNvSpPr txBox="1">
-            <a:spLocks noGrp="1"/>
-          </p:cNvSpPr>
-          <p:nvPr>
-            <p:ph type="title" idx="4294967295"/>
-          </p:nvPr>
-        </p:nvSpPr>
-        <p:spPr>
-          <a:xfrm>
-            <a:off x="5486399" y="1100159"/>
-            <a:ext cx="15361560" cy="2651760"/>
-          </a:xfrm>
-        </p:spPr>
-        <p:txBody>
-          <a:bodyPr>
-            <a:spAutoFit/>
-          </a:bodyPr>
-          <a:lstStyle/>
-          <a:p>
-            <a:pPr lvl="0"/>
-            <a:r>
-              <a:rPr lang="en-US" sz="8000">
-                <a:latin typeface="Calibri" pitchFamily="34"/>
-              </a:rPr>
-              <a:t>BindsNET: An ML-oriented spiking networks library built with PyTorch</a:t>
-            </a:r>
-          </a:p>
-        </p:txBody>
-      </p:sp>
-      <p:sp>
-        <p:nvSpPr>
-          <p:cNvPr id="7" name="TextBox 6">
-            <a:extLst>
-              <a:ext uri="{FF2B5EF4-FFF2-40B4-BE49-F238E27FC236}">
-                <a16:creationId xmlns:a16="http://schemas.microsoft.com/office/drawing/2014/main" id="{F2B5BAD2-21A8-46D3-8C87-DB8F8DF99EF5}"/>
+                <a16:creationId xmlns:a16="http://schemas.microsoft.com/office/drawing/2014/main" id="{68417173-8CA0-4814-9AE0-7FA51575221E}"/>
               </a:ext>
             </a:extLst>
           </p:cNvPr>
@@ -4883,8 +5406,8 @@
         </p:nvSpPr>
         <p:spPr>
           <a:xfrm>
-            <a:off x="640080" y="3732480"/>
-            <a:ext cx="20665440" cy="914400"/>
+            <a:off x="1188426" y="19644846"/>
+            <a:ext cx="19705199" cy="1050178"/>
           </a:xfrm>
           <a:prstGeom prst="rect">
             <a:avLst/>
@@ -4895,160 +5418,116 @@
           </a:ln>
         </p:spPr>
         <p:txBody>
-          <a:bodyPr vert="horz" wrap="none" lIns="90000" tIns="45000" rIns="90000" bIns="45000" anchorCtr="0" compatLnSpc="0"/>
+          <a:bodyPr vert="horz" wrap="none" lIns="90703" tIns="45352" rIns="90703" bIns="45352" anchorCtr="0" compatLnSpc="0">
+            <a:spAutoFit/>
+          </a:bodyPr>
           <a:lstStyle/>
           <a:p>
-            <a:pPr marL="0" marR="0" lvl="0" indent="0" algn="ctr" rtl="0" hangingPunct="0">
-              <a:lnSpc>
-                <a:spcPct val="100000"/>
-              </a:lnSpc>
-              <a:spcBef>
-                <a:spcPts val="1191"/>
-              </a:spcBef>
-              <a:spcAft>
-                <a:spcPts val="992"/>
-              </a:spcAft>
-              <a:buNone/>
-              <a:tabLst/>
-              <a:defRPr sz="4400"/>
+            <a:pPr lvl="0" algn="ctr" hangingPunct="0">
+              <a:defRPr sz="3200"/>
             </a:pPr>
             <a:r>
-              <a:rPr lang="en-US" sz="4400" b="0" i="0" u="none" strike="noStrike" kern="1200" cap="none">
-                <a:ln>
-                  <a:noFill/>
-                </a:ln>
-                <a:latin typeface="Calibri" pitchFamily="34"/>
-                <a:ea typeface="Noto Sans CJK SC Regular" pitchFamily="2"/>
-                <a:cs typeface="FreeSans" pitchFamily="2"/>
-              </a:rPr>
-              <a:t>Daniel J. Saunders, Hananel Hazan, Hassaan Khan, Hava T. Siegelmann, Robert Kozma</a:t>
-            </a:r>
-          </a:p>
-        </p:txBody>
-      </p:sp>
-      <p:pic>
-        <p:nvPicPr>
-          <p:cNvPr id="8" name="">
+              <a:rPr lang="en-US" sz="3225" b="1" dirty="0">
+                <a:latin typeface="Liberation Sans" pitchFamily="18"/>
+                <a:ea typeface="Noto Sans CJK SC Regular" pitchFamily="2"/>
+                <a:cs typeface="FreeSans" pitchFamily="2"/>
+              </a:rPr>
+              <a:t>A</a:t>
+            </a:r>
+            <a:r>
+              <a:rPr lang="en-US" sz="3225" dirty="0">
+                <a:latin typeface="Liberation Sans" pitchFamily="18"/>
+                <a:ea typeface="Noto Sans CJK SC Regular" pitchFamily="2"/>
+                <a:cs typeface="FreeSans" pitchFamily="2"/>
+              </a:rPr>
+              <a:t>: Example SNN architecture; </a:t>
+            </a:r>
+            <a:r>
+              <a:rPr lang="en-US" sz="3225" b="1" dirty="0">
+                <a:latin typeface="Liberation Sans" pitchFamily="18"/>
+                <a:ea typeface="Noto Sans CJK SC Regular" pitchFamily="2"/>
+                <a:cs typeface="FreeSans" pitchFamily="2"/>
+              </a:rPr>
+              <a:t>B</a:t>
+            </a:r>
+            <a:r>
+              <a:rPr lang="en-US" sz="3225" dirty="0">
+                <a:latin typeface="Liberation Sans" pitchFamily="18"/>
+                <a:ea typeface="Noto Sans CJK SC Regular" pitchFamily="2"/>
+                <a:cs typeface="FreeSans" pitchFamily="2"/>
+              </a:rPr>
+              <a:t>: Example network building + simulation script; </a:t>
+            </a:r>
+            <a:r>
+              <a:rPr lang="en-US" sz="3225" b="1" dirty="0">
+                <a:latin typeface="Liberation Sans" pitchFamily="18"/>
+                <a:ea typeface="Noto Sans CJK SC Regular" pitchFamily="2"/>
+                <a:cs typeface="FreeSans" pitchFamily="2"/>
+              </a:rPr>
+              <a:t>C</a:t>
+            </a:r>
+            <a:r>
+              <a:rPr lang="en-US" sz="3225" dirty="0">
+                <a:latin typeface="Liberation Sans" pitchFamily="18"/>
+                <a:ea typeface="Noto Sans CJK SC Regular" pitchFamily="2"/>
+                <a:cs typeface="FreeSans" pitchFamily="2"/>
+              </a:rPr>
+              <a:t>: Two-layer</a:t>
+            </a:r>
+          </a:p>
+          <a:p>
+            <a:pPr lvl="0" algn="ctr" hangingPunct="0">
+              <a:defRPr sz="3200"/>
+            </a:pPr>
+            <a:r>
+              <a:rPr lang="en-US" sz="3225" dirty="0">
+                <a:latin typeface="Liberation Sans" pitchFamily="18"/>
+                <a:ea typeface="Noto Sans CJK SC Regular" pitchFamily="2"/>
+                <a:cs typeface="FreeSans" pitchFamily="2"/>
+              </a:rPr>
+              <a:t>convolutional SNN; </a:t>
+            </a:r>
+            <a:r>
+              <a:rPr lang="en-US" sz="3225" b="1" dirty="0">
+                <a:latin typeface="Liberation Sans" pitchFamily="18"/>
+                <a:ea typeface="Noto Sans CJK SC Regular" pitchFamily="2"/>
+                <a:cs typeface="FreeSans" pitchFamily="2"/>
+              </a:rPr>
+              <a:t>D</a:t>
+            </a:r>
+            <a:r>
+              <a:rPr lang="en-US" sz="3225" dirty="0">
+                <a:latin typeface="Liberation Sans" pitchFamily="18"/>
+                <a:ea typeface="Noto Sans CJK SC Regular" pitchFamily="2"/>
+                <a:cs typeface="FreeSans" pitchFamily="2"/>
+              </a:rPr>
+              <a:t>: Schematic of Pipeline object; </a:t>
+            </a:r>
+            <a:r>
+              <a:rPr lang="en-US" sz="3225" b="1" dirty="0">
+                <a:latin typeface="Liberation Sans" pitchFamily="18"/>
+                <a:ea typeface="Noto Sans CJK SC Regular" pitchFamily="2"/>
+                <a:cs typeface="FreeSans" pitchFamily="2"/>
+              </a:rPr>
+              <a:t>E</a:t>
+            </a:r>
+            <a:r>
+              <a:rPr lang="en-US" sz="3225" dirty="0">
+                <a:latin typeface="Liberation Sans" pitchFamily="18"/>
+                <a:ea typeface="Noto Sans CJK SC Regular" pitchFamily="2"/>
+                <a:cs typeface="FreeSans" pitchFamily="2"/>
+              </a:rPr>
+              <a:t>: Poisson encoding of MNIST digit for 250 timesteps</a:t>
+            </a:r>
+          </a:p>
+        </p:txBody>
+      </p:sp>
+      <p:sp>
+        <p:nvSpPr>
+          <p:cNvPr id="31" name="TextBox 30">
             <a:extLst>
               <a:ext uri="{FF2B5EF4-FFF2-40B4-BE49-F238E27FC236}">
-                <a16:creationId xmlns:a16="http://schemas.microsoft.com/office/drawing/2014/main" id="{26D844F7-6022-4868-8326-91BC0C4CDA48}"/>
-              </a:ext>
-            </a:extLst>
-          </p:cNvPr>
-          <p:cNvPicPr>
-            <a:picLocks noChangeAspect="1"/>
-          </p:cNvPicPr>
-          <p:nvPr/>
-        </p:nvPicPr>
-        <p:blipFill>
-          <a:blip r:embed="rId3">
-            <a:lum/>
-            <a:alphaModFix/>
-          </a:blip>
-          <a:srcRect/>
-          <a:stretch>
-            <a:fillRect/>
-          </a:stretch>
-        </p:blipFill>
-        <p:spPr>
-          <a:xfrm>
-            <a:off x="2025359" y="25710570"/>
-            <a:ext cx="5029200" cy="2578319"/>
-          </a:xfrm>
-          <a:prstGeom prst="rect">
-            <a:avLst/>
-          </a:prstGeom>
-          <a:noFill/>
-          <a:ln>
-            <a:noFill/>
-          </a:ln>
-        </p:spPr>
-      </p:pic>
-      <p:pic>
-        <p:nvPicPr>
-          <p:cNvPr id="9" name="">
-            <a:extLst>
-              <a:ext uri="{FF2B5EF4-FFF2-40B4-BE49-F238E27FC236}">
-                <a16:creationId xmlns:a16="http://schemas.microsoft.com/office/drawing/2014/main" id="{2D1FEDFB-3FED-43F8-9565-350DC70A2ED9}"/>
-              </a:ext>
-            </a:extLst>
-          </p:cNvPr>
-          <p:cNvPicPr>
-            <a:picLocks noChangeAspect="1"/>
-          </p:cNvPicPr>
-          <p:nvPr/>
-        </p:nvPicPr>
-        <p:blipFill>
-          <a:blip r:embed="rId4">
-            <a:lum/>
-            <a:alphaModFix/>
-          </a:blip>
-          <a:srcRect/>
-          <a:stretch>
-            <a:fillRect/>
-          </a:stretch>
-        </p:blipFill>
-        <p:spPr>
-          <a:xfrm>
-            <a:off x="7916760" y="25892370"/>
-            <a:ext cx="5680079" cy="2211120"/>
-          </a:xfrm>
-          <a:prstGeom prst="rect">
-            <a:avLst/>
-          </a:prstGeom>
-          <a:noFill/>
-          <a:ln w="12600">
-            <a:solidFill>
-              <a:srgbClr val="3465A4"/>
-            </a:solidFill>
-            <a:prstDash val="solid"/>
-          </a:ln>
-        </p:spPr>
-      </p:pic>
-      <p:pic>
-        <p:nvPicPr>
-          <p:cNvPr id="10" name="">
-            <a:extLst>
-              <a:ext uri="{FF2B5EF4-FFF2-40B4-BE49-F238E27FC236}">
-                <a16:creationId xmlns:a16="http://schemas.microsoft.com/office/drawing/2014/main" id="{9866B43A-AD36-4248-B92B-01232B7C2937}"/>
-              </a:ext>
-            </a:extLst>
-          </p:cNvPr>
-          <p:cNvPicPr>
-            <a:picLocks noChangeAspect="1"/>
-          </p:cNvPicPr>
-          <p:nvPr/>
-        </p:nvPicPr>
-        <p:blipFill>
-          <a:blip r:embed="rId5">
-            <a:lum/>
-            <a:alphaModFix/>
-          </a:blip>
-          <a:srcRect/>
-          <a:stretch>
-            <a:fillRect/>
-          </a:stretch>
-        </p:blipFill>
-        <p:spPr>
-          <a:xfrm>
-            <a:off x="14522399" y="25775370"/>
-            <a:ext cx="5669279" cy="2374560"/>
-          </a:xfrm>
-          <a:prstGeom prst="rect">
-            <a:avLst/>
-          </a:prstGeom>
-          <a:noFill/>
-          <a:ln>
-            <a:noFill/>
-          </a:ln>
-        </p:spPr>
-      </p:pic>
-      <p:sp>
-        <p:nvSpPr>
-          <p:cNvPr id="11" name="TextBox 10">
-            <a:extLst>
-              <a:ext uri="{FF2B5EF4-FFF2-40B4-BE49-F238E27FC236}">
-                <a16:creationId xmlns:a16="http://schemas.microsoft.com/office/drawing/2014/main" id="{68E21DD8-BE49-42E4-B5C5-BD75C9D7B9B9}"/>
+                <a16:creationId xmlns:a16="http://schemas.microsoft.com/office/drawing/2014/main" id="{47D04A90-6AF3-4DE6-8A9D-3816F20F69FD}"/>
               </a:ext>
             </a:extLst>
           </p:cNvPr>
@@ -5057,1749 +5536,8 @@
         </p:nvSpPr>
         <p:spPr>
           <a:xfrm>
-            <a:off x="643664" y="5159543"/>
-            <a:ext cx="10540876" cy="3659356"/>
-          </a:xfrm>
-          <a:prstGeom prst="rect">
-            <a:avLst/>
-          </a:prstGeom>
-          <a:noFill/>
-          <a:ln>
-            <a:noFill/>
-          </a:ln>
-        </p:spPr>
-        <p:txBody>
-          <a:bodyPr vert="horz" wrap="square" lIns="90000" tIns="45000" rIns="90000" bIns="45000" anchorCtr="0" compatLnSpc="0">
-            <a:spAutoFit/>
-          </a:bodyPr>
-          <a:lstStyle/>
-          <a:p>
-            <a:pPr marL="0" marR="0" lvl="0" indent="0" algn="ctr" rtl="0" hangingPunct="0">
-              <a:lnSpc>
-                <a:spcPct val="100000"/>
-              </a:lnSpc>
-              <a:spcBef>
-                <a:spcPts val="0"/>
-              </a:spcBef>
-              <a:spcAft>
-                <a:spcPts val="0"/>
-              </a:spcAft>
-              <a:buNone/>
-              <a:tabLst/>
-              <a:defRPr sz="4000"/>
-            </a:pPr>
-            <a:r>
-              <a:rPr lang="en-US" sz="4000" b="1" i="1" u="none" strike="noStrike" kern="1200" cap="none" dirty="0">
-                <a:ln>
-                  <a:noFill/>
-                </a:ln>
-                <a:solidFill>
-                  <a:srgbClr val="000080"/>
-                </a:solidFill>
-                <a:latin typeface="Liberation Sans" pitchFamily="18"/>
-                <a:ea typeface="Noto Sans CJK SC Regular" pitchFamily="2"/>
-                <a:cs typeface="FreeSans" pitchFamily="2"/>
-              </a:rPr>
-              <a:t>What is </a:t>
-            </a:r>
-            <a:r>
-              <a:rPr lang="en-US" sz="4000" b="1" i="1" u="none" strike="noStrike" kern="1200" cap="none" dirty="0" err="1">
-                <a:ln>
-                  <a:noFill/>
-                </a:ln>
-                <a:solidFill>
-                  <a:srgbClr val="000080"/>
-                </a:solidFill>
-                <a:latin typeface="Liberation Sans" pitchFamily="18"/>
-                <a:ea typeface="Noto Sans CJK SC Regular" pitchFamily="2"/>
-                <a:cs typeface="FreeSans" pitchFamily="2"/>
-              </a:rPr>
-              <a:t>BindsNET</a:t>
-            </a:r>
-            <a:r>
-              <a:rPr lang="en-US" sz="4000" b="1" i="1" u="none" strike="noStrike" kern="1200" cap="none" dirty="0">
-                <a:ln>
-                  <a:noFill/>
-                </a:ln>
-                <a:solidFill>
-                  <a:srgbClr val="000080"/>
-                </a:solidFill>
-                <a:latin typeface="Liberation Sans" pitchFamily="18"/>
-                <a:ea typeface="Noto Sans CJK SC Regular" pitchFamily="2"/>
-                <a:cs typeface="FreeSans" pitchFamily="2"/>
-              </a:rPr>
-              <a:t>?</a:t>
-            </a:r>
-          </a:p>
-          <a:p>
-            <a:pPr marL="0" marR="0" lvl="0" indent="0" rtl="0" hangingPunct="0">
-              <a:lnSpc>
-                <a:spcPct val="100000"/>
-              </a:lnSpc>
-              <a:spcBef>
-                <a:spcPts val="0"/>
-              </a:spcBef>
-              <a:spcAft>
-                <a:spcPts val="0"/>
-              </a:spcAft>
-              <a:buNone/>
-              <a:tabLst/>
-              <a:defRPr sz="4000"/>
-            </a:pPr>
-            <a:endParaRPr lang="en-US" sz="1000" b="1" i="1" u="none" strike="noStrike" kern="1200" cap="none" dirty="0">
-              <a:ln>
-                <a:noFill/>
-              </a:ln>
-              <a:latin typeface="Liberation Sans" pitchFamily="18"/>
-              <a:ea typeface="Noto Sans CJK SC Regular" pitchFamily="2"/>
-              <a:cs typeface="FreeSans" pitchFamily="2"/>
-            </a:endParaRPr>
-          </a:p>
-          <a:p>
-            <a:pPr marL="457200" marR="0" lvl="0" indent="-457200" rtl="0" hangingPunct="0">
-              <a:lnSpc>
-                <a:spcPct val="100000"/>
-              </a:lnSpc>
-              <a:spcBef>
-                <a:spcPts val="0"/>
-              </a:spcBef>
-              <a:spcAft>
-                <a:spcPts val="0"/>
-              </a:spcAft>
-              <a:buSzPct val="100000"/>
-              <a:buFont typeface="Arial" panose="020B0604020202020204" pitchFamily="34" charset="0"/>
-              <a:buChar char="•"/>
-              <a:tabLst/>
-              <a:defRPr sz="4000"/>
-            </a:pPr>
-            <a:r>
-              <a:rPr lang="en-US" sz="3200" b="0" i="0" u="none" strike="noStrike" kern="1200" cap="none" dirty="0">
-                <a:ln>
-                  <a:noFill/>
-                </a:ln>
-                <a:latin typeface="Liberation Sans" pitchFamily="18"/>
-                <a:ea typeface="Noto Sans CJK SC Regular" pitchFamily="2"/>
-                <a:cs typeface="FreeSans" pitchFamily="2"/>
-              </a:rPr>
-              <a:t>Clock-driven </a:t>
-            </a:r>
-            <a:r>
-              <a:rPr lang="en-US" sz="3200" b="0" i="1" u="none" strike="noStrike" kern="1200" cap="none" dirty="0">
-                <a:ln>
-                  <a:noFill/>
-                </a:ln>
-                <a:latin typeface="Liberation Sans" pitchFamily="18"/>
-                <a:ea typeface="Noto Sans CJK SC Regular" pitchFamily="2"/>
-                <a:cs typeface="FreeSans" pitchFamily="2"/>
-              </a:rPr>
-              <a:t>spiking neural networks</a:t>
-            </a:r>
-            <a:r>
-              <a:rPr lang="en-US" sz="3200" b="0" i="0" u="none" strike="noStrike" kern="1200" cap="none" dirty="0">
-                <a:ln>
-                  <a:noFill/>
-                </a:ln>
-                <a:latin typeface="Liberation Sans" pitchFamily="18"/>
-                <a:ea typeface="Noto Sans CJK SC Regular" pitchFamily="2"/>
-                <a:cs typeface="FreeSans" pitchFamily="2"/>
-              </a:rPr>
-              <a:t> (SNN) simulation</a:t>
-            </a:r>
-          </a:p>
-          <a:p>
-            <a:pPr marL="457200" marR="0" lvl="0" indent="-457200" rtl="0" hangingPunct="0">
-              <a:lnSpc>
-                <a:spcPct val="100000"/>
-              </a:lnSpc>
-              <a:spcBef>
-                <a:spcPts val="0"/>
-              </a:spcBef>
-              <a:spcAft>
-                <a:spcPts val="0"/>
-              </a:spcAft>
-              <a:buSzPct val="100000"/>
-              <a:buFont typeface="Arial" panose="020B0604020202020204" pitchFamily="34" charset="0"/>
-              <a:buChar char="•"/>
-              <a:tabLst/>
-              <a:defRPr sz="4000"/>
-            </a:pPr>
-            <a:r>
-              <a:rPr lang="en-US" sz="3200" b="0" i="0" u="none" strike="noStrike" kern="1200" cap="none" dirty="0">
-                <a:ln>
-                  <a:noFill/>
-                </a:ln>
-                <a:latin typeface="Liberation Sans" pitchFamily="18"/>
-                <a:ea typeface="Noto Sans CJK SC Regular" pitchFamily="2"/>
-                <a:cs typeface="FreeSans" pitchFamily="2"/>
-              </a:rPr>
-              <a:t>Oriented towards ML + RL</a:t>
-            </a:r>
-          </a:p>
-          <a:p>
-            <a:pPr marL="457200" marR="0" lvl="0" indent="-457200" rtl="0" hangingPunct="0">
-              <a:lnSpc>
-                <a:spcPct val="100000"/>
-              </a:lnSpc>
-              <a:spcBef>
-                <a:spcPts val="0"/>
-              </a:spcBef>
-              <a:spcAft>
-                <a:spcPts val="0"/>
-              </a:spcAft>
-              <a:buSzPct val="100000"/>
-              <a:buFont typeface="Arial" panose="020B0604020202020204" pitchFamily="34" charset="0"/>
-              <a:buChar char="•"/>
-              <a:tabLst/>
-              <a:defRPr sz="4000"/>
-            </a:pPr>
-            <a:r>
-              <a:rPr lang="en-US" sz="3200" b="0" i="0" u="none" strike="noStrike" kern="1200" cap="none" dirty="0">
-                <a:ln>
-                  <a:noFill/>
-                </a:ln>
-                <a:latin typeface="Liberation Sans" pitchFamily="18"/>
-                <a:ea typeface="Noto Sans CJK SC Regular" pitchFamily="2"/>
-                <a:cs typeface="FreeSans" pitchFamily="2"/>
-              </a:rPr>
-              <a:t>User-friendly syntax + fast prototyping</a:t>
-            </a:r>
-          </a:p>
-          <a:p>
-            <a:pPr marL="457200" marR="0" lvl="0" indent="-457200" rtl="0" hangingPunct="0">
-              <a:lnSpc>
-                <a:spcPct val="100000"/>
-              </a:lnSpc>
-              <a:spcBef>
-                <a:spcPts val="0"/>
-              </a:spcBef>
-              <a:spcAft>
-                <a:spcPts val="0"/>
-              </a:spcAft>
-              <a:buSzPct val="100000"/>
-              <a:buFont typeface="Arial" panose="020B0604020202020204" pitchFamily="34" charset="0"/>
-              <a:buChar char="•"/>
-              <a:tabLst/>
-              <a:defRPr sz="4000"/>
-            </a:pPr>
-            <a:r>
-              <a:rPr lang="en-US" sz="3200" b="0" i="1" u="none" strike="noStrike" kern="1200" cap="none" dirty="0">
-                <a:ln>
-                  <a:noFill/>
-                </a:ln>
-                <a:latin typeface="Liberation Sans" pitchFamily="18"/>
-                <a:ea typeface="Noto Sans CJK SC Regular" pitchFamily="2"/>
-                <a:cs typeface="FreeSans" pitchFamily="2"/>
-              </a:rPr>
-              <a:t>Functional </a:t>
-            </a:r>
-            <a:r>
-              <a:rPr lang="en-US" sz="3200" b="0" i="0" u="none" strike="noStrike" kern="1200" cap="none" dirty="0">
-                <a:ln>
-                  <a:noFill/>
-                </a:ln>
-                <a:latin typeface="Liberation Sans" pitchFamily="18"/>
-                <a:ea typeface="Noto Sans CJK SC Regular" pitchFamily="2"/>
-                <a:cs typeface="FreeSans" pitchFamily="2"/>
-              </a:rPr>
-              <a:t>(rather than </a:t>
-            </a:r>
-            <a:r>
-              <a:rPr lang="en-US" sz="3200" b="0" i="1" u="none" strike="noStrike" kern="1200" cap="none" dirty="0">
-                <a:ln>
-                  <a:noFill/>
-                </a:ln>
-                <a:latin typeface="Liberation Sans" pitchFamily="18"/>
-                <a:ea typeface="Noto Sans CJK SC Regular" pitchFamily="2"/>
-                <a:cs typeface="FreeSans" pitchFamily="2"/>
-              </a:rPr>
-              <a:t>exact</a:t>
-            </a:r>
-            <a:r>
-              <a:rPr lang="en-US" sz="3200" b="0" i="0" u="none" strike="noStrike" kern="1200" cap="none" dirty="0">
-                <a:ln>
-                  <a:noFill/>
-                </a:ln>
-                <a:latin typeface="Liberation Sans" pitchFamily="18"/>
-                <a:ea typeface="Noto Sans CJK SC Regular" pitchFamily="2"/>
-                <a:cs typeface="FreeSans" pitchFamily="2"/>
-              </a:rPr>
-              <a:t>) dynamics</a:t>
-            </a:r>
-          </a:p>
-          <a:p>
-            <a:pPr marL="457200" marR="0" lvl="0" indent="-457200" rtl="0" hangingPunct="0">
-              <a:lnSpc>
-                <a:spcPct val="100000"/>
-              </a:lnSpc>
-              <a:spcBef>
-                <a:spcPts val="0"/>
-              </a:spcBef>
-              <a:spcAft>
-                <a:spcPts val="0"/>
-              </a:spcAft>
-              <a:buSzPct val="100000"/>
-              <a:buFont typeface="Arial" panose="020B0604020202020204" pitchFamily="34" charset="0"/>
-              <a:buChar char="•"/>
-              <a:tabLst/>
-              <a:defRPr sz="4000"/>
-            </a:pPr>
-            <a:r>
-              <a:rPr lang="en-US" sz="3200" b="0" i="0" u="none" strike="noStrike" kern="1200" cap="none" dirty="0">
-                <a:ln>
-                  <a:noFill/>
-                </a:ln>
-                <a:latin typeface="Liberation Sans" pitchFamily="18"/>
-                <a:ea typeface="Noto Sans CJK SC Regular" pitchFamily="2"/>
-                <a:cs typeface="FreeSans" pitchFamily="2"/>
-              </a:rPr>
-              <a:t>Run on CPUs, GPUs, or both</a:t>
-            </a:r>
-          </a:p>
-          <a:p>
-            <a:pPr marL="457200" marR="0" lvl="0" indent="-457200" rtl="0" hangingPunct="0">
-              <a:lnSpc>
-                <a:spcPct val="100000"/>
-              </a:lnSpc>
-              <a:spcBef>
-                <a:spcPts val="0"/>
-              </a:spcBef>
-              <a:spcAft>
-                <a:spcPts val="0"/>
-              </a:spcAft>
-              <a:buSzPct val="100000"/>
-              <a:buFont typeface="Arial" panose="020B0604020202020204" pitchFamily="34" charset="0"/>
-              <a:buChar char="•"/>
-              <a:tabLst/>
-              <a:defRPr sz="4000"/>
-            </a:pPr>
-            <a:r>
-              <a:rPr lang="en-US" sz="3200" b="0" i="0" u="none" strike="noStrike" kern="1200" cap="none" dirty="0">
-                <a:ln>
-                  <a:noFill/>
-                </a:ln>
-                <a:latin typeface="Liberation Sans" pitchFamily="18"/>
-                <a:ea typeface="Noto Sans CJK SC Regular" pitchFamily="2"/>
-                <a:cs typeface="FreeSans" pitchFamily="2"/>
-              </a:rPr>
-              <a:t>Inherits performance + functionality of </a:t>
-            </a:r>
-            <a:r>
-              <a:rPr lang="en-US" sz="3200" b="0" i="0" u="none" strike="noStrike" kern="1200" cap="none" dirty="0" err="1">
-                <a:ln>
-                  <a:noFill/>
-                </a:ln>
-                <a:latin typeface="Liberation Sans" pitchFamily="18"/>
-                <a:ea typeface="Noto Sans CJK SC Regular" pitchFamily="2"/>
-                <a:cs typeface="FreeSans" pitchFamily="2"/>
-              </a:rPr>
-              <a:t>PyTorch</a:t>
-            </a:r>
-            <a:endParaRPr lang="en-US" sz="3200" b="0" i="0" u="none" strike="noStrike" kern="1200" cap="none" dirty="0">
-              <a:ln>
-                <a:noFill/>
-              </a:ln>
-              <a:latin typeface="Liberation Sans" pitchFamily="18"/>
-              <a:ea typeface="Noto Sans CJK SC Regular" pitchFamily="2"/>
-              <a:cs typeface="FreeSans" pitchFamily="2"/>
-            </a:endParaRPr>
-          </a:p>
-        </p:txBody>
-      </p:sp>
-      <p:sp>
-        <p:nvSpPr>
-          <p:cNvPr id="12" name="TextBox 11">
-            <a:extLst>
-              <a:ext uri="{FF2B5EF4-FFF2-40B4-BE49-F238E27FC236}">
-                <a16:creationId xmlns:a16="http://schemas.microsoft.com/office/drawing/2014/main" id="{523401B0-CC46-4F5C-ADEB-3A9DF9BEC47D}"/>
-              </a:ext>
-            </a:extLst>
-          </p:cNvPr>
-          <p:cNvSpPr txBox="1"/>
-          <p:nvPr/>
-        </p:nvSpPr>
-        <p:spPr>
-          <a:xfrm>
-            <a:off x="4937760" y="9120960"/>
-            <a:ext cx="180720" cy="427320"/>
-          </a:xfrm>
-          <a:prstGeom prst="rect">
-            <a:avLst/>
-          </a:prstGeom>
-          <a:noFill/>
-          <a:ln>
-            <a:noFill/>
-          </a:ln>
-        </p:spPr>
-        <p:txBody>
-          <a:bodyPr vert="horz" wrap="none" lIns="90000" tIns="45000" rIns="90000" bIns="45000" anchorCtr="0" compatLnSpc="0">
-            <a:spAutoFit/>
-          </a:bodyPr>
-          <a:lstStyle/>
-          <a:p>
-            <a:pPr marL="0" marR="0" lvl="0" indent="0" rtl="0" hangingPunct="0">
-              <a:lnSpc>
-                <a:spcPct val="100000"/>
-              </a:lnSpc>
-              <a:spcBef>
-                <a:spcPts val="0"/>
-              </a:spcBef>
-              <a:spcAft>
-                <a:spcPts val="0"/>
-              </a:spcAft>
-              <a:buNone/>
-              <a:tabLst/>
-            </a:pPr>
-            <a:endParaRPr lang="en-US" sz="1800" b="0" i="0" u="none" strike="noStrike" kern="1200" cap="none">
-              <a:ln>
-                <a:noFill/>
-              </a:ln>
-              <a:latin typeface="Liberation Sans" pitchFamily="18"/>
-              <a:ea typeface="Noto Sans CJK SC Regular" pitchFamily="2"/>
-              <a:cs typeface="FreeSans" pitchFamily="2"/>
-            </a:endParaRPr>
-          </a:p>
-        </p:txBody>
-      </p:sp>
-      <p:sp>
-        <p:nvSpPr>
-          <p:cNvPr id="13" name="TextBox 12">
-            <a:extLst>
-              <a:ext uri="{FF2B5EF4-FFF2-40B4-BE49-F238E27FC236}">
-                <a16:creationId xmlns:a16="http://schemas.microsoft.com/office/drawing/2014/main" id="{84BAC794-85B8-40D1-9C18-74387C1A3B90}"/>
-              </a:ext>
-            </a:extLst>
-          </p:cNvPr>
-          <p:cNvSpPr txBox="1"/>
-          <p:nvPr/>
-        </p:nvSpPr>
-        <p:spPr>
-          <a:xfrm>
-            <a:off x="695521" y="9578160"/>
-            <a:ext cx="10041452" cy="3187496"/>
-          </a:xfrm>
-          <a:prstGeom prst="rect">
-            <a:avLst/>
-          </a:prstGeom>
-          <a:noFill/>
-          <a:ln>
-            <a:noFill/>
-          </a:ln>
-        </p:spPr>
-        <p:txBody>
-          <a:bodyPr vert="horz" wrap="square" lIns="90000" tIns="45000" rIns="90000" bIns="45000" anchorCtr="0" compatLnSpc="0">
-            <a:spAutoFit/>
-          </a:bodyPr>
-          <a:lstStyle/>
-          <a:p>
-            <a:pPr marL="0" marR="0" lvl="0" indent="0" algn="ctr" rtl="0" hangingPunct="0">
-              <a:lnSpc>
-                <a:spcPct val="100000"/>
-              </a:lnSpc>
-              <a:spcBef>
-                <a:spcPts val="0"/>
-              </a:spcBef>
-              <a:spcAft>
-                <a:spcPts val="0"/>
-              </a:spcAft>
-              <a:buNone/>
-              <a:tabLst/>
-              <a:defRPr sz="4000"/>
-            </a:pPr>
-            <a:r>
-              <a:rPr lang="en-US" sz="4000" b="1" i="1" u="none" strike="noStrike" kern="1200" cap="none" dirty="0">
-                <a:ln>
-                  <a:noFill/>
-                </a:ln>
-                <a:solidFill>
-                  <a:srgbClr val="000080"/>
-                </a:solidFill>
-                <a:latin typeface="Liberation Sans" pitchFamily="18"/>
-                <a:ea typeface="Noto Sans CJK SC Regular" pitchFamily="2"/>
-                <a:cs typeface="FreeSans" pitchFamily="2"/>
-              </a:rPr>
-              <a:t>How is </a:t>
-            </a:r>
-            <a:r>
-              <a:rPr lang="en-US" sz="4000" b="1" i="1" u="none" strike="noStrike" kern="1200" cap="none" dirty="0" err="1">
-                <a:ln>
-                  <a:noFill/>
-                </a:ln>
-                <a:solidFill>
-                  <a:srgbClr val="000080"/>
-                </a:solidFill>
-                <a:latin typeface="Liberation Sans" pitchFamily="18"/>
-                <a:ea typeface="Noto Sans CJK SC Regular" pitchFamily="2"/>
-                <a:cs typeface="FreeSans" pitchFamily="2"/>
-              </a:rPr>
-              <a:t>PyTorch</a:t>
-            </a:r>
-            <a:r>
-              <a:rPr lang="en-US" sz="4000" b="1" i="1" u="none" strike="noStrike" kern="1200" cap="none" dirty="0">
-                <a:ln>
-                  <a:noFill/>
-                </a:ln>
-                <a:solidFill>
-                  <a:srgbClr val="000080"/>
-                </a:solidFill>
-                <a:latin typeface="Liberation Sans" pitchFamily="18"/>
-                <a:ea typeface="Noto Sans CJK SC Regular" pitchFamily="2"/>
-                <a:cs typeface="FreeSans" pitchFamily="2"/>
-              </a:rPr>
-              <a:t> used?</a:t>
-            </a:r>
-          </a:p>
-          <a:p>
-            <a:pPr marL="0" marR="0" lvl="0" indent="0" rtl="0" hangingPunct="0">
-              <a:lnSpc>
-                <a:spcPct val="100000"/>
-              </a:lnSpc>
-              <a:spcBef>
-                <a:spcPts val="0"/>
-              </a:spcBef>
-              <a:spcAft>
-                <a:spcPts val="0"/>
-              </a:spcAft>
-              <a:buNone/>
-              <a:tabLst/>
-              <a:defRPr sz="4000"/>
-            </a:pPr>
-            <a:endParaRPr lang="en-US" sz="1000" b="1" i="1" u="none" strike="noStrike" kern="1200" cap="none" dirty="0">
-              <a:ln>
-                <a:noFill/>
-              </a:ln>
-              <a:latin typeface="Liberation Sans" pitchFamily="18"/>
-              <a:ea typeface="Noto Sans CJK SC Regular" pitchFamily="2"/>
-              <a:cs typeface="FreeSans" pitchFamily="2"/>
-            </a:endParaRPr>
-          </a:p>
-          <a:p>
-            <a:pPr marL="457200" marR="0" lvl="0" indent="-457200" rtl="0" hangingPunct="0">
-              <a:lnSpc>
-                <a:spcPct val="100000"/>
-              </a:lnSpc>
-              <a:spcBef>
-                <a:spcPts val="0"/>
-              </a:spcBef>
-              <a:spcAft>
-                <a:spcPts val="0"/>
-              </a:spcAft>
-              <a:buSzPct val="100000"/>
-              <a:buFont typeface="Arial" panose="020B0604020202020204" pitchFamily="34" charset="0"/>
-              <a:buChar char="•"/>
-              <a:tabLst/>
-              <a:defRPr sz="4000"/>
-            </a:pPr>
-            <a:r>
-              <a:rPr lang="en-US" sz="3200" b="1" i="0" u="none" strike="noStrike" kern="1200" cap="none" dirty="0" err="1">
-                <a:ln>
-                  <a:noFill/>
-                </a:ln>
-                <a:solidFill>
-                  <a:srgbClr val="000080"/>
-                </a:solidFill>
-                <a:latin typeface="Liberation Sans" pitchFamily="18"/>
-                <a:ea typeface="Noto Sans CJK SC Regular" pitchFamily="2"/>
-                <a:cs typeface="FreeSans" pitchFamily="2"/>
-              </a:rPr>
-              <a:t>torch.Tensor</a:t>
-            </a:r>
-            <a:r>
-              <a:rPr lang="en-US" sz="3200" b="0" i="0" u="none" strike="noStrike" kern="1200" cap="none" dirty="0">
-                <a:ln>
-                  <a:noFill/>
-                </a:ln>
-                <a:latin typeface="Liberation Sans" pitchFamily="18"/>
-                <a:ea typeface="Noto Sans CJK SC Regular" pitchFamily="2"/>
-                <a:cs typeface="FreeSans" pitchFamily="2"/>
-              </a:rPr>
-              <a:t> object: Linear algebra + tensor ops</a:t>
-            </a:r>
-          </a:p>
-          <a:p>
-            <a:pPr marL="457200" marR="0" lvl="0" indent="-457200" rtl="0" hangingPunct="0">
-              <a:lnSpc>
-                <a:spcPct val="100000"/>
-              </a:lnSpc>
-              <a:spcBef>
-                <a:spcPts val="0"/>
-              </a:spcBef>
-              <a:spcAft>
-                <a:spcPts val="0"/>
-              </a:spcAft>
-              <a:buSzPct val="100000"/>
-              <a:buFont typeface="Arial" panose="020B0604020202020204" pitchFamily="34" charset="0"/>
-              <a:buChar char="•"/>
-              <a:tabLst/>
-              <a:defRPr sz="4000"/>
-            </a:pPr>
-            <a:r>
-              <a:rPr lang="en-US" sz="3200" b="1" i="0" u="none" strike="noStrike" kern="1200" cap="none" dirty="0" err="1">
-                <a:ln>
-                  <a:noFill/>
-                </a:ln>
-                <a:solidFill>
-                  <a:srgbClr val="000080"/>
-                </a:solidFill>
-                <a:latin typeface="Liberation Sans" pitchFamily="18"/>
-                <a:ea typeface="Noto Sans CJK SC Regular" pitchFamily="2"/>
-                <a:cs typeface="FreeSans" pitchFamily="2"/>
-              </a:rPr>
-              <a:t>torch.nn</a:t>
-            </a:r>
-            <a:r>
-              <a:rPr lang="en-US" sz="3200" b="0" i="0" u="none" strike="noStrike" kern="1200" cap="none" dirty="0">
-                <a:ln>
-                  <a:noFill/>
-                </a:ln>
-                <a:latin typeface="Liberation Sans" pitchFamily="18"/>
-                <a:ea typeface="Noto Sans CJK SC Regular" pitchFamily="2"/>
-                <a:cs typeface="FreeSans" pitchFamily="2"/>
-              </a:rPr>
-              <a:t> module: Advanced network operations</a:t>
-            </a:r>
-          </a:p>
-          <a:p>
-            <a:pPr marL="457200" marR="0" lvl="0" indent="-457200" rtl="0" hangingPunct="0">
-              <a:lnSpc>
-                <a:spcPct val="100000"/>
-              </a:lnSpc>
-              <a:spcBef>
-                <a:spcPts val="0"/>
-              </a:spcBef>
-              <a:spcAft>
-                <a:spcPts val="0"/>
-              </a:spcAft>
-              <a:buSzPct val="100000"/>
-              <a:buFont typeface="Arial" panose="020B0604020202020204" pitchFamily="34" charset="0"/>
-              <a:buChar char="•"/>
-              <a:tabLst/>
-              <a:defRPr sz="4000"/>
-            </a:pPr>
-            <a:r>
-              <a:rPr lang="en-US" sz="3200" b="1" i="0" u="none" strike="noStrike" kern="1200" cap="none" dirty="0" err="1">
-                <a:ln>
-                  <a:noFill/>
-                </a:ln>
-                <a:solidFill>
-                  <a:srgbClr val="000080"/>
-                </a:solidFill>
-                <a:latin typeface="Liberation Sans" pitchFamily="18"/>
-                <a:ea typeface="Noto Sans CJK SC Regular" pitchFamily="2"/>
-                <a:cs typeface="FreeSans" pitchFamily="2"/>
-              </a:rPr>
-              <a:t>torch.distributions</a:t>
-            </a:r>
-            <a:r>
-              <a:rPr lang="en-US" sz="3200" b="0" i="0" u="none" strike="noStrike" kern="1200" cap="none" dirty="0">
-                <a:ln>
-                  <a:noFill/>
-                </a:ln>
-                <a:solidFill>
-                  <a:srgbClr val="000080"/>
-                </a:solidFill>
-                <a:latin typeface="Liberation Sans" pitchFamily="18"/>
-                <a:ea typeface="Noto Sans CJK SC Regular" pitchFamily="2"/>
-                <a:cs typeface="FreeSans" pitchFamily="2"/>
-              </a:rPr>
-              <a:t> </a:t>
-            </a:r>
-            <a:r>
-              <a:rPr lang="en-US" sz="3200" b="0" i="0" u="none" strike="noStrike" kern="1200" cap="none" dirty="0">
-                <a:ln>
-                  <a:noFill/>
-                </a:ln>
-                <a:solidFill>
-                  <a:srgbClr val="000000"/>
-                </a:solidFill>
-                <a:latin typeface="Liberation Sans" pitchFamily="18"/>
-                <a:ea typeface="Noto Sans CJK SC Regular" pitchFamily="2"/>
-                <a:cs typeface="FreeSans" pitchFamily="2"/>
-              </a:rPr>
-              <a:t>module: Generating spike data</a:t>
-            </a:r>
-          </a:p>
-          <a:p>
-            <a:pPr marL="457200" marR="0" lvl="0" indent="-457200" rtl="0" hangingPunct="0">
-              <a:lnSpc>
-                <a:spcPct val="100000"/>
-              </a:lnSpc>
-              <a:spcBef>
-                <a:spcPts val="0"/>
-              </a:spcBef>
-              <a:spcAft>
-                <a:spcPts val="0"/>
-              </a:spcAft>
-              <a:buSzPct val="100000"/>
-              <a:buFont typeface="Arial" panose="020B0604020202020204" pitchFamily="34" charset="0"/>
-              <a:buChar char="•"/>
-              <a:tabLst/>
-              <a:defRPr sz="4000"/>
-            </a:pPr>
-            <a:r>
-              <a:rPr lang="en-US" sz="3200" b="1" i="0" u="none" strike="noStrike" kern="1200" cap="none" dirty="0" err="1">
-                <a:ln>
-                  <a:noFill/>
-                </a:ln>
-                <a:solidFill>
-                  <a:srgbClr val="000080"/>
-                </a:solidFill>
-                <a:latin typeface="Liberation Sans" pitchFamily="18"/>
-                <a:ea typeface="Noto Sans CJK SC Regular" pitchFamily="2"/>
-                <a:cs typeface="FreeSans" pitchFamily="2"/>
-              </a:rPr>
-              <a:t>torch.save</a:t>
-            </a:r>
-            <a:r>
-              <a:rPr lang="en-US" sz="3200" b="1" i="0" u="none" strike="noStrike" kern="1200" cap="none" dirty="0">
-                <a:ln>
-                  <a:noFill/>
-                </a:ln>
-                <a:solidFill>
-                  <a:srgbClr val="000080"/>
-                </a:solidFill>
-                <a:latin typeface="Liberation Sans" pitchFamily="18"/>
-                <a:ea typeface="Noto Sans CJK SC Regular" pitchFamily="2"/>
-                <a:cs typeface="FreeSans" pitchFamily="2"/>
-              </a:rPr>
-              <a:t>, load</a:t>
-            </a:r>
-            <a:r>
-              <a:rPr lang="en-US" sz="3200" b="0" i="0" u="none" strike="noStrike" kern="1200" cap="none" dirty="0">
-                <a:ln>
-                  <a:noFill/>
-                </a:ln>
-                <a:solidFill>
-                  <a:srgbClr val="000000"/>
-                </a:solidFill>
-                <a:latin typeface="Liberation Sans" pitchFamily="18"/>
-                <a:ea typeface="Noto Sans CJK SC Regular" pitchFamily="2"/>
-                <a:cs typeface="FreeSans" pitchFamily="2"/>
-              </a:rPr>
-              <a:t>: Save / load params to / from disk</a:t>
-            </a:r>
-          </a:p>
-          <a:p>
-            <a:pPr marL="457200" marR="0" lvl="0" indent="-457200" rtl="0" hangingPunct="0">
-              <a:lnSpc>
-                <a:spcPct val="100000"/>
-              </a:lnSpc>
-              <a:spcBef>
-                <a:spcPts val="0"/>
-              </a:spcBef>
-              <a:spcAft>
-                <a:spcPts val="0"/>
-              </a:spcAft>
-              <a:buSzPct val="100000"/>
-              <a:buFont typeface="Arial" panose="020B0604020202020204" pitchFamily="34" charset="0"/>
-              <a:buChar char="•"/>
-              <a:tabLst/>
-              <a:defRPr sz="4000"/>
-            </a:pPr>
-            <a:r>
-              <a:rPr lang="en-US" sz="3200" b="1" i="0" u="none" strike="noStrike" kern="1200" cap="none" dirty="0" err="1">
-                <a:ln>
-                  <a:noFill/>
-                </a:ln>
-                <a:solidFill>
-                  <a:srgbClr val="000080"/>
-                </a:solidFill>
-                <a:latin typeface="Liberation Sans" pitchFamily="18"/>
-                <a:ea typeface="Noto Sans CJK SC Regular" pitchFamily="2"/>
-                <a:cs typeface="FreeSans" pitchFamily="2"/>
-              </a:rPr>
-              <a:t>torchvision.datasets</a:t>
-            </a:r>
-            <a:r>
-              <a:rPr lang="en-US" sz="3200" b="0" i="0" u="none" strike="noStrike" kern="1200" cap="none" dirty="0">
-                <a:ln>
-                  <a:noFill/>
-                </a:ln>
-                <a:solidFill>
-                  <a:srgbClr val="000000"/>
-                </a:solidFill>
-                <a:latin typeface="Liberation Sans" pitchFamily="18"/>
-                <a:ea typeface="Noto Sans CJK SC Regular" pitchFamily="2"/>
-                <a:cs typeface="FreeSans" pitchFamily="2"/>
-              </a:rPr>
-              <a:t>: Planned integration!</a:t>
-            </a:r>
-          </a:p>
-        </p:txBody>
-      </p:sp>
-      <p:sp>
-        <p:nvSpPr>
-          <p:cNvPr id="14" name="TextBox 13">
-            <a:extLst>
-              <a:ext uri="{FF2B5EF4-FFF2-40B4-BE49-F238E27FC236}">
-                <a16:creationId xmlns:a16="http://schemas.microsoft.com/office/drawing/2014/main" id="{364CEB09-A9A8-414D-9B2A-F423D382BDD8}"/>
-              </a:ext>
-            </a:extLst>
-          </p:cNvPr>
-          <p:cNvSpPr txBox="1"/>
-          <p:nvPr/>
-        </p:nvSpPr>
-        <p:spPr>
-          <a:xfrm>
-            <a:off x="11813377" y="5028480"/>
-            <a:ext cx="9452458" cy="7777080"/>
-          </a:xfrm>
-          <a:prstGeom prst="rect">
-            <a:avLst/>
-          </a:prstGeom>
-          <a:noFill/>
-          <a:ln>
-            <a:noFill/>
-          </a:ln>
-        </p:spPr>
-        <p:txBody>
-          <a:bodyPr vert="horz" wrap="none" lIns="90000" tIns="45000" rIns="90000" bIns="45000" anchorCtr="0" compatLnSpc="0"/>
-          <a:lstStyle/>
-          <a:p>
-            <a:pPr marL="0" marR="0" lvl="0" indent="0" algn="ctr" rtl="0" hangingPunct="0">
-              <a:lnSpc>
-                <a:spcPct val="100000"/>
-              </a:lnSpc>
-              <a:spcBef>
-                <a:spcPts val="0"/>
-              </a:spcBef>
-              <a:spcAft>
-                <a:spcPts val="0"/>
-              </a:spcAft>
-              <a:buNone/>
-              <a:tabLst/>
-              <a:defRPr sz="1800"/>
-            </a:pPr>
-            <a:r>
-              <a:rPr lang="en-US" sz="4000" b="1" i="1" u="none" strike="noStrike" kern="1200" cap="none" dirty="0">
-                <a:ln>
-                  <a:noFill/>
-                </a:ln>
-                <a:solidFill>
-                  <a:srgbClr val="000080"/>
-                </a:solidFill>
-                <a:latin typeface="Liberation Sans" pitchFamily="18"/>
-                <a:ea typeface="Noto Sans CJK SC Regular" pitchFamily="2"/>
-                <a:cs typeface="FreeSans" pitchFamily="2"/>
-              </a:rPr>
-              <a:t>What’s in the library?</a:t>
-            </a:r>
-          </a:p>
-          <a:p>
-            <a:pPr marL="0" marR="0" lvl="0" indent="0" rtl="0" hangingPunct="0">
-              <a:lnSpc>
-                <a:spcPct val="100000"/>
-              </a:lnSpc>
-              <a:spcBef>
-                <a:spcPts val="0"/>
-              </a:spcBef>
-              <a:spcAft>
-                <a:spcPts val="0"/>
-              </a:spcAft>
-              <a:buNone/>
-              <a:tabLst/>
-              <a:defRPr sz="1800"/>
-            </a:pPr>
-            <a:endParaRPr lang="en-US" sz="1000" b="1" i="1" u="none" strike="noStrike" kern="1200" cap="none" dirty="0">
-              <a:ln>
-                <a:noFill/>
-              </a:ln>
-              <a:latin typeface="Liberation Sans" pitchFamily="18"/>
-              <a:ea typeface="Noto Sans CJK SC Regular" pitchFamily="2"/>
-              <a:cs typeface="FreeSans" pitchFamily="2"/>
-            </a:endParaRPr>
-          </a:p>
-          <a:p>
-            <a:pPr marL="457200" marR="0" lvl="0" indent="-457200" rtl="0" hangingPunct="0">
-              <a:lnSpc>
-                <a:spcPct val="100000"/>
-              </a:lnSpc>
-              <a:spcBef>
-                <a:spcPts val="0"/>
-              </a:spcBef>
-              <a:spcAft>
-                <a:spcPts val="0"/>
-              </a:spcAft>
-              <a:buSzPct val="100000"/>
-              <a:buFont typeface="Arial" panose="020B0604020202020204" pitchFamily="34" charset="0"/>
-              <a:buChar char="•"/>
-              <a:tabLst/>
-              <a:defRPr sz="1800"/>
-            </a:pPr>
-            <a:r>
-              <a:rPr lang="en-US" sz="3200" b="1" i="0" u="none" strike="noStrike" kern="1200" cap="none" dirty="0">
-                <a:ln>
-                  <a:noFill/>
-                </a:ln>
-                <a:solidFill>
-                  <a:srgbClr val="000080"/>
-                </a:solidFill>
-                <a:latin typeface="Liberation Sans" pitchFamily="18"/>
-                <a:ea typeface="Noto Sans CJK SC Regular" pitchFamily="2"/>
-                <a:cs typeface="FreeSans" pitchFamily="2"/>
-              </a:rPr>
-              <a:t>Network</a:t>
-            </a:r>
-            <a:r>
-              <a:rPr lang="en-US" sz="3200" b="0" i="0" u="none" strike="noStrike" kern="1200" cap="none" dirty="0">
-                <a:ln>
-                  <a:noFill/>
-                </a:ln>
-                <a:latin typeface="Liberation Sans" pitchFamily="18"/>
-                <a:ea typeface="Noto Sans CJK SC Regular" pitchFamily="2"/>
-                <a:cs typeface="FreeSans" pitchFamily="2"/>
-              </a:rPr>
-              <a:t>: Coordinates simulation of network</a:t>
-            </a:r>
-          </a:p>
-          <a:p>
-            <a:pPr marR="0" lvl="0" rtl="0" hangingPunct="0">
-              <a:lnSpc>
-                <a:spcPct val="100000"/>
-              </a:lnSpc>
-              <a:spcBef>
-                <a:spcPts val="0"/>
-              </a:spcBef>
-              <a:spcAft>
-                <a:spcPts val="0"/>
-              </a:spcAft>
-              <a:buSzPct val="100000"/>
-              <a:tabLst/>
-              <a:defRPr sz="1800"/>
-            </a:pPr>
-            <a:r>
-              <a:rPr lang="en-US" sz="3200" b="0" i="0" u="none" strike="noStrike" kern="1200" cap="none" dirty="0">
-                <a:ln>
-                  <a:noFill/>
-                </a:ln>
-                <a:latin typeface="Liberation Sans" pitchFamily="18"/>
-                <a:ea typeface="Noto Sans CJK SC Regular" pitchFamily="2"/>
-                <a:cs typeface="FreeSans" pitchFamily="2"/>
-              </a:rPr>
-              <a:t>components</a:t>
-            </a:r>
-          </a:p>
-          <a:p>
-            <a:pPr marL="457200" marR="0" lvl="0" indent="-457200" rtl="0" hangingPunct="0">
-              <a:lnSpc>
-                <a:spcPct val="100000"/>
-              </a:lnSpc>
-              <a:spcBef>
-                <a:spcPts val="0"/>
-              </a:spcBef>
-              <a:spcAft>
-                <a:spcPts val="0"/>
-              </a:spcAft>
-              <a:buSzPct val="100000"/>
-              <a:buFont typeface="Arial" panose="020B0604020202020204" pitchFamily="34" charset="0"/>
-              <a:buChar char="•"/>
-              <a:tabLst/>
-              <a:defRPr sz="1800"/>
-            </a:pPr>
-            <a:r>
-              <a:rPr lang="en-US" sz="3200" b="1" i="0" u="none" strike="noStrike" kern="1200" cap="none" dirty="0">
-                <a:ln>
-                  <a:noFill/>
-                </a:ln>
-                <a:solidFill>
-                  <a:srgbClr val="000080"/>
-                </a:solidFill>
-                <a:latin typeface="Liberation Sans" pitchFamily="18"/>
-                <a:ea typeface="Noto Sans CJK SC Regular" pitchFamily="2"/>
-                <a:cs typeface="FreeSans" pitchFamily="2"/>
-              </a:rPr>
-              <a:t>Nodes / Connections</a:t>
-            </a:r>
-            <a:r>
-              <a:rPr lang="en-US" sz="3200" b="0" i="0" u="none" strike="noStrike" kern="1200" cap="none" dirty="0">
-                <a:ln>
-                  <a:noFill/>
-                </a:ln>
-                <a:latin typeface="Liberation Sans" pitchFamily="18"/>
-                <a:ea typeface="Noto Sans CJK SC Regular" pitchFamily="2"/>
-                <a:cs typeface="FreeSans" pitchFamily="2"/>
-              </a:rPr>
-              <a:t>: Groups of neurons and</a:t>
-            </a:r>
-          </a:p>
-          <a:p>
-            <a:pPr marR="0" lvl="0" rtl="0" hangingPunct="0">
-              <a:lnSpc>
-                <a:spcPct val="100000"/>
-              </a:lnSpc>
-              <a:spcBef>
-                <a:spcPts val="0"/>
-              </a:spcBef>
-              <a:spcAft>
-                <a:spcPts val="0"/>
-              </a:spcAft>
-              <a:buSzPct val="100000"/>
-              <a:tabLst/>
-              <a:defRPr sz="1800"/>
-            </a:pPr>
-            <a:r>
-              <a:rPr lang="en-US" sz="3200" dirty="0">
-                <a:latin typeface="Liberation Sans" pitchFamily="18"/>
-                <a:ea typeface="Noto Sans CJK SC Regular" pitchFamily="2"/>
-                <a:cs typeface="FreeSans" pitchFamily="2"/>
-              </a:rPr>
-              <a:t>their interconnectivity</a:t>
-            </a:r>
-            <a:endParaRPr lang="en-US" sz="3200" b="0" i="0" u="none" strike="noStrike" kern="1200" cap="none" dirty="0">
-              <a:ln>
-                <a:noFill/>
-              </a:ln>
-              <a:latin typeface="Liberation Sans" pitchFamily="18"/>
-              <a:ea typeface="Noto Sans CJK SC Regular" pitchFamily="2"/>
-              <a:cs typeface="FreeSans" pitchFamily="2"/>
-            </a:endParaRPr>
-          </a:p>
-          <a:p>
-            <a:pPr marL="457200" marR="0" lvl="0" indent="-457200" rtl="0" hangingPunct="0">
-              <a:lnSpc>
-                <a:spcPct val="100000"/>
-              </a:lnSpc>
-              <a:spcBef>
-                <a:spcPts val="0"/>
-              </a:spcBef>
-              <a:spcAft>
-                <a:spcPts val="0"/>
-              </a:spcAft>
-              <a:buSzPct val="100000"/>
-              <a:buFont typeface="Arial" panose="020B0604020202020204" pitchFamily="34" charset="0"/>
-              <a:buChar char="•"/>
-              <a:tabLst/>
-              <a:defRPr sz="1800"/>
-            </a:pPr>
-            <a:r>
-              <a:rPr lang="en-US" sz="3200" b="1" i="0" u="none" strike="noStrike" kern="1200" cap="none" dirty="0">
-                <a:ln>
-                  <a:noFill/>
-                </a:ln>
-                <a:solidFill>
-                  <a:srgbClr val="000080"/>
-                </a:solidFill>
-                <a:latin typeface="Liberation Sans" pitchFamily="18"/>
-                <a:ea typeface="Noto Sans CJK SC Regular" pitchFamily="2"/>
-                <a:cs typeface="FreeSans" pitchFamily="2"/>
-              </a:rPr>
-              <a:t>Learning rules</a:t>
-            </a:r>
-            <a:r>
-              <a:rPr lang="en-US" sz="3200" b="0" i="0" u="none" strike="noStrike" kern="1200" cap="none" dirty="0">
-                <a:ln>
-                  <a:noFill/>
-                </a:ln>
-                <a:latin typeface="Liberation Sans" pitchFamily="18"/>
-                <a:ea typeface="Noto Sans CJK SC Regular" pitchFamily="2"/>
-                <a:cs typeface="FreeSans" pitchFamily="2"/>
-              </a:rPr>
-              <a:t>: Hebbian learning, STDP,</a:t>
-            </a:r>
-          </a:p>
-          <a:p>
-            <a:pPr marR="0" lvl="0" rtl="0" hangingPunct="0">
-              <a:lnSpc>
-                <a:spcPct val="100000"/>
-              </a:lnSpc>
-              <a:spcBef>
-                <a:spcPts val="0"/>
-              </a:spcBef>
-              <a:spcAft>
-                <a:spcPts val="0"/>
-              </a:spcAft>
-              <a:buSzPct val="100000"/>
-              <a:tabLst/>
-              <a:defRPr sz="1800"/>
-            </a:pPr>
-            <a:r>
-              <a:rPr lang="en-US" sz="3200" b="0" i="0" u="none" strike="noStrike" kern="1200" cap="none" dirty="0">
-                <a:ln>
-                  <a:noFill/>
-                </a:ln>
-                <a:latin typeface="Liberation Sans" pitchFamily="18"/>
-                <a:ea typeface="Noto Sans CJK SC Regular" pitchFamily="2"/>
-                <a:cs typeface="FreeSans" pitchFamily="2"/>
-              </a:rPr>
-              <a:t>reward-modulated STDP, back-prop (?)</a:t>
-            </a:r>
-          </a:p>
-          <a:p>
-            <a:pPr marL="457200" marR="0" lvl="0" indent="-457200" rtl="0" hangingPunct="0">
-              <a:lnSpc>
-                <a:spcPct val="100000"/>
-              </a:lnSpc>
-              <a:spcBef>
-                <a:spcPts val="0"/>
-              </a:spcBef>
-              <a:spcAft>
-                <a:spcPts val="0"/>
-              </a:spcAft>
-              <a:buSzPct val="100000"/>
-              <a:buFont typeface="Arial" panose="020B0604020202020204" pitchFamily="34" charset="0"/>
-              <a:buChar char="•"/>
-              <a:tabLst/>
-              <a:defRPr sz="1800"/>
-            </a:pPr>
-            <a:r>
-              <a:rPr lang="en-US" sz="3200" b="1" i="0" u="none" strike="noStrike" kern="1200" cap="none" dirty="0">
-                <a:ln>
-                  <a:noFill/>
-                </a:ln>
-                <a:solidFill>
-                  <a:srgbClr val="000080"/>
-                </a:solidFill>
-                <a:latin typeface="Liberation Sans" pitchFamily="18"/>
-                <a:ea typeface="Noto Sans CJK SC Regular" pitchFamily="2"/>
-                <a:cs typeface="FreeSans" pitchFamily="2"/>
-              </a:rPr>
-              <a:t>Datasets</a:t>
-            </a:r>
-            <a:r>
-              <a:rPr lang="en-US" sz="3200" b="0" i="0" u="none" strike="noStrike" kern="1200" cap="none" dirty="0">
-                <a:ln>
-                  <a:noFill/>
-                </a:ln>
-                <a:latin typeface="Liberation Sans" pitchFamily="18"/>
-                <a:ea typeface="Noto Sans CJK SC Regular" pitchFamily="2"/>
-                <a:cs typeface="FreeSans" pitchFamily="2"/>
-              </a:rPr>
-              <a:t>: Popular machine learning datasets</a:t>
-            </a:r>
-          </a:p>
-          <a:p>
-            <a:pPr marL="457200" marR="0" lvl="0" indent="-457200" rtl="0" hangingPunct="0">
-              <a:lnSpc>
-                <a:spcPct val="100000"/>
-              </a:lnSpc>
-              <a:spcBef>
-                <a:spcPts val="0"/>
-              </a:spcBef>
-              <a:spcAft>
-                <a:spcPts val="0"/>
-              </a:spcAft>
-              <a:buSzPct val="100000"/>
-              <a:buFont typeface="Arial" panose="020B0604020202020204" pitchFamily="34" charset="0"/>
-              <a:buChar char="•"/>
-              <a:tabLst/>
-              <a:defRPr sz="1800"/>
-            </a:pPr>
-            <a:r>
-              <a:rPr lang="en-US" sz="3200" b="1" i="0" u="none" strike="noStrike" kern="1200" cap="none" dirty="0">
-                <a:ln>
-                  <a:noFill/>
-                </a:ln>
-                <a:solidFill>
-                  <a:srgbClr val="000080"/>
-                </a:solidFill>
-                <a:latin typeface="Liberation Sans" pitchFamily="18"/>
-                <a:ea typeface="Noto Sans CJK SC Regular" pitchFamily="2"/>
-                <a:cs typeface="FreeSans" pitchFamily="2"/>
-              </a:rPr>
-              <a:t>Encoding</a:t>
-            </a:r>
-            <a:r>
-              <a:rPr lang="en-US" sz="3200" b="0" i="0" u="none" strike="noStrike" kern="1200" cap="none" dirty="0">
-                <a:ln>
-                  <a:noFill/>
-                </a:ln>
-                <a:latin typeface="Liberation Sans" pitchFamily="18"/>
-                <a:ea typeface="Noto Sans CJK SC Regular" pitchFamily="2"/>
-                <a:cs typeface="FreeSans" pitchFamily="2"/>
-              </a:rPr>
-              <a:t>: Converts real-valued data into spikes</a:t>
-            </a:r>
-          </a:p>
-          <a:p>
-            <a:pPr marL="457200" marR="0" lvl="0" indent="-457200" rtl="0" hangingPunct="0">
-              <a:lnSpc>
-                <a:spcPct val="100000"/>
-              </a:lnSpc>
-              <a:spcBef>
-                <a:spcPts val="0"/>
-              </a:spcBef>
-              <a:spcAft>
-                <a:spcPts val="0"/>
-              </a:spcAft>
-              <a:buSzPct val="100000"/>
-              <a:buFont typeface="Arial" panose="020B0604020202020204" pitchFamily="34" charset="0"/>
-              <a:buChar char="•"/>
-              <a:tabLst/>
-              <a:defRPr sz="1800"/>
-            </a:pPr>
-            <a:r>
-              <a:rPr lang="en-US" sz="3200" b="1" i="0" u="none" strike="noStrike" kern="1200" cap="none" dirty="0" err="1">
-                <a:ln>
-                  <a:noFill/>
-                </a:ln>
-                <a:solidFill>
-                  <a:srgbClr val="000080"/>
-                </a:solidFill>
-                <a:latin typeface="Liberation Sans" pitchFamily="18"/>
-                <a:ea typeface="Noto Sans CJK SC Regular" pitchFamily="2"/>
-                <a:cs typeface="FreeSans" pitchFamily="2"/>
-              </a:rPr>
-              <a:t>OpenAI</a:t>
-            </a:r>
-            <a:r>
-              <a:rPr lang="en-US" sz="3200" b="1" i="0" u="none" strike="noStrike" kern="1200" cap="none" dirty="0">
-                <a:ln>
-                  <a:noFill/>
-                </a:ln>
-                <a:solidFill>
-                  <a:srgbClr val="000080"/>
-                </a:solidFill>
-                <a:latin typeface="Liberation Sans" pitchFamily="18"/>
-                <a:ea typeface="Noto Sans CJK SC Regular" pitchFamily="2"/>
-                <a:cs typeface="FreeSans" pitchFamily="2"/>
-              </a:rPr>
-              <a:t> gym integration</a:t>
-            </a:r>
-            <a:r>
-              <a:rPr lang="en-US" sz="3200" b="0" i="0" u="none" strike="noStrike" kern="1200" cap="none" dirty="0">
-                <a:ln>
-                  <a:noFill/>
-                </a:ln>
-                <a:latin typeface="Liberation Sans" pitchFamily="18"/>
-                <a:ea typeface="Noto Sans CJK SC Regular" pitchFamily="2"/>
-                <a:cs typeface="FreeSans" pitchFamily="2"/>
-              </a:rPr>
-              <a:t>: Converts gym</a:t>
-            </a:r>
-          </a:p>
-          <a:p>
-            <a:pPr marR="0" lvl="0" rtl="0" hangingPunct="0">
-              <a:lnSpc>
-                <a:spcPct val="100000"/>
-              </a:lnSpc>
-              <a:spcBef>
-                <a:spcPts val="0"/>
-              </a:spcBef>
-              <a:spcAft>
-                <a:spcPts val="0"/>
-              </a:spcAft>
-              <a:buSzPct val="100000"/>
-              <a:tabLst/>
-              <a:defRPr sz="1800"/>
-            </a:pPr>
-            <a:r>
-              <a:rPr lang="en-US" sz="3200" b="0" i="0" u="none" strike="noStrike" kern="1200" cap="none" dirty="0">
-                <a:ln>
-                  <a:noFill/>
-                </a:ln>
-                <a:latin typeface="Liberation Sans" pitchFamily="18"/>
-                <a:ea typeface="Noto Sans CJK SC Regular" pitchFamily="2"/>
-                <a:cs typeface="FreeSans" pitchFamily="2"/>
-              </a:rPr>
-              <a:t>environment outputs into spiking inputs</a:t>
-            </a:r>
-          </a:p>
-          <a:p>
-            <a:pPr marL="457200" marR="0" lvl="0" indent="-457200" rtl="0" hangingPunct="0">
-              <a:lnSpc>
-                <a:spcPct val="100000"/>
-              </a:lnSpc>
-              <a:spcBef>
-                <a:spcPts val="0"/>
-              </a:spcBef>
-              <a:spcAft>
-                <a:spcPts val="0"/>
-              </a:spcAft>
-              <a:buSzPct val="100000"/>
-              <a:buFont typeface="Arial" panose="020B0604020202020204" pitchFamily="34" charset="0"/>
-              <a:buChar char="•"/>
-              <a:tabLst/>
-              <a:defRPr sz="1800"/>
-            </a:pPr>
-            <a:r>
-              <a:rPr lang="en-US" sz="3200" b="1" i="0" u="none" strike="noStrike" kern="1200" cap="none" dirty="0">
-                <a:ln>
-                  <a:noFill/>
-                </a:ln>
-                <a:solidFill>
-                  <a:srgbClr val="000080"/>
-                </a:solidFill>
-                <a:latin typeface="Liberation Sans" pitchFamily="18"/>
-                <a:ea typeface="Noto Sans CJK SC Regular" pitchFamily="2"/>
-                <a:cs typeface="FreeSans" pitchFamily="2"/>
-              </a:rPr>
-              <a:t>Pipeline</a:t>
-            </a:r>
-            <a:r>
-              <a:rPr lang="en-US" sz="3200" b="0" i="0" u="none" strike="noStrike" kern="1200" cap="none" dirty="0">
-                <a:ln>
-                  <a:noFill/>
-                </a:ln>
-                <a:latin typeface="Liberation Sans" pitchFamily="18"/>
-                <a:ea typeface="Noto Sans CJK SC Regular" pitchFamily="2"/>
-                <a:cs typeface="FreeSans" pitchFamily="2"/>
-              </a:rPr>
-              <a:t>: Coordinates a network, dataset /</a:t>
-            </a:r>
-          </a:p>
-          <a:p>
-            <a:pPr marR="0" lvl="0" rtl="0" hangingPunct="0">
-              <a:lnSpc>
-                <a:spcPct val="100000"/>
-              </a:lnSpc>
-              <a:spcBef>
-                <a:spcPts val="0"/>
-              </a:spcBef>
-              <a:spcAft>
-                <a:spcPts val="0"/>
-              </a:spcAft>
-              <a:buSzPct val="100000"/>
-              <a:tabLst/>
-              <a:defRPr sz="1800"/>
-            </a:pPr>
-            <a:r>
-              <a:rPr lang="en-US" sz="3200" b="0" i="0" u="none" strike="noStrike" kern="1200" cap="none" dirty="0">
-                <a:ln>
-                  <a:noFill/>
-                </a:ln>
-                <a:latin typeface="Liberation Sans" pitchFamily="18"/>
-                <a:ea typeface="Noto Sans CJK SC Regular" pitchFamily="2"/>
-                <a:cs typeface="FreeSans" pitchFamily="2"/>
-              </a:rPr>
-              <a:t>environment, encoding, and action function</a:t>
-            </a:r>
-          </a:p>
-          <a:p>
-            <a:pPr marL="457200" marR="0" lvl="0" indent="-457200" rtl="0" hangingPunct="0">
-              <a:lnSpc>
-                <a:spcPct val="100000"/>
-              </a:lnSpc>
-              <a:spcBef>
-                <a:spcPts val="0"/>
-              </a:spcBef>
-              <a:spcAft>
-                <a:spcPts val="0"/>
-              </a:spcAft>
-              <a:buSzPct val="100000"/>
-              <a:buFont typeface="Arial" panose="020B0604020202020204" pitchFamily="34" charset="0"/>
-              <a:buChar char="•"/>
-              <a:tabLst/>
-              <a:defRPr sz="1800"/>
-            </a:pPr>
-            <a:r>
-              <a:rPr lang="en-US" sz="3200" b="1" i="0" u="none" strike="noStrike" kern="1200" cap="none" dirty="0">
-                <a:ln>
-                  <a:noFill/>
-                </a:ln>
-                <a:solidFill>
-                  <a:srgbClr val="000080"/>
-                </a:solidFill>
-                <a:latin typeface="Liberation Sans" pitchFamily="18"/>
-                <a:ea typeface="Noto Sans CJK SC Regular" pitchFamily="2"/>
-                <a:cs typeface="FreeSans" pitchFamily="2"/>
-              </a:rPr>
-              <a:t>Plotting</a:t>
-            </a:r>
-            <a:r>
-              <a:rPr lang="en-US" sz="3200" b="0" i="0" u="none" strike="noStrike" kern="1200" cap="none" dirty="0">
-                <a:ln>
-                  <a:noFill/>
-                </a:ln>
-                <a:latin typeface="Liberation Sans" pitchFamily="18"/>
-                <a:ea typeface="Noto Sans CJK SC Regular" pitchFamily="2"/>
-                <a:cs typeface="FreeSans" pitchFamily="2"/>
-              </a:rPr>
-              <a:t>: Interactive plots of state variables</a:t>
-            </a:r>
-          </a:p>
-          <a:p>
-            <a:pPr marL="457200" marR="0" lvl="0" indent="-457200" rtl="0" hangingPunct="0">
-              <a:lnSpc>
-                <a:spcPct val="100000"/>
-              </a:lnSpc>
-              <a:spcBef>
-                <a:spcPts val="0"/>
-              </a:spcBef>
-              <a:spcAft>
-                <a:spcPts val="0"/>
-              </a:spcAft>
-              <a:buSzPct val="100000"/>
-              <a:buFont typeface="Arial" panose="020B0604020202020204" pitchFamily="34" charset="0"/>
-              <a:buChar char="•"/>
-              <a:tabLst/>
-              <a:defRPr sz="1800"/>
-            </a:pPr>
-            <a:r>
-              <a:rPr lang="en-US" sz="3200" b="0" i="0" u="none" strike="noStrike" kern="1200" cap="none" dirty="0">
-                <a:ln>
-                  <a:noFill/>
-                </a:ln>
-                <a:latin typeface="Liberation Sans" pitchFamily="18"/>
-                <a:ea typeface="Noto Sans CJK SC Regular" pitchFamily="2"/>
-                <a:cs typeface="FreeSans" pitchFamily="2"/>
-              </a:rPr>
-              <a:t>during network simulation</a:t>
-            </a:r>
-          </a:p>
-          <a:p>
-            <a:pPr marL="457200" marR="0" lvl="0" indent="-457200" rtl="0" hangingPunct="0">
-              <a:lnSpc>
-                <a:spcPct val="100000"/>
-              </a:lnSpc>
-              <a:spcBef>
-                <a:spcPts val="0"/>
-              </a:spcBef>
-              <a:spcAft>
-                <a:spcPts val="0"/>
-              </a:spcAft>
-              <a:buSzPct val="100000"/>
-              <a:buFont typeface="Arial" panose="020B0604020202020204" pitchFamily="34" charset="0"/>
-              <a:buChar char="•"/>
-              <a:tabLst/>
-              <a:defRPr sz="1800"/>
-            </a:pPr>
-            <a:r>
-              <a:rPr lang="en-US" sz="3200" b="1" i="0" u="none" strike="noStrike" kern="1200" cap="none" dirty="0">
-                <a:ln>
-                  <a:noFill/>
-                </a:ln>
-                <a:solidFill>
-                  <a:srgbClr val="000080"/>
-                </a:solidFill>
-                <a:latin typeface="Liberation Sans" pitchFamily="18"/>
-                <a:ea typeface="Noto Sans CJK SC Regular" pitchFamily="2"/>
-                <a:cs typeface="FreeSans" pitchFamily="2"/>
-              </a:rPr>
-              <a:t>Models</a:t>
-            </a:r>
-            <a:r>
-              <a:rPr lang="en-US" sz="3200" b="0" i="0" u="none" strike="noStrike" kern="1200" cap="none" dirty="0">
-                <a:ln>
-                  <a:noFill/>
-                </a:ln>
-                <a:latin typeface="Liberation Sans" pitchFamily="18"/>
-                <a:ea typeface="Noto Sans CJK SC Regular" pitchFamily="2"/>
-                <a:cs typeface="FreeSans" pitchFamily="2"/>
-              </a:rPr>
-              <a:t>: Experimental SNN architectures</a:t>
-            </a:r>
-          </a:p>
-        </p:txBody>
-      </p:sp>
-      <p:pic>
-        <p:nvPicPr>
-          <p:cNvPr id="16" name="">
-            <a:extLst>
-              <a:ext uri="{FF2B5EF4-FFF2-40B4-BE49-F238E27FC236}">
-                <a16:creationId xmlns:a16="http://schemas.microsoft.com/office/drawing/2014/main" id="{65BC59DB-3F88-425D-814A-72DEC0A7DF89}"/>
-              </a:ext>
-            </a:extLst>
-          </p:cNvPr>
-          <p:cNvPicPr>
-            <a:picLocks noChangeAspect="1"/>
-          </p:cNvPicPr>
-          <p:nvPr/>
-        </p:nvPicPr>
-        <p:blipFill>
-          <a:blip r:embed="rId6">
-            <a:lum/>
-            <a:alphaModFix/>
-          </a:blip>
-          <a:srcRect/>
-          <a:stretch>
-            <a:fillRect/>
-          </a:stretch>
-        </p:blipFill>
-        <p:spPr>
-          <a:xfrm>
-            <a:off x="17728244" y="13956426"/>
-            <a:ext cx="1845359" cy="1865880"/>
-          </a:xfrm>
-          <a:prstGeom prst="rect">
-            <a:avLst/>
-          </a:prstGeom>
-          <a:noFill/>
-          <a:ln w="12600">
-            <a:solidFill>
-              <a:srgbClr val="3465A4"/>
-            </a:solidFill>
-            <a:prstDash val="solid"/>
-          </a:ln>
-        </p:spPr>
-      </p:pic>
-      <p:pic>
-        <p:nvPicPr>
-          <p:cNvPr id="17" name="">
-            <a:extLst>
-              <a:ext uri="{FF2B5EF4-FFF2-40B4-BE49-F238E27FC236}">
-                <a16:creationId xmlns:a16="http://schemas.microsoft.com/office/drawing/2014/main" id="{D167088F-49EA-4B28-84B6-C7502CB16DAD}"/>
-              </a:ext>
-            </a:extLst>
-          </p:cNvPr>
-          <p:cNvPicPr>
-            <a:picLocks noChangeAspect="1"/>
-          </p:cNvPicPr>
-          <p:nvPr/>
-        </p:nvPicPr>
-        <p:blipFill>
-          <a:blip r:embed="rId7">
-            <a:lum/>
-            <a:alphaModFix/>
-          </a:blip>
-          <a:srcRect/>
-          <a:stretch>
-            <a:fillRect/>
-          </a:stretch>
-        </p:blipFill>
-        <p:spPr>
-          <a:xfrm>
-            <a:off x="16360024" y="16729699"/>
-            <a:ext cx="4482584" cy="2310480"/>
-          </a:xfrm>
-          <a:prstGeom prst="rect">
-            <a:avLst/>
-          </a:prstGeom>
-          <a:noFill/>
-          <a:ln w="12600">
-            <a:solidFill>
-              <a:srgbClr val="3465A4"/>
-            </a:solidFill>
-            <a:prstDash val="solid"/>
-          </a:ln>
-        </p:spPr>
-      </p:pic>
-      <p:sp>
-        <p:nvSpPr>
-          <p:cNvPr id="18" name="Freeform: Shape 17">
-            <a:extLst>
-              <a:ext uri="{FF2B5EF4-FFF2-40B4-BE49-F238E27FC236}">
-                <a16:creationId xmlns:a16="http://schemas.microsoft.com/office/drawing/2014/main" id="{F53D3489-CC42-4EF8-8D92-C8252C95BAAD}"/>
-              </a:ext>
-            </a:extLst>
-          </p:cNvPr>
-          <p:cNvSpPr/>
-          <p:nvPr/>
-        </p:nvSpPr>
-        <p:spPr>
-          <a:xfrm rot="5400000">
-            <a:off x="18337905" y="16012284"/>
-            <a:ext cx="626036" cy="471806"/>
-          </a:xfrm>
-          <a:custGeom>
-            <a:avLst>
-              <a:gd name="f0" fmla="val 16200"/>
-              <a:gd name="f1" fmla="val 5400"/>
-            </a:avLst>
-            <a:gdLst>
-              <a:gd name="f2" fmla="val w"/>
-              <a:gd name="f3" fmla="val h"/>
-              <a:gd name="f4" fmla="val 0"/>
-              <a:gd name="f5" fmla="val 21600"/>
-              <a:gd name="f6" fmla="val 10800"/>
-              <a:gd name="f7" fmla="*/ f2 1 21600"/>
-              <a:gd name="f8" fmla="*/ f3 1 21600"/>
-              <a:gd name="f9" fmla="pin 0 f0 21600"/>
-              <a:gd name="f10" fmla="pin 0 f1 10800"/>
-              <a:gd name="f11" fmla="val f10"/>
-              <a:gd name="f12" fmla="val f9"/>
-              <a:gd name="f13" fmla="+- 21600 0 f10"/>
-              <a:gd name="f14" fmla="*/ f9 f7 1"/>
-              <a:gd name="f15" fmla="*/ f10 f8 1"/>
-              <a:gd name="f16" fmla="*/ 0 f7 1"/>
-              <a:gd name="f17" fmla="+- 21600 0 f12"/>
-              <a:gd name="f18" fmla="*/ f13 f8 1"/>
-              <a:gd name="f19" fmla="*/ f11 f8 1"/>
-              <a:gd name="f20" fmla="*/ f17 f11 1"/>
-              <a:gd name="f21" fmla="*/ f20 1 10800"/>
-              <a:gd name="f22" fmla="+- f12 f21 0"/>
-              <a:gd name="f23" fmla="*/ f22 f7 1"/>
-            </a:gdLst>
-            <a:ahLst>
-              <a:ahXY gdRefX="f0" minX="f4" maxX="f5" gdRefY="f1" minY="f4" maxY="f6">
-                <a:pos x="f14" y="f15"/>
-              </a:ahXY>
-            </a:ahLst>
-            <a:cxnLst>
-              <a:cxn ang="3cd4">
-                <a:pos x="hc" y="t"/>
-              </a:cxn>
-              <a:cxn ang="0">
-                <a:pos x="r" y="vc"/>
-              </a:cxn>
-              <a:cxn ang="cd4">
-                <a:pos x="hc" y="b"/>
-              </a:cxn>
-              <a:cxn ang="cd2">
-                <a:pos x="l" y="vc"/>
-              </a:cxn>
-            </a:cxnLst>
-            <a:rect l="f16" t="f19" r="f23" b="f18"/>
-            <a:pathLst>
-              <a:path w="21600" h="21600">
-                <a:moveTo>
-                  <a:pt x="f4" y="f11"/>
-                </a:moveTo>
-                <a:lnTo>
-                  <a:pt x="f12" y="f11"/>
-                </a:lnTo>
-                <a:lnTo>
-                  <a:pt x="f12" y="f4"/>
-                </a:lnTo>
-                <a:lnTo>
-                  <a:pt x="f5" y="f6"/>
-                </a:lnTo>
-                <a:lnTo>
-                  <a:pt x="f12" y="f5"/>
-                </a:lnTo>
-                <a:lnTo>
-                  <a:pt x="f12" y="f13"/>
-                </a:lnTo>
-                <a:lnTo>
-                  <a:pt x="f4" y="f13"/>
-                </a:lnTo>
-                <a:close/>
-              </a:path>
-            </a:pathLst>
-          </a:custGeom>
-          <a:solidFill>
-            <a:srgbClr val="729FCF"/>
-          </a:solidFill>
-          <a:ln w="0">
-            <a:solidFill>
-              <a:srgbClr val="3465A4"/>
-            </a:solidFill>
-            <a:prstDash val="solid"/>
-          </a:ln>
-        </p:spPr>
-        <p:txBody>
-          <a:bodyPr vert="horz" wrap="none" lIns="90000" tIns="45000" rIns="90000" bIns="45000" anchor="ctr" anchorCtr="0" compatLnSpc="0">
-            <a:noAutofit/>
-          </a:bodyPr>
-          <a:lstStyle/>
-          <a:p>
-            <a:pPr marL="0" marR="0" lvl="0" indent="0" rtl="0" hangingPunct="0">
-              <a:lnSpc>
-                <a:spcPct val="100000"/>
-              </a:lnSpc>
-              <a:spcBef>
-                <a:spcPts val="0"/>
-              </a:spcBef>
-              <a:spcAft>
-                <a:spcPts val="0"/>
-              </a:spcAft>
-              <a:buNone/>
-              <a:tabLst/>
-            </a:pPr>
-            <a:endParaRPr lang="en-US" sz="1800" b="0" i="0" u="none" strike="noStrike" kern="1200" cap="none">
-              <a:ln>
-                <a:noFill/>
-              </a:ln>
-              <a:latin typeface="Liberation Sans" pitchFamily="18"/>
-              <a:ea typeface="Noto Sans CJK SC Regular" pitchFamily="2"/>
-              <a:cs typeface="FreeSans" pitchFamily="2"/>
-            </a:endParaRPr>
-          </a:p>
-        </p:txBody>
-      </p:sp>
-      <p:pic>
-        <p:nvPicPr>
-          <p:cNvPr id="19" name="">
-            <a:extLst>
-              <a:ext uri="{FF2B5EF4-FFF2-40B4-BE49-F238E27FC236}">
-                <a16:creationId xmlns:a16="http://schemas.microsoft.com/office/drawing/2014/main" id="{1121E934-5FD4-461D-B419-B31F5447AE0B}"/>
-              </a:ext>
-            </a:extLst>
-          </p:cNvPr>
-          <p:cNvPicPr>
-            <a:picLocks noChangeAspect="1"/>
-          </p:cNvPicPr>
-          <p:nvPr/>
-        </p:nvPicPr>
-        <p:blipFill>
-          <a:blip r:embed="rId8">
-            <a:lum/>
-            <a:alphaModFix/>
-          </a:blip>
-          <a:srcRect/>
-          <a:stretch>
-            <a:fillRect/>
-          </a:stretch>
-        </p:blipFill>
-        <p:spPr>
-          <a:xfrm>
-            <a:off x="812800" y="14172480"/>
-            <a:ext cx="4762984" cy="4849921"/>
-          </a:xfrm>
-          <a:prstGeom prst="rect">
-            <a:avLst/>
-          </a:prstGeom>
-          <a:noFill/>
-          <a:ln>
-            <a:noFill/>
-          </a:ln>
-        </p:spPr>
-      </p:pic>
-      <p:pic>
-        <p:nvPicPr>
-          <p:cNvPr id="20" name="">
-            <a:extLst>
-              <a:ext uri="{FF2B5EF4-FFF2-40B4-BE49-F238E27FC236}">
-                <a16:creationId xmlns:a16="http://schemas.microsoft.com/office/drawing/2014/main" id="{C62E5BCC-F42C-4FE0-B5FA-C089800B657D}"/>
-              </a:ext>
-            </a:extLst>
-          </p:cNvPr>
-          <p:cNvPicPr>
-            <a:picLocks noChangeAspect="1"/>
-          </p:cNvPicPr>
-          <p:nvPr/>
-        </p:nvPicPr>
-        <p:blipFill rotWithShape="1">
-          <a:blip r:embed="rId9">
-            <a:lum/>
-            <a:alphaModFix/>
-          </a:blip>
-          <a:srcRect t="17790"/>
-          <a:stretch/>
-        </p:blipFill>
-        <p:spPr>
-          <a:xfrm>
-            <a:off x="11466164" y="17348761"/>
-            <a:ext cx="4634040" cy="1673640"/>
-          </a:xfrm>
-          <a:prstGeom prst="rect">
-            <a:avLst/>
-          </a:prstGeom>
-          <a:noFill/>
-          <a:ln w="12600">
-            <a:solidFill>
-              <a:srgbClr val="3465A4"/>
-            </a:solidFill>
-            <a:prstDash val="solid"/>
-          </a:ln>
-        </p:spPr>
-      </p:pic>
-      <p:pic>
-        <p:nvPicPr>
-          <p:cNvPr id="21" name="">
-            <a:extLst>
-              <a:ext uri="{FF2B5EF4-FFF2-40B4-BE49-F238E27FC236}">
-                <a16:creationId xmlns:a16="http://schemas.microsoft.com/office/drawing/2014/main" id="{8E2488AE-EFAC-4845-A407-6C78D993C22E}"/>
-              </a:ext>
-            </a:extLst>
-          </p:cNvPr>
-          <p:cNvPicPr>
-            <a:picLocks noChangeAspect="1"/>
-          </p:cNvPicPr>
-          <p:nvPr/>
-        </p:nvPicPr>
-        <p:blipFill>
-          <a:blip r:embed="rId10">
-            <a:lum/>
-            <a:alphaModFix/>
-          </a:blip>
-          <a:srcRect l="-2694" t="-3681" b="-3668"/>
-          <a:stretch>
-            <a:fillRect/>
-          </a:stretch>
-        </p:blipFill>
-        <p:spPr>
-          <a:xfrm>
-            <a:off x="11728484" y="14172009"/>
-            <a:ext cx="4085046" cy="2969362"/>
+            <a:off x="2571244" y="14622093"/>
+            <a:ext cx="484182" cy="570883"/>
           </a:xfrm>
           <a:prstGeom prst="rect">
             <a:avLst/>
@@ -6807,20 +5545,39 @@
           <a:solidFill>
             <a:srgbClr val="FFFFFF"/>
           </a:solidFill>
-          <a:ln w="12600">
+          <a:ln w="0">
             <a:solidFill>
-              <a:srgbClr val="3465A4"/>
+              <a:srgbClr val="000000"/>
             </a:solidFill>
             <a:prstDash val="solid"/>
           </a:ln>
         </p:spPr>
-      </p:pic>
-      <p:sp>
-        <p:nvSpPr>
-          <p:cNvPr id="26" name="Freeform: Shape 25">
+        <p:txBody>
+          <a:bodyPr vert="horz" wrap="none" lIns="90703" tIns="45352" rIns="90703" bIns="45352" anchorCtr="0" compatLnSpc="0">
+            <a:spAutoFit/>
+          </a:bodyPr>
+          <a:lstStyle/>
+          <a:p>
+            <a:pPr hangingPunct="0">
+              <a:defRPr sz="3200"/>
+            </a:pPr>
+            <a:r>
+              <a:rPr lang="en-US" sz="3225" b="1" dirty="0">
+                <a:latin typeface="Liberation Sans" pitchFamily="18"/>
+                <a:ea typeface="Noto Sans CJK SC Regular" pitchFamily="2"/>
+                <a:cs typeface="FreeSans" pitchFamily="2"/>
+              </a:rPr>
+              <a:t>A</a:t>
+            </a:r>
+          </a:p>
+        </p:txBody>
+      </p:sp>
+      <p:sp>
+        <p:nvSpPr>
+          <p:cNvPr id="39" name="Freeform: Shape 38">
             <a:extLst>
               <a:ext uri="{FF2B5EF4-FFF2-40B4-BE49-F238E27FC236}">
-                <a16:creationId xmlns:a16="http://schemas.microsoft.com/office/drawing/2014/main" id="{869684F4-AD48-4F7C-BFA4-8F6B490BC3E7}"/>
+                <a16:creationId xmlns:a16="http://schemas.microsoft.com/office/drawing/2014/main" id="{0FB297CD-1ACC-4E68-88FA-2E1BAD7BA6ED}"/>
               </a:ext>
             </a:extLst>
           </p:cNvPr>
@@ -6829,8 +5586,8 @@
         </p:nvSpPr>
         <p:spPr>
           <a:xfrm>
-            <a:off x="914400" y="19296720"/>
-            <a:ext cx="20025360" cy="1340544"/>
+            <a:off x="564812" y="9437599"/>
+            <a:ext cx="10735682" cy="3806992"/>
           </a:xfrm>
           <a:custGeom>
             <a:avLst>
@@ -6991,28 +5748,13 @@
           </a:ln>
         </p:spPr>
         <p:txBody>
-          <a:bodyPr vert="horz" wrap="none" lIns="90000" tIns="45000" rIns="90000" bIns="45000" anchor="ctr" anchorCtr="0" compatLnSpc="0">
+          <a:bodyPr vert="horz" wrap="none" lIns="90703" tIns="45352" rIns="90703" bIns="45352" anchor="ctr" anchorCtr="0" compatLnSpc="0">
             <a:noAutofit/>
           </a:bodyPr>
           <a:lstStyle/>
           <a:p>
-            <a:pPr marL="0" marR="0" lvl="0" indent="0" rtl="0" hangingPunct="0">
-              <a:lnSpc>
-                <a:spcPct val="100000"/>
-              </a:lnSpc>
-              <a:spcBef>
-                <a:spcPts val="0"/>
-              </a:spcBef>
-              <a:spcAft>
-                <a:spcPts val="0"/>
-              </a:spcAft>
-              <a:buNone/>
-              <a:tabLst/>
-            </a:pPr>
-            <a:endParaRPr lang="en-US" sz="1800" b="0" i="0" u="none" strike="noStrike" kern="1200" cap="none">
-              <a:ln>
-                <a:noFill/>
-              </a:ln>
+            <a:pPr hangingPunct="0"/>
+            <a:endParaRPr lang="en-US" sz="1814">
               <a:latin typeface="Liberation Sans" pitchFamily="18"/>
               <a:ea typeface="Noto Sans CJK SC Regular" pitchFamily="2"/>
               <a:cs typeface="FreeSans" pitchFamily="2"/>
@@ -7022,10 +5764,10 @@
       </p:sp>
       <p:sp>
         <p:nvSpPr>
-          <p:cNvPr id="27" name="TextBox 26">
+          <p:cNvPr id="40" name="TextBox 39">
             <a:extLst>
               <a:ext uri="{FF2B5EF4-FFF2-40B4-BE49-F238E27FC236}">
-                <a16:creationId xmlns:a16="http://schemas.microsoft.com/office/drawing/2014/main" id="{68417173-8CA0-4814-9AE0-7FA51575221E}"/>
+                <a16:creationId xmlns:a16="http://schemas.microsoft.com/office/drawing/2014/main" id="{B7CB03EE-29BD-4723-B2D9-187A7C8AB433}"/>
               </a:ext>
             </a:extLst>
           </p:cNvPr>
@@ -7034,8 +5776,8 @@
         </p:nvSpPr>
         <p:spPr>
           <a:xfrm>
-            <a:off x="1882724" y="19492560"/>
-            <a:ext cx="18088711" cy="1034599"/>
+            <a:off x="729531" y="9599414"/>
+            <a:ext cx="10312008" cy="3212398"/>
           </a:xfrm>
           <a:prstGeom prst="rect">
             <a:avLst/>
@@ -7046,328 +5788,202 @@
           </a:ln>
         </p:spPr>
         <p:txBody>
-          <a:bodyPr vert="horz" wrap="none" lIns="90000" tIns="45000" rIns="90000" bIns="45000" anchorCtr="0" compatLnSpc="0">
+          <a:bodyPr vert="horz" wrap="square" lIns="90703" tIns="45352" rIns="90703" bIns="45352" anchorCtr="0" compatLnSpc="0">
             <a:spAutoFit/>
           </a:bodyPr>
           <a:lstStyle/>
           <a:p>
-            <a:pPr lvl="0" algn="ctr" hangingPunct="0">
-              <a:defRPr sz="3200"/>
+            <a:pPr algn="ctr" hangingPunct="0">
+              <a:defRPr sz="4000"/>
             </a:pPr>
             <a:r>
-              <a:rPr lang="en-US" sz="3200" b="1" i="0" u="none" strike="noStrike" kern="1200" cap="none" dirty="0">
-                <a:ln>
-                  <a:noFill/>
-                </a:ln>
+              <a:rPr lang="en-US" sz="4031" b="1" i="1" dirty="0">
+                <a:solidFill>
+                  <a:srgbClr val="000080"/>
+                </a:solidFill>
                 <a:latin typeface="Liberation Sans" pitchFamily="18"/>
                 <a:ea typeface="Noto Sans CJK SC Regular" pitchFamily="2"/>
                 <a:cs typeface="FreeSans" pitchFamily="2"/>
               </a:rPr>
-              <a:t>A</a:t>
-            </a:r>
-            <a:r>
-              <a:rPr lang="en-US" sz="3200" b="0" i="0" u="none" strike="noStrike" kern="1200" cap="none" dirty="0">
-                <a:ln>
-                  <a:noFill/>
-                </a:ln>
+              <a:t>Why spiking neurons?</a:t>
+            </a:r>
+          </a:p>
+          <a:p>
+            <a:pPr hangingPunct="0">
+              <a:defRPr sz="4000"/>
+            </a:pPr>
+            <a:endParaRPr lang="en-US" sz="1008" b="1" i="1" dirty="0">
+              <a:latin typeface="Liberation Sans" pitchFamily="18"/>
+              <a:ea typeface="Noto Sans CJK SC Regular" pitchFamily="2"/>
+              <a:cs typeface="FreeSans" pitchFamily="2"/>
+            </a:endParaRPr>
+          </a:p>
+          <a:p>
+            <a:pPr marL="460766" indent="-460766" hangingPunct="0">
+              <a:buSzPct val="100000"/>
+              <a:buFont typeface="Arial" panose="020B0604020202020204" pitchFamily="34" charset="0"/>
+              <a:buChar char="•"/>
+              <a:defRPr sz="4000"/>
+            </a:pPr>
+            <a:r>
+              <a:rPr lang="en-US" sz="3225" dirty="0">
                 <a:latin typeface="Liberation Sans" pitchFamily="18"/>
                 <a:ea typeface="Noto Sans CJK SC Regular" pitchFamily="2"/>
                 <a:cs typeface="FreeSans" pitchFamily="2"/>
               </a:rPr>
-              <a:t>: </a:t>
-            </a:r>
-            <a:r>
-              <a:rPr lang="en-US" sz="3200" b="0" i="0" u="none" strike="noStrike" kern="1200" cap="none" dirty="0" err="1">
-                <a:ln>
-                  <a:noFill/>
-                </a:ln>
+              <a:t>More </a:t>
+            </a:r>
+            <a:r>
+              <a:rPr lang="en-US" sz="3225" i="1" dirty="0">
                 <a:latin typeface="Liberation Sans" pitchFamily="18"/>
                 <a:ea typeface="Noto Sans CJK SC Regular" pitchFamily="2"/>
                 <a:cs typeface="FreeSans" pitchFamily="2"/>
               </a:rPr>
-              <a:t>BindsNET</a:t>
-            </a:r>
-            <a:r>
-              <a:rPr lang="en-US" sz="3200" b="0" i="0" u="none" strike="noStrike" kern="1200" cap="none" dirty="0">
-                <a:ln>
-                  <a:noFill/>
-                </a:ln>
+              <a:t>biologically plausible</a:t>
+            </a:r>
+            <a:r>
+              <a:rPr lang="en-US" sz="3225" dirty="0">
                 <a:latin typeface="Liberation Sans" pitchFamily="18"/>
                 <a:ea typeface="Noto Sans CJK SC Regular" pitchFamily="2"/>
                 <a:cs typeface="FreeSans" pitchFamily="2"/>
               </a:rPr>
-              <a:t> package structure; </a:t>
-            </a:r>
-            <a:r>
-              <a:rPr lang="en-US" sz="3200" b="1" i="0" u="none" strike="noStrike" kern="1200" cap="none" dirty="0">
-                <a:ln>
-                  <a:noFill/>
-                </a:ln>
+              <a:t> than ANN neurons</a:t>
+            </a:r>
+          </a:p>
+          <a:p>
+            <a:pPr marL="460766" indent="-460766" hangingPunct="0">
+              <a:buSzPct val="100000"/>
+              <a:buFont typeface="Arial" panose="020B0604020202020204" pitchFamily="34" charset="0"/>
+              <a:buChar char="•"/>
+              <a:defRPr sz="4000"/>
+            </a:pPr>
+            <a:r>
+              <a:rPr lang="en-US" sz="3225" dirty="0">
                 <a:latin typeface="Liberation Sans" pitchFamily="18"/>
                 <a:ea typeface="Noto Sans CJK SC Regular" pitchFamily="2"/>
                 <a:cs typeface="FreeSans" pitchFamily="2"/>
               </a:rPr>
-              <a:t>B</a:t>
-            </a:r>
-            <a:r>
-              <a:rPr lang="en-US" sz="3200" dirty="0">
+              <a:t>Useful for modeling neuronal circuits + brains</a:t>
+            </a:r>
+          </a:p>
+          <a:p>
+            <a:pPr marL="460766" indent="-460766" hangingPunct="0">
+              <a:buSzPct val="100000"/>
+              <a:buFont typeface="Arial" panose="020B0604020202020204" pitchFamily="34" charset="0"/>
+              <a:buChar char="•"/>
+              <a:defRPr sz="4000"/>
+            </a:pPr>
+            <a:r>
+              <a:rPr lang="en-US" sz="3225" dirty="0">
                 <a:latin typeface="Liberation Sans" pitchFamily="18"/>
                 <a:ea typeface="Noto Sans CJK SC Regular" pitchFamily="2"/>
                 <a:cs typeface="FreeSans" pitchFamily="2"/>
               </a:rPr>
-              <a:t>: Example network building + simulation script; </a:t>
-            </a:r>
-            <a:r>
-              <a:rPr lang="en-US" sz="3200" b="1" i="0" u="none" strike="noStrike" kern="1200" cap="none" dirty="0">
-                <a:ln>
-                  <a:noFill/>
-                </a:ln>
+              <a:t>Speedup + power reduction on </a:t>
+            </a:r>
+            <a:r>
+              <a:rPr lang="en-US" sz="3225" i="1" dirty="0">
                 <a:latin typeface="Liberation Sans" pitchFamily="18"/>
                 <a:ea typeface="Noto Sans CJK SC Regular" pitchFamily="2"/>
                 <a:cs typeface="FreeSans" pitchFamily="2"/>
               </a:rPr>
-              <a:t>C</a:t>
-            </a:r>
-            <a:r>
-              <a:rPr lang="en-US" sz="3200" b="0" i="0" u="none" strike="noStrike" kern="1200" cap="none" dirty="0">
-                <a:ln>
-                  <a:noFill/>
-                </a:ln>
+              <a:t>neuromorphic chips</a:t>
+            </a:r>
+          </a:p>
+          <a:p>
+            <a:pPr marL="460766" indent="-460766" hangingPunct="0">
+              <a:buSzPct val="100000"/>
+              <a:buFont typeface="Arial" panose="020B0604020202020204" pitchFamily="34" charset="0"/>
+              <a:buChar char="•"/>
+              <a:defRPr sz="4000"/>
+            </a:pPr>
+            <a:r>
+              <a:rPr lang="en-US" sz="3225" dirty="0">
                 <a:latin typeface="Liberation Sans" pitchFamily="18"/>
                 <a:ea typeface="Noto Sans CJK SC Regular" pitchFamily="2"/>
                 <a:cs typeface="FreeSans" pitchFamily="2"/>
               </a:rPr>
-              <a:t>: Example SNN</a:t>
-            </a:r>
-          </a:p>
-          <a:p>
-            <a:pPr lvl="0" algn="ctr" hangingPunct="0">
-              <a:defRPr sz="3200"/>
+              <a:t>Naturally incorporates time by integrating input</a:t>
+            </a:r>
+          </a:p>
+          <a:p>
+            <a:pPr marL="460766" indent="-460766" hangingPunct="0">
+              <a:buSzPct val="100000"/>
+              <a:buFont typeface="Arial" panose="020B0604020202020204" pitchFamily="34" charset="0"/>
+              <a:buChar char="•"/>
+              <a:defRPr sz="4000"/>
             </a:pPr>
             <a:r>
-              <a:rPr lang="en-US" sz="3200" b="0" i="0" u="none" strike="noStrike" kern="1200" cap="none" dirty="0">
-                <a:ln>
-                  <a:noFill/>
-                </a:ln>
+              <a:rPr lang="en-US" sz="3225" dirty="0">
                 <a:latin typeface="Liberation Sans" pitchFamily="18"/>
                 <a:ea typeface="Noto Sans CJK SC Regular" pitchFamily="2"/>
                 <a:cs typeface="FreeSans" pitchFamily="2"/>
               </a:rPr>
-              <a:t>architecture;</a:t>
-            </a:r>
-            <a:r>
-              <a:rPr lang="en-US" sz="3200" dirty="0">
+              <a:t>Weight updates </a:t>
+            </a:r>
+            <a:r>
+              <a:rPr lang="en-US" sz="3225" i="1" dirty="0">
                 <a:latin typeface="Liberation Sans" pitchFamily="18"/>
                 <a:ea typeface="Noto Sans CJK SC Regular" pitchFamily="2"/>
                 <a:cs typeface="FreeSans" pitchFamily="2"/>
               </a:rPr>
-              <a:t> </a:t>
-            </a:r>
-            <a:r>
-              <a:rPr lang="en-US" sz="3200" b="1" dirty="0">
+              <a:t>as needed;</a:t>
+            </a:r>
+            <a:r>
+              <a:rPr lang="en-US" sz="3225" dirty="0">
                 <a:latin typeface="Liberation Sans" pitchFamily="18"/>
                 <a:ea typeface="Noto Sans CJK SC Regular" pitchFamily="2"/>
                 <a:cs typeface="FreeSans" pitchFamily="2"/>
               </a:rPr>
-              <a:t>D</a:t>
-            </a:r>
-            <a:r>
-              <a:rPr lang="en-US" sz="3200" dirty="0">
-                <a:latin typeface="Liberation Sans" pitchFamily="18"/>
-                <a:ea typeface="Noto Sans CJK SC Regular" pitchFamily="2"/>
-                <a:cs typeface="FreeSans" pitchFamily="2"/>
-              </a:rPr>
-              <a:t>: Schematic of Pipeline object;</a:t>
-            </a:r>
-            <a:r>
-              <a:rPr lang="en-US" sz="3200" b="0" i="0" u="none" strike="noStrike" kern="1200" cap="none" dirty="0">
-                <a:ln>
-                  <a:noFill/>
-                </a:ln>
-                <a:latin typeface="Liberation Sans" pitchFamily="18"/>
-                <a:ea typeface="Noto Sans CJK SC Regular" pitchFamily="2"/>
-                <a:cs typeface="FreeSans" pitchFamily="2"/>
-              </a:rPr>
-              <a:t> </a:t>
-            </a:r>
-            <a:r>
-              <a:rPr lang="en-US" sz="3200" b="1" i="0" u="none" strike="noStrike" kern="1200" cap="none" dirty="0">
-                <a:ln>
-                  <a:noFill/>
-                </a:ln>
-                <a:latin typeface="Liberation Sans" pitchFamily="18"/>
-                <a:ea typeface="Noto Sans CJK SC Regular" pitchFamily="2"/>
-                <a:cs typeface="FreeSans" pitchFamily="2"/>
-              </a:rPr>
-              <a:t>E</a:t>
-            </a:r>
-            <a:r>
-              <a:rPr lang="en-US" sz="3200" b="0" i="0" u="none" strike="noStrike" kern="1200" cap="none" dirty="0">
-                <a:ln>
-                  <a:noFill/>
-                </a:ln>
-                <a:latin typeface="Liberation Sans" pitchFamily="18"/>
-                <a:ea typeface="Noto Sans CJK SC Regular" pitchFamily="2"/>
-                <a:cs typeface="FreeSans" pitchFamily="2"/>
-              </a:rPr>
-              <a:t>: Poisson encoding of MNIST digit for 250</a:t>
-            </a:r>
-            <a:r>
-              <a:rPr lang="en-US" sz="3200" dirty="0">
-                <a:latin typeface="Liberation Sans" pitchFamily="18"/>
-                <a:ea typeface="Noto Sans CJK SC Regular" pitchFamily="2"/>
-                <a:cs typeface="FreeSans" pitchFamily="2"/>
-              </a:rPr>
-              <a:t> </a:t>
-            </a:r>
-            <a:r>
-              <a:rPr lang="en-US" sz="3200" b="0" i="0" u="none" strike="noStrike" kern="1200" cap="none" dirty="0">
-                <a:ln>
-                  <a:noFill/>
-                </a:ln>
-                <a:latin typeface="Liberation Sans" pitchFamily="18"/>
-                <a:ea typeface="Noto Sans CJK SC Regular" pitchFamily="2"/>
-                <a:cs typeface="FreeSans" pitchFamily="2"/>
-              </a:rPr>
-              <a:t>timesteps</a:t>
-            </a:r>
-          </a:p>
-        </p:txBody>
-      </p:sp>
-      <p:sp>
-        <p:nvSpPr>
-          <p:cNvPr id="28" name="TextBox 27">
+              <a:t> ANN updates every step</a:t>
+            </a:r>
+          </a:p>
+        </p:txBody>
+      </p:sp>
+      <p:pic>
+        <p:nvPicPr>
+          <p:cNvPr id="41" name="Picture 40">
             <a:extLst>
               <a:ext uri="{FF2B5EF4-FFF2-40B4-BE49-F238E27FC236}">
-                <a16:creationId xmlns:a16="http://schemas.microsoft.com/office/drawing/2014/main" id="{458047F0-9291-442F-BF56-726F2DF75B8A}"/>
+                <a16:creationId xmlns:a16="http://schemas.microsoft.com/office/drawing/2014/main" id="{C19B44DF-CABB-40C9-9913-E0473398EFF6}"/>
               </a:ext>
             </a:extLst>
           </p:cNvPr>
-          <p:cNvSpPr txBox="1"/>
+          <p:cNvPicPr>
+            <a:picLocks noChangeAspect="1"/>
+          </p:cNvPicPr>
           <p:nvPr/>
-        </p:nvSpPr>
+        </p:nvPicPr>
+        <p:blipFill>
+          <a:blip r:embed="rId10">
+            <a:lum/>
+            <a:alphaModFix/>
+          </a:blip>
+          <a:srcRect l="-2698" r="-2046" b="15228"/>
+          <a:stretch>
+            <a:fillRect/>
+          </a:stretch>
+        </p:blipFill>
         <p:spPr>
           <a:xfrm>
-            <a:off x="4974480" y="13836960"/>
-            <a:ext cx="457200" cy="546120"/>
+            <a:off x="581501" y="1388120"/>
+            <a:ext cx="5237198" cy="1547031"/>
           </a:xfrm>
           <a:prstGeom prst="rect">
             <a:avLst/>
           </a:prstGeom>
-          <a:solidFill>
-            <a:srgbClr val="FFFFFF"/>
-          </a:solidFill>
-          <a:ln w="0">
-            <a:solidFill>
-              <a:srgbClr val="000000"/>
-            </a:solidFill>
-            <a:prstDash val="solid"/>
+          <a:noFill/>
+          <a:ln>
+            <a:noFill/>
           </a:ln>
         </p:spPr>
-        <p:txBody>
-          <a:bodyPr vert="horz" wrap="none" lIns="90000" tIns="45000" rIns="90000" bIns="45000" anchorCtr="0" compatLnSpc="0">
-            <a:spAutoFit/>
-          </a:bodyPr>
-          <a:lstStyle/>
-          <a:p>
-            <a:pPr marL="0" marR="0" lvl="0" indent="0" rtl="0" hangingPunct="0">
-              <a:lnSpc>
-                <a:spcPct val="100000"/>
-              </a:lnSpc>
-              <a:spcBef>
-                <a:spcPts val="0"/>
-              </a:spcBef>
-              <a:spcAft>
-                <a:spcPts val="0"/>
-              </a:spcAft>
-              <a:buNone/>
-              <a:tabLst/>
-              <a:defRPr sz="3200"/>
-            </a:pPr>
-            <a:r>
-              <a:rPr lang="en-US" sz="3200" b="1" i="0" u="none" strike="noStrike" kern="1200" cap="none">
-                <a:ln>
-                  <a:noFill/>
-                </a:ln>
-                <a:latin typeface="Liberation Sans" pitchFamily="18"/>
-                <a:ea typeface="Noto Sans CJK SC Regular" pitchFamily="2"/>
-                <a:cs typeface="FreeSans" pitchFamily="2"/>
-              </a:rPr>
-              <a:t>A</a:t>
-            </a:r>
-          </a:p>
-        </p:txBody>
-      </p:sp>
-      <p:sp>
-        <p:nvSpPr>
-          <p:cNvPr id="31" name="TextBox 30">
+      </p:pic>
+      <p:sp>
+        <p:nvSpPr>
+          <p:cNvPr id="42" name="Freeform: Shape 41">
             <a:extLst>
               <a:ext uri="{FF2B5EF4-FFF2-40B4-BE49-F238E27FC236}">
-                <a16:creationId xmlns:a16="http://schemas.microsoft.com/office/drawing/2014/main" id="{47D04A90-6AF3-4DE6-8A9D-3816F20F69FD}"/>
-              </a:ext>
-            </a:extLst>
-          </p:cNvPr>
-          <p:cNvSpPr txBox="1"/>
-          <p:nvPr/>
-        </p:nvSpPr>
-        <p:spPr>
-          <a:xfrm>
-            <a:off x="4974480" y="13837320"/>
-            <a:ext cx="457200" cy="546120"/>
-          </a:xfrm>
-          <a:prstGeom prst="rect">
-            <a:avLst/>
-          </a:prstGeom>
-          <a:solidFill>
-            <a:srgbClr val="FFFFFF"/>
-          </a:solidFill>
-          <a:ln w="0">
-            <a:solidFill>
-              <a:srgbClr val="000000"/>
-            </a:solidFill>
-            <a:prstDash val="solid"/>
-          </a:ln>
-        </p:spPr>
-        <p:txBody>
-          <a:bodyPr vert="horz" wrap="none" lIns="90000" tIns="45000" rIns="90000" bIns="45000" anchorCtr="0" compatLnSpc="0">
-            <a:spAutoFit/>
-          </a:bodyPr>
-          <a:lstStyle/>
-          <a:p>
-            <a:pPr marL="0" marR="0" lvl="0" indent="0" rtl="0" hangingPunct="0">
-              <a:lnSpc>
-                <a:spcPct val="100000"/>
-              </a:lnSpc>
-              <a:spcBef>
-                <a:spcPts val="0"/>
-              </a:spcBef>
-              <a:spcAft>
-                <a:spcPts val="0"/>
-              </a:spcAft>
-              <a:buNone/>
-              <a:tabLst/>
-              <a:defRPr sz="3200"/>
-            </a:pPr>
-            <a:r>
-              <a:rPr lang="en-US" sz="3200" b="1" i="0" u="none" strike="noStrike" kern="1200" cap="none" dirty="0">
-                <a:ln>
-                  <a:noFill/>
-                </a:ln>
-                <a:latin typeface="Liberation Sans" pitchFamily="18"/>
-                <a:ea typeface="Noto Sans CJK SC Regular" pitchFamily="2"/>
-                <a:cs typeface="FreeSans" pitchFamily="2"/>
-              </a:rPr>
-              <a:t>A</a:t>
-            </a:r>
-          </a:p>
-        </p:txBody>
-      </p:sp>
-      <p:sp>
-        <p:nvSpPr>
-          <p:cNvPr id="39" name="Freeform: Shape 38">
-            <a:extLst>
-              <a:ext uri="{FF2B5EF4-FFF2-40B4-BE49-F238E27FC236}">
-                <a16:creationId xmlns:a16="http://schemas.microsoft.com/office/drawing/2014/main" id="{0FB297CD-1ACC-4E68-88FA-2E1BAD7BA6ED}"/>
+                <a16:creationId xmlns:a16="http://schemas.microsoft.com/office/drawing/2014/main" id="{9D5FAA46-094A-42A6-8745-D86C2B990B05}"/>
               </a:ext>
             </a:extLst>
           </p:cNvPr>
@@ -7376,8 +5992,8 @@
         </p:nvSpPr>
         <p:spPr>
           <a:xfrm>
-            <a:off x="532080" y="21499290"/>
-            <a:ext cx="10440720" cy="3777480"/>
+            <a:off x="11628053" y="21667253"/>
+            <a:ext cx="9872491" cy="3806992"/>
           </a:xfrm>
           <a:custGeom>
             <a:avLst>
@@ -7538,28 +6154,13 @@
           </a:ln>
         </p:spPr>
         <p:txBody>
-          <a:bodyPr vert="horz" wrap="none" lIns="90000" tIns="45000" rIns="90000" bIns="45000" anchor="ctr" anchorCtr="0" compatLnSpc="0">
+          <a:bodyPr vert="horz" wrap="none" lIns="90703" tIns="45352" rIns="90703" bIns="45352" anchor="ctr" anchorCtr="0" compatLnSpc="0">
             <a:noAutofit/>
           </a:bodyPr>
           <a:lstStyle/>
           <a:p>
-            <a:pPr marL="0" marR="0" lvl="0" indent="0" rtl="0" hangingPunct="0">
-              <a:lnSpc>
-                <a:spcPct val="100000"/>
-              </a:lnSpc>
-              <a:spcBef>
-                <a:spcPts val="0"/>
-              </a:spcBef>
-              <a:spcAft>
-                <a:spcPts val="0"/>
-              </a:spcAft>
-              <a:buNone/>
-              <a:tabLst/>
-            </a:pPr>
-            <a:endParaRPr lang="en-US" sz="1800" b="0" i="0" u="none" strike="noStrike" kern="1200" cap="none">
-              <a:ln>
-                <a:noFill/>
-              </a:ln>
+            <a:pPr hangingPunct="0"/>
+            <a:endParaRPr lang="en-US" sz="1814">
               <a:latin typeface="Liberation Sans" pitchFamily="18"/>
               <a:ea typeface="Noto Sans CJK SC Regular" pitchFamily="2"/>
               <a:cs typeface="FreeSans" pitchFamily="2"/>
@@ -7569,10 +6170,10 @@
       </p:sp>
       <p:sp>
         <p:nvSpPr>
-          <p:cNvPr id="40" name="TextBox 39">
+          <p:cNvPr id="43" name="TextBox 42">
             <a:extLst>
               <a:ext uri="{FF2B5EF4-FFF2-40B4-BE49-F238E27FC236}">
-                <a16:creationId xmlns:a16="http://schemas.microsoft.com/office/drawing/2014/main" id="{B7CB03EE-29BD-4723-B2D9-187A7C8AB433}"/>
+                <a16:creationId xmlns:a16="http://schemas.microsoft.com/office/drawing/2014/main" id="{9B52200F-DD9D-4918-B5F9-7E49C5BAD709}"/>
               </a:ext>
             </a:extLst>
           </p:cNvPr>
@@ -7581,8 +6182,8 @@
         </p:nvSpPr>
         <p:spPr>
           <a:xfrm>
-            <a:off x="695522" y="21659850"/>
-            <a:ext cx="10028686" cy="3187496"/>
+            <a:off x="11806418" y="21886685"/>
+            <a:ext cx="9802768" cy="3212509"/>
           </a:xfrm>
           <a:prstGeom prst="rect">
             <a:avLst/>
@@ -7593,30 +6194,16 @@
           </a:ln>
         </p:spPr>
         <p:txBody>
-          <a:bodyPr vert="horz" wrap="square" lIns="90000" tIns="45000" rIns="90000" bIns="45000" anchorCtr="0" compatLnSpc="0">
+          <a:bodyPr vert="horz" wrap="square" lIns="90703" tIns="45352" rIns="90703" bIns="45352" anchorCtr="0" compatLnSpc="0">
             <a:spAutoFit/>
           </a:bodyPr>
           <a:lstStyle/>
           <a:p>
-            <a:pPr marL="0" marR="0" lvl="0" indent="0" algn="ctr" rtl="0" hangingPunct="0">
-              <a:lnSpc>
-                <a:spcPct val="100000"/>
-              </a:lnSpc>
-              <a:spcBef>
-                <a:spcPts val="0"/>
-              </a:spcBef>
-              <a:spcAft>
-                <a:spcPts val="0"/>
-              </a:spcAft>
-              <a:buNone/>
-              <a:tabLst/>
+            <a:pPr algn="ctr" hangingPunct="0">
               <a:defRPr sz="4000"/>
             </a:pPr>
             <a:r>
-              <a:rPr lang="en-US" sz="4000" b="1" i="1" u="none" strike="noStrike" kern="1200" cap="none" dirty="0">
-                <a:ln>
-                  <a:noFill/>
-                </a:ln>
+              <a:rPr lang="en-US" sz="4031" b="1" i="1" dirty="0">
                 <a:solidFill>
                   <a:srgbClr val="000080"/>
                 </a:solidFill>
@@ -7624,241 +6211,169 @@
                 <a:ea typeface="Noto Sans CJK SC Regular" pitchFamily="2"/>
                 <a:cs typeface="FreeSans" pitchFamily="2"/>
               </a:rPr>
-              <a:t>Why spiking neurons?</a:t>
-            </a:r>
-          </a:p>
-          <a:p>
-            <a:pPr marL="0" marR="0" lvl="0" indent="0" rtl="0" hangingPunct="0">
-              <a:lnSpc>
-                <a:spcPct val="100000"/>
-              </a:lnSpc>
-              <a:spcBef>
-                <a:spcPts val="0"/>
-              </a:spcBef>
-              <a:spcAft>
-                <a:spcPts val="0"/>
-              </a:spcAft>
-              <a:buNone/>
-              <a:tabLst/>
+              <a:t>ML + RL approach</a:t>
+            </a:r>
+          </a:p>
+          <a:p>
+            <a:pPr algn="ctr" hangingPunct="0">
               <a:defRPr sz="4000"/>
             </a:pPr>
-            <a:endParaRPr lang="en-US" sz="1000" b="1" i="1" u="none" strike="noStrike" kern="1200" cap="none" dirty="0">
-              <a:ln>
-                <a:noFill/>
-              </a:ln>
+            <a:endParaRPr lang="en-US" sz="1008" b="1" i="1" dirty="0">
+              <a:solidFill>
+                <a:srgbClr val="000080"/>
+              </a:solidFill>
               <a:latin typeface="Liberation Sans" pitchFamily="18"/>
               <a:ea typeface="Noto Sans CJK SC Regular" pitchFamily="2"/>
               <a:cs typeface="FreeSans" pitchFamily="2"/>
             </a:endParaRPr>
           </a:p>
           <a:p>
-            <a:pPr marL="457200" marR="0" lvl="0" indent="-457200" rtl="0" hangingPunct="0">
-              <a:lnSpc>
-                <a:spcPct val="100000"/>
-              </a:lnSpc>
-              <a:spcBef>
-                <a:spcPts val="0"/>
-              </a:spcBef>
-              <a:spcAft>
-                <a:spcPts val="0"/>
-              </a:spcAft>
+            <a:pPr marL="460766" indent="-460766" hangingPunct="0">
               <a:buSzPct val="100000"/>
               <a:buFont typeface="Arial" panose="020B0604020202020204" pitchFamily="34" charset="0"/>
               <a:buChar char="•"/>
-              <a:tabLst/>
               <a:defRPr sz="4000"/>
             </a:pPr>
             <a:r>
-              <a:rPr lang="en-US" sz="3200" b="0" i="0" u="none" strike="noStrike" kern="1200" cap="none" dirty="0">
-                <a:ln>
-                  <a:noFill/>
-                </a:ln>
+              <a:rPr lang="en-US" sz="3225" b="1" dirty="0">
+                <a:solidFill>
+                  <a:srgbClr val="000080"/>
+                </a:solidFill>
                 <a:latin typeface="Liberation Sans" pitchFamily="18"/>
                 <a:ea typeface="Noto Sans CJK SC Regular" pitchFamily="2"/>
                 <a:cs typeface="FreeSans" pitchFamily="2"/>
               </a:rPr>
-              <a:t>More </a:t>
-            </a:r>
-            <a:r>
-              <a:rPr lang="en-US" sz="3200" b="0" i="1" u="none" strike="noStrike" kern="1200" cap="none" dirty="0">
-                <a:ln>
-                  <a:noFill/>
-                </a:ln>
+              <a:t>Unsupervised</a:t>
+            </a:r>
+            <a:r>
+              <a:rPr lang="en-US" sz="3225" dirty="0">
                 <a:latin typeface="Liberation Sans" pitchFamily="18"/>
                 <a:ea typeface="Noto Sans CJK SC Regular" pitchFamily="2"/>
                 <a:cs typeface="FreeSans" pitchFamily="2"/>
               </a:rPr>
-              <a:t>biologically plausible</a:t>
-            </a:r>
-            <a:r>
-              <a:rPr lang="en-US" sz="3200" b="0" i="0" u="none" strike="noStrike" kern="1200" cap="none" dirty="0">
-                <a:ln>
-                  <a:noFill/>
-                </a:ln>
-                <a:latin typeface="Liberation Sans" pitchFamily="18"/>
-                <a:ea typeface="Noto Sans CJK SC Regular" pitchFamily="2"/>
-                <a:cs typeface="FreeSans" pitchFamily="2"/>
-              </a:rPr>
-              <a:t> than ANN neurons</a:t>
-            </a:r>
-          </a:p>
-          <a:p>
-            <a:pPr marL="457200" marR="0" lvl="0" indent="-457200" rtl="0" hangingPunct="0">
-              <a:lnSpc>
-                <a:spcPct val="100000"/>
-              </a:lnSpc>
-              <a:spcBef>
-                <a:spcPts val="0"/>
-              </a:spcBef>
-              <a:spcAft>
-                <a:spcPts val="0"/>
-              </a:spcAft>
+              <a:t>: Hebbian / associational rules</a:t>
+            </a:r>
+          </a:p>
+          <a:p>
+            <a:pPr marL="460766" indent="-460766" hangingPunct="0">
               <a:buSzPct val="100000"/>
               <a:buFont typeface="Arial" panose="020B0604020202020204" pitchFamily="34" charset="0"/>
               <a:buChar char="•"/>
-              <a:tabLst/>
               <a:defRPr sz="4000"/>
             </a:pPr>
             <a:r>
-              <a:rPr lang="en-US" sz="3200" b="0" i="0" u="none" strike="noStrike" kern="1200" cap="none" dirty="0">
-                <a:ln>
-                  <a:noFill/>
-                </a:ln>
+              <a:rPr lang="en-US" sz="3225" b="1" dirty="0">
+                <a:solidFill>
+                  <a:srgbClr val="000080"/>
+                </a:solidFill>
                 <a:latin typeface="Liberation Sans" pitchFamily="18"/>
                 <a:ea typeface="Noto Sans CJK SC Regular" pitchFamily="2"/>
                 <a:cs typeface="FreeSans" pitchFamily="2"/>
               </a:rPr>
-              <a:t>Useful for modeling neuronal circuits + brains</a:t>
-            </a:r>
-          </a:p>
-          <a:p>
-            <a:pPr marL="457200" marR="0" lvl="0" indent="-457200" rtl="0" hangingPunct="0">
-              <a:lnSpc>
-                <a:spcPct val="100000"/>
-              </a:lnSpc>
-              <a:spcBef>
-                <a:spcPts val="0"/>
-              </a:spcBef>
-              <a:spcAft>
-                <a:spcPts val="0"/>
-              </a:spcAft>
+              <a:t>Supervised</a:t>
+            </a:r>
+            <a:r>
+              <a:rPr lang="en-US" sz="3225" dirty="0">
+                <a:latin typeface="Liberation Sans" pitchFamily="18"/>
+                <a:ea typeface="Noto Sans CJK SC Regular" pitchFamily="2"/>
+                <a:cs typeface="FreeSans" pitchFamily="2"/>
+              </a:rPr>
+              <a:t>: Force certain neurons to spike</a:t>
+            </a:r>
+          </a:p>
+          <a:p>
+            <a:pPr marL="460766" indent="-460766" hangingPunct="0">
               <a:buSzPct val="100000"/>
               <a:buFont typeface="Arial" panose="020B0604020202020204" pitchFamily="34" charset="0"/>
               <a:buChar char="•"/>
-              <a:tabLst/>
               <a:defRPr sz="4000"/>
             </a:pPr>
             <a:r>
-              <a:rPr lang="en-US" sz="3200" b="0" i="0" u="none" strike="noStrike" kern="1200" cap="none" dirty="0">
-                <a:ln>
-                  <a:noFill/>
-                </a:ln>
+              <a:rPr lang="en-US" sz="3225" b="1" dirty="0">
+                <a:solidFill>
+                  <a:srgbClr val="000080"/>
+                </a:solidFill>
                 <a:latin typeface="Liberation Sans" pitchFamily="18"/>
                 <a:ea typeface="Noto Sans CJK SC Regular" pitchFamily="2"/>
                 <a:cs typeface="FreeSans" pitchFamily="2"/>
               </a:rPr>
-              <a:t>Speedup + power reduction on dedicated hardware</a:t>
-            </a:r>
-          </a:p>
-          <a:p>
-            <a:pPr marL="457200" marR="0" lvl="0" indent="-457200" rtl="0" hangingPunct="0">
-              <a:lnSpc>
-                <a:spcPct val="100000"/>
-              </a:lnSpc>
-              <a:spcBef>
-                <a:spcPts val="0"/>
-              </a:spcBef>
-              <a:spcAft>
-                <a:spcPts val="0"/>
-              </a:spcAft>
+              <a:t>RL</a:t>
+            </a:r>
+            <a:r>
+              <a:rPr lang="en-US" sz="3225" dirty="0">
+                <a:latin typeface="Liberation Sans" pitchFamily="18"/>
+                <a:ea typeface="Noto Sans CJK SC Regular" pitchFamily="2"/>
+                <a:cs typeface="FreeSans" pitchFamily="2"/>
+              </a:rPr>
+              <a:t>: Reward signal modulates learning rules</a:t>
+            </a:r>
+          </a:p>
+          <a:p>
+            <a:pPr marL="460766" indent="-460766" hangingPunct="0">
               <a:buSzPct val="100000"/>
               <a:buFont typeface="Arial" panose="020B0604020202020204" pitchFamily="34" charset="0"/>
               <a:buChar char="•"/>
-              <a:tabLst/>
               <a:defRPr sz="4000"/>
             </a:pPr>
             <a:r>
-              <a:rPr lang="en-US" sz="3200" b="0" i="0" u="none" strike="noStrike" kern="1200" cap="none" dirty="0">
-                <a:ln>
-                  <a:noFill/>
-                </a:ln>
+              <a:rPr lang="en-US" sz="3225" i="1" dirty="0">
                 <a:latin typeface="Liberation Sans" pitchFamily="18"/>
                 <a:ea typeface="Noto Sans CJK SC Regular" pitchFamily="2"/>
                 <a:cs typeface="FreeSans" pitchFamily="2"/>
               </a:rPr>
-              <a:t>Communicates with all-or-nothing </a:t>
-            </a:r>
-            <a:r>
-              <a:rPr lang="en-US" sz="3200" b="0" i="1" u="none" strike="noStrike" kern="1200" cap="none" dirty="0">
-                <a:ln>
-                  <a:noFill/>
-                </a:ln>
+              <a:t>Competitive</a:t>
+            </a:r>
+            <a:r>
+              <a:rPr lang="en-US" sz="3225" dirty="0">
                 <a:latin typeface="Liberation Sans" pitchFamily="18"/>
                 <a:ea typeface="Noto Sans CJK SC Regular" pitchFamily="2"/>
                 <a:cs typeface="FreeSans" pitchFamily="2"/>
               </a:rPr>
-              <a:t>spikes</a:t>
-            </a:r>
-          </a:p>
-          <a:p>
-            <a:pPr marL="457200" marR="0" lvl="0" indent="-457200" rtl="0" hangingPunct="0">
-              <a:lnSpc>
-                <a:spcPct val="100000"/>
-              </a:lnSpc>
-              <a:spcBef>
-                <a:spcPts val="0"/>
-              </a:spcBef>
-              <a:spcAft>
-                <a:spcPts val="0"/>
-              </a:spcAft>
+              <a:t> inhibitory connections</a:t>
+            </a:r>
+          </a:p>
+          <a:p>
+            <a:pPr marL="460766" indent="-460766" hangingPunct="0">
               <a:buSzPct val="100000"/>
               <a:buFont typeface="Arial" panose="020B0604020202020204" pitchFamily="34" charset="0"/>
               <a:buChar char="•"/>
-              <a:tabLst/>
               <a:defRPr sz="4000"/>
             </a:pPr>
             <a:r>
-              <a:rPr lang="en-US" sz="3200" b="0" i="0" u="none" strike="noStrike" kern="1200" cap="none" dirty="0">
-                <a:ln>
-                  <a:noFill/>
-                </a:ln>
+              <a:rPr lang="en-US" sz="3225" i="1" dirty="0">
                 <a:latin typeface="Liberation Sans" pitchFamily="18"/>
                 <a:ea typeface="Noto Sans CJK SC Regular" pitchFamily="2"/>
                 <a:cs typeface="FreeSans" pitchFamily="2"/>
               </a:rPr>
-              <a:t>Naturally incorporates time by integrating input</a:t>
-            </a:r>
-          </a:p>
-        </p:txBody>
-      </p:sp>
-      <p:pic>
-        <p:nvPicPr>
-          <p:cNvPr id="41" name="">
+              <a:t>Cooperative</a:t>
+            </a:r>
+            <a:r>
+              <a:rPr lang="en-US" sz="3225" dirty="0">
+                <a:latin typeface="Liberation Sans" pitchFamily="18"/>
+                <a:ea typeface="Noto Sans CJK SC Regular" pitchFamily="2"/>
+                <a:cs typeface="FreeSans" pitchFamily="2"/>
+              </a:rPr>
+              <a:t> excitatory connections</a:t>
+            </a:r>
+          </a:p>
+        </p:txBody>
+      </p:sp>
+      <p:sp>
+        <p:nvSpPr>
+          <p:cNvPr id="44" name="TextBox 43">
             <a:extLst>
               <a:ext uri="{FF2B5EF4-FFF2-40B4-BE49-F238E27FC236}">
-                <a16:creationId xmlns:a16="http://schemas.microsoft.com/office/drawing/2014/main" id="{C19B44DF-CABB-40C9-9913-E0473398EFF6}"/>
+                <a16:creationId xmlns:a16="http://schemas.microsoft.com/office/drawing/2014/main" id="{0A70CD10-AD89-40E1-9E23-ABF6C2A091CA}"/>
               </a:ext>
             </a:extLst>
           </p:cNvPr>
-          <p:cNvPicPr>
-            <a:picLocks noChangeAspect="1"/>
-          </p:cNvPicPr>
+          <p:cNvSpPr txBox="1"/>
           <p:nvPr/>
-        </p:nvPicPr>
-        <p:blipFill>
-          <a:blip r:embed="rId11">
-            <a:lum/>
-            <a:alphaModFix/>
-          </a:blip>
-          <a:srcRect l="-2698" r="-2046" b="15228"/>
-          <a:stretch>
-            <a:fillRect/>
-          </a:stretch>
-        </p:blipFill>
+        </p:nvSpPr>
         <p:spPr>
           <a:xfrm>
-            <a:off x="548640" y="1377359"/>
-            <a:ext cx="5196600" cy="1535039"/>
+            <a:off x="673656" y="3004813"/>
+            <a:ext cx="5066397" cy="409654"/>
           </a:xfrm>
           <a:prstGeom prst="rect">
             <a:avLst/>
@@ -7868,13 +6383,259 @@
             <a:noFill/>
           </a:ln>
         </p:spPr>
-      </p:pic>
-      <p:sp>
-        <p:nvSpPr>
-          <p:cNvPr id="42" name="Freeform: Shape 41">
+        <p:txBody>
+          <a:bodyPr vert="horz" wrap="none" lIns="90703" tIns="45352" rIns="90703" bIns="45352" anchorCtr="0" compatLnSpc="0">
+            <a:spAutoFit/>
+          </a:bodyPr>
+          <a:lstStyle/>
+          <a:p>
+            <a:pPr hangingPunct="0">
+              <a:defRPr sz="2000"/>
+            </a:pPr>
+            <a:r>
+              <a:rPr lang="en-US" sz="2016" b="1">
+                <a:latin typeface="Calibri" pitchFamily="34"/>
+                <a:ea typeface="Noto Sans CJK SC Regular" pitchFamily="2"/>
+                <a:cs typeface="FreeSans" pitchFamily="2"/>
+              </a:rPr>
+              <a:t>https://github.com/Hananel-Hazan/bindsnet</a:t>
+            </a:r>
+          </a:p>
+        </p:txBody>
+      </p:sp>
+      <p:sp>
+        <p:nvSpPr>
+          <p:cNvPr id="53" name="TextBox 52">
             <a:extLst>
               <a:ext uri="{FF2B5EF4-FFF2-40B4-BE49-F238E27FC236}">
-                <a16:creationId xmlns:a16="http://schemas.microsoft.com/office/drawing/2014/main" id="{9D5FAA46-094A-42A6-8745-D86C2B990B05}"/>
+                <a16:creationId xmlns:a16="http://schemas.microsoft.com/office/drawing/2014/main" id="{13E2CE2E-7D9B-4B8F-8B09-ECA4B04EACD2}"/>
+              </a:ext>
+            </a:extLst>
+          </p:cNvPr>
+          <p:cNvSpPr txBox="1"/>
+          <p:nvPr/>
+        </p:nvSpPr>
+        <p:spPr>
+          <a:xfrm>
+            <a:off x="16085539" y="16777659"/>
+            <a:ext cx="481856" cy="567135"/>
+          </a:xfrm>
+          <a:prstGeom prst="rect">
+            <a:avLst/>
+          </a:prstGeom>
+          <a:solidFill>
+            <a:srgbClr val="FFFFFF"/>
+          </a:solidFill>
+          <a:ln w="0">
+            <a:solidFill>
+              <a:srgbClr val="000000"/>
+            </a:solidFill>
+            <a:prstDash val="solid"/>
+          </a:ln>
+        </p:spPr>
+        <p:txBody>
+          <a:bodyPr vert="horz" wrap="none" lIns="90703" tIns="45352" rIns="90703" bIns="45352" anchorCtr="0" compatLnSpc="0">
+            <a:spAutoFit/>
+          </a:bodyPr>
+          <a:lstStyle/>
+          <a:p>
+            <a:pPr hangingPunct="0">
+              <a:defRPr sz="3200"/>
+            </a:pPr>
+            <a:r>
+              <a:rPr lang="en-US" sz="3225" b="1" dirty="0">
+                <a:latin typeface="Liberation Sans" pitchFamily="18"/>
+                <a:ea typeface="Noto Sans CJK SC Regular" pitchFamily="2"/>
+                <a:cs typeface="FreeSans" pitchFamily="2"/>
+              </a:rPr>
+              <a:t>D</a:t>
+            </a:r>
+          </a:p>
+        </p:txBody>
+      </p:sp>
+      <p:sp>
+        <p:nvSpPr>
+          <p:cNvPr id="54" name="TextBox 53">
+            <a:extLst>
+              <a:ext uri="{FF2B5EF4-FFF2-40B4-BE49-F238E27FC236}">
+                <a16:creationId xmlns:a16="http://schemas.microsoft.com/office/drawing/2014/main" id="{A10FFB73-D886-485E-979B-8F26B6D5B976}"/>
+              </a:ext>
+            </a:extLst>
+          </p:cNvPr>
+          <p:cNvSpPr txBox="1"/>
+          <p:nvPr/>
+        </p:nvSpPr>
+        <p:spPr>
+          <a:xfrm>
+            <a:off x="20302189" y="15970190"/>
+            <a:ext cx="459045" cy="567135"/>
+          </a:xfrm>
+          <a:prstGeom prst="rect">
+            <a:avLst/>
+          </a:prstGeom>
+          <a:solidFill>
+            <a:srgbClr val="FFFFFF"/>
+          </a:solidFill>
+          <a:ln w="0">
+            <a:solidFill>
+              <a:srgbClr val="000000"/>
+            </a:solidFill>
+            <a:prstDash val="solid"/>
+          </a:ln>
+        </p:spPr>
+        <p:txBody>
+          <a:bodyPr vert="horz" wrap="none" lIns="90703" tIns="45352" rIns="90703" bIns="45352" anchorCtr="0" compatLnSpc="0">
+            <a:spAutoFit/>
+          </a:bodyPr>
+          <a:lstStyle/>
+          <a:p>
+            <a:pPr hangingPunct="0">
+              <a:defRPr sz="3200"/>
+            </a:pPr>
+            <a:r>
+              <a:rPr lang="en-US" sz="3225" b="1" dirty="0">
+                <a:latin typeface="Liberation Sans" pitchFamily="18"/>
+                <a:ea typeface="Noto Sans CJK SC Regular" pitchFamily="2"/>
+                <a:cs typeface="FreeSans" pitchFamily="2"/>
+              </a:rPr>
+              <a:t>E</a:t>
+            </a:r>
+          </a:p>
+        </p:txBody>
+      </p:sp>
+      <p:pic>
+        <p:nvPicPr>
+          <p:cNvPr id="22" name="Picture 21">
+            <a:extLst>
+              <a:ext uri="{FF2B5EF4-FFF2-40B4-BE49-F238E27FC236}">
+                <a16:creationId xmlns:a16="http://schemas.microsoft.com/office/drawing/2014/main" id="{49A9E9BA-584F-4A49-B269-F1072E0EBCC9}"/>
+              </a:ext>
+            </a:extLst>
+          </p:cNvPr>
+          <p:cNvPicPr>
+            <a:picLocks noChangeAspect="1"/>
+          </p:cNvPicPr>
+          <p:nvPr/>
+        </p:nvPicPr>
+        <p:blipFill rotWithShape="1">
+          <a:blip r:embed="rId11"/>
+          <a:srcRect t="138" b="1"/>
+          <a:stretch/>
+        </p:blipFill>
+        <p:spPr>
+          <a:xfrm>
+            <a:off x="12566806" y="8912851"/>
+            <a:ext cx="7932557" cy="3948837"/>
+          </a:xfrm>
+          <a:prstGeom prst="rect">
+            <a:avLst/>
+          </a:prstGeom>
+          <a:ln w="12700">
+            <a:solidFill>
+              <a:srgbClr val="3465A4"/>
+            </a:solidFill>
+          </a:ln>
+        </p:spPr>
+      </p:pic>
+      <p:pic>
+        <p:nvPicPr>
+          <p:cNvPr id="24" name="Picture 23">
+            <a:extLst>
+              <a:ext uri="{FF2B5EF4-FFF2-40B4-BE49-F238E27FC236}">
+                <a16:creationId xmlns:a16="http://schemas.microsoft.com/office/drawing/2014/main" id="{E08B89D4-3775-4B27-ACE8-72670D7A959D}"/>
+              </a:ext>
+            </a:extLst>
+          </p:cNvPr>
+          <p:cNvPicPr>
+            <a:picLocks noChangeAspect="1"/>
+          </p:cNvPicPr>
+          <p:nvPr/>
+        </p:nvPicPr>
+        <p:blipFill rotWithShape="1">
+          <a:blip r:embed="rId12">
+            <a:extLst>
+              <a:ext uri="{28A0092B-C50C-407E-A947-70E740481C1C}">
+                <a14:useLocalDpi xmlns:a14="http://schemas.microsoft.com/office/drawing/2010/main" val="0"/>
+              </a:ext>
+            </a:extLst>
+          </a:blip>
+          <a:srcRect l="-2498" t="-7345" r="489" b="-3853"/>
+          <a:stretch/>
+        </p:blipFill>
+        <p:spPr>
+          <a:xfrm>
+            <a:off x="11532212" y="14192966"/>
+            <a:ext cx="6254364" cy="2454443"/>
+          </a:xfrm>
+          <a:prstGeom prst="rect">
+            <a:avLst/>
+          </a:prstGeom>
+          <a:solidFill>
+            <a:schemeClr val="bg1"/>
+          </a:solidFill>
+          <a:ln w="12700">
+            <a:solidFill>
+              <a:srgbClr val="000000"/>
+            </a:solidFill>
+          </a:ln>
+        </p:spPr>
+      </p:pic>
+      <p:sp>
+        <p:nvSpPr>
+          <p:cNvPr id="52" name="TextBox 51">
+            <a:extLst>
+              <a:ext uri="{FF2B5EF4-FFF2-40B4-BE49-F238E27FC236}">
+                <a16:creationId xmlns:a16="http://schemas.microsoft.com/office/drawing/2014/main" id="{21D3A905-FD97-40A2-B778-C3CAA097C22D}"/>
+              </a:ext>
+            </a:extLst>
+          </p:cNvPr>
+          <p:cNvSpPr txBox="1"/>
+          <p:nvPr/>
+        </p:nvSpPr>
+        <p:spPr>
+          <a:xfrm>
+            <a:off x="12122475" y="14040300"/>
+            <a:ext cx="481856" cy="567135"/>
+          </a:xfrm>
+          <a:prstGeom prst="rect">
+            <a:avLst/>
+          </a:prstGeom>
+          <a:solidFill>
+            <a:srgbClr val="FFFFFF"/>
+          </a:solidFill>
+          <a:ln w="0">
+            <a:solidFill>
+              <a:srgbClr val="000000"/>
+            </a:solidFill>
+            <a:prstDash val="solid"/>
+          </a:ln>
+        </p:spPr>
+        <p:txBody>
+          <a:bodyPr vert="horz" wrap="none" lIns="90703" tIns="45352" rIns="90703" bIns="45352" anchorCtr="0" compatLnSpc="0">
+            <a:spAutoFit/>
+          </a:bodyPr>
+          <a:lstStyle/>
+          <a:p>
+            <a:pPr hangingPunct="0">
+              <a:defRPr sz="3200"/>
+            </a:pPr>
+            <a:r>
+              <a:rPr lang="en-US" sz="3225" b="1" dirty="0">
+                <a:latin typeface="Liberation Sans" pitchFamily="18"/>
+                <a:ea typeface="Noto Sans CJK SC Regular" pitchFamily="2"/>
+                <a:cs typeface="FreeSans" pitchFamily="2"/>
+              </a:rPr>
+              <a:t>C</a:t>
+            </a:r>
+          </a:p>
+        </p:txBody>
+      </p:sp>
+      <p:sp>
+        <p:nvSpPr>
+          <p:cNvPr id="45" name="Freeform: Shape 44">
+            <a:extLst>
+              <a:ext uri="{FF2B5EF4-FFF2-40B4-BE49-F238E27FC236}">
+                <a16:creationId xmlns:a16="http://schemas.microsoft.com/office/drawing/2014/main" id="{7F6B1CCE-DF89-462E-99A6-11EE4639C8DC}"/>
               </a:ext>
             </a:extLst>
           </p:cNvPr>
@@ -7883,8 +6644,8 @@
         </p:nvSpPr>
         <p:spPr>
           <a:xfrm>
-            <a:off x="11363220" y="21499290"/>
-            <a:ext cx="10088640" cy="3777480"/>
+            <a:off x="564812" y="21679870"/>
+            <a:ext cx="10744995" cy="3806992"/>
           </a:xfrm>
           <a:custGeom>
             <a:avLst>
@@ -8045,28 +6806,13 @@
           </a:ln>
         </p:spPr>
         <p:txBody>
-          <a:bodyPr vert="horz" wrap="none" lIns="90000" tIns="45000" rIns="90000" bIns="45000" anchor="ctr" anchorCtr="0" compatLnSpc="0">
+          <a:bodyPr vert="horz" wrap="none" lIns="90703" tIns="45352" rIns="90703" bIns="45352" anchor="ctr" anchorCtr="0" compatLnSpc="0">
             <a:noAutofit/>
           </a:bodyPr>
           <a:lstStyle/>
           <a:p>
-            <a:pPr marL="0" marR="0" lvl="0" indent="0" rtl="0" hangingPunct="0">
-              <a:lnSpc>
-                <a:spcPct val="100000"/>
-              </a:lnSpc>
-              <a:spcBef>
-                <a:spcPts val="0"/>
-              </a:spcBef>
-              <a:spcAft>
-                <a:spcPts val="0"/>
-              </a:spcAft>
-              <a:buNone/>
-              <a:tabLst/>
-            </a:pPr>
-            <a:endParaRPr lang="en-US" sz="1800" b="0" i="0" u="none" strike="noStrike" kern="1200" cap="none">
-              <a:ln>
-                <a:noFill/>
-              </a:ln>
+            <a:pPr hangingPunct="0"/>
+            <a:endParaRPr lang="en-US" sz="1814">
               <a:latin typeface="Liberation Sans" pitchFamily="18"/>
               <a:ea typeface="Noto Sans CJK SC Regular" pitchFamily="2"/>
               <a:cs typeface="FreeSans" pitchFamily="2"/>
@@ -8076,10 +6822,10 @@
       </p:sp>
       <p:sp>
         <p:nvSpPr>
-          <p:cNvPr id="43" name="TextBox 42">
+          <p:cNvPr id="46" name="TextBox 45">
             <a:extLst>
               <a:ext uri="{FF2B5EF4-FFF2-40B4-BE49-F238E27FC236}">
-                <a16:creationId xmlns:a16="http://schemas.microsoft.com/office/drawing/2014/main" id="{9B52200F-DD9D-4918-B5F9-7E49C5BAD709}"/>
+                <a16:creationId xmlns:a16="http://schemas.microsoft.com/office/drawing/2014/main" id="{D673F6FD-595B-4826-BC51-60144AF22F9D}"/>
               </a:ext>
             </a:extLst>
           </p:cNvPr>
@@ -8088,8 +6834,8 @@
         </p:nvSpPr>
         <p:spPr>
           <a:xfrm>
-            <a:off x="11509560" y="21628530"/>
-            <a:ext cx="9726778" cy="3187496"/>
+            <a:off x="767927" y="21896878"/>
+            <a:ext cx="10119901" cy="3212398"/>
           </a:xfrm>
           <a:prstGeom prst="rect">
             <a:avLst/>
@@ -8100,30 +6846,16 @@
           </a:ln>
         </p:spPr>
         <p:txBody>
-          <a:bodyPr vert="horz" wrap="square" lIns="90000" tIns="45000" rIns="90000" bIns="45000" anchorCtr="0" compatLnSpc="0">
+          <a:bodyPr vert="horz" wrap="square" lIns="90703" tIns="45352" rIns="90703" bIns="45352" anchorCtr="0" compatLnSpc="0">
             <a:spAutoFit/>
           </a:bodyPr>
           <a:lstStyle/>
           <a:p>
-            <a:pPr marL="0" marR="0" lvl="0" indent="0" algn="ctr" rtl="0" hangingPunct="0">
-              <a:lnSpc>
-                <a:spcPct val="100000"/>
-              </a:lnSpc>
-              <a:spcBef>
-                <a:spcPts val="0"/>
-              </a:spcBef>
-              <a:spcAft>
-                <a:spcPts val="0"/>
-              </a:spcAft>
-              <a:buNone/>
-              <a:tabLst/>
+            <a:pPr algn="ctr" hangingPunct="0">
               <a:defRPr sz="4000"/>
             </a:pPr>
             <a:r>
-              <a:rPr lang="en-US" sz="4000" b="1" i="1" u="none" strike="noStrike" kern="1200" cap="none" dirty="0">
-                <a:ln>
-                  <a:noFill/>
-                </a:ln>
+              <a:rPr lang="en-US" sz="4031" b="1" i="1" dirty="0">
                 <a:solidFill>
                   <a:srgbClr val="000080"/>
                 </a:solidFill>
@@ -8131,58 +6863,50 @@
                 <a:ea typeface="Noto Sans CJK SC Regular" pitchFamily="2"/>
                 <a:cs typeface="FreeSans" pitchFamily="2"/>
               </a:rPr>
-              <a:t>ML + RL approach</a:t>
-            </a:r>
-          </a:p>
-          <a:p>
-            <a:pPr marL="0" marR="0" lvl="0" indent="0" algn="ctr" rtl="0" hangingPunct="0">
-              <a:lnSpc>
-                <a:spcPct val="100000"/>
-              </a:lnSpc>
-              <a:spcBef>
-                <a:spcPts val="0"/>
-              </a:spcBef>
-              <a:spcAft>
-                <a:spcPts val="0"/>
-              </a:spcAft>
-              <a:buNone/>
-              <a:tabLst/>
+              <a:t>How is </a:t>
+            </a:r>
+            <a:r>
+              <a:rPr lang="en-US" sz="4031" b="1" i="1" dirty="0" err="1">
+                <a:solidFill>
+                  <a:srgbClr val="000080"/>
+                </a:solidFill>
+                <a:latin typeface="Liberation Sans" pitchFamily="18"/>
+                <a:ea typeface="Noto Sans CJK SC Regular" pitchFamily="2"/>
+                <a:cs typeface="FreeSans" pitchFamily="2"/>
+              </a:rPr>
+              <a:t>PyTorch</a:t>
+            </a:r>
+            <a:r>
+              <a:rPr lang="en-US" sz="4031" b="1" i="1" dirty="0">
+                <a:solidFill>
+                  <a:srgbClr val="000080"/>
+                </a:solidFill>
+                <a:latin typeface="Liberation Sans" pitchFamily="18"/>
+                <a:ea typeface="Noto Sans CJK SC Regular" pitchFamily="2"/>
+                <a:cs typeface="FreeSans" pitchFamily="2"/>
+              </a:rPr>
+              <a:t> used?</a:t>
+            </a:r>
+          </a:p>
+          <a:p>
+            <a:pPr hangingPunct="0">
               <a:defRPr sz="4000"/>
             </a:pPr>
-            <a:endParaRPr lang="en-US" sz="1000" b="1" i="1" u="none" strike="noStrike" kern="1200" cap="none" dirty="0">
-              <a:ln>
-                <a:noFill/>
-              </a:ln>
-              <a:solidFill>
-                <a:srgbClr val="000080"/>
-              </a:solidFill>
+            <a:endParaRPr lang="en-US" sz="1008" b="1" i="1" dirty="0">
               <a:latin typeface="Liberation Sans" pitchFamily="18"/>
               <a:ea typeface="Noto Sans CJK SC Regular" pitchFamily="2"/>
               <a:cs typeface="FreeSans" pitchFamily="2"/>
             </a:endParaRPr>
           </a:p>
           <a:p>
-            <a:pPr marL="457200" marR="0" lvl="0" indent="-457200" rtl="0" hangingPunct="0">
-              <a:lnSpc>
-                <a:spcPct val="100000"/>
-              </a:lnSpc>
-              <a:spcBef>
-                <a:spcPts val="0"/>
-              </a:spcBef>
-              <a:spcAft>
-                <a:spcPts val="0"/>
-              </a:spcAft>
+            <a:pPr marL="460766" indent="-460766" hangingPunct="0">
               <a:buSzPct val="100000"/>
               <a:buFont typeface="Arial" panose="020B0604020202020204" pitchFamily="34" charset="0"/>
               <a:buChar char="•"/>
-              <a:tabLst/>
               <a:defRPr sz="4000"/>
             </a:pPr>
             <a:r>
-              <a:rPr lang="en-US" sz="3200" b="1" i="0" u="none" strike="noStrike" kern="1200" cap="none" dirty="0">
-                <a:ln>
-                  <a:noFill/>
-                </a:ln>
+              <a:rPr lang="en-US" sz="3225" b="1" dirty="0" err="1">
                 <a:solidFill>
                   <a:srgbClr val="000080"/>
                 </a:solidFill>
@@ -8190,42 +6914,26 @@
                 <a:ea typeface="Noto Sans CJK SC Regular" pitchFamily="2"/>
                 <a:cs typeface="FreeSans" pitchFamily="2"/>
               </a:rPr>
-              <a:t>Unsupervised</a:t>
-            </a:r>
-            <a:r>
-              <a:rPr lang="en-US" sz="3200" b="0" i="0" u="none" strike="noStrike" kern="1200" cap="none" dirty="0">
-                <a:ln>
-                  <a:noFill/>
-                </a:ln>
+              <a:t>torch.Tensor</a:t>
+            </a:r>
+            <a:r>
+              <a:rPr lang="en-US" sz="3225" dirty="0">
                 <a:latin typeface="Liberation Sans" pitchFamily="18"/>
                 <a:ea typeface="Noto Sans CJK SC Regular" pitchFamily="2"/>
                 <a:cs typeface="FreeSans" pitchFamily="2"/>
               </a:rPr>
-              <a:t>: Hebbian / associational rules</a:t>
-            </a:r>
-          </a:p>
-          <a:p>
-            <a:pPr marL="457200" marR="0" lvl="0" indent="-457200" rtl="0" hangingPunct="0">
-              <a:lnSpc>
-                <a:spcPct val="100000"/>
-              </a:lnSpc>
-              <a:spcBef>
-                <a:spcPts val="0"/>
-              </a:spcBef>
-              <a:spcAft>
-                <a:spcPts val="0"/>
-              </a:spcAft>
+              <a:t> object: Linear algebra + tensor ops</a:t>
+            </a:r>
+          </a:p>
+          <a:p>
+            <a:pPr marL="460766" indent="-460766" hangingPunct="0">
               <a:buSzPct val="100000"/>
               <a:buFont typeface="Arial" panose="020B0604020202020204" pitchFamily="34" charset="0"/>
               <a:buChar char="•"/>
-              <a:tabLst/>
               <a:defRPr sz="4000"/>
             </a:pPr>
             <a:r>
-              <a:rPr lang="en-US" sz="3200" b="1" i="0" u="none" strike="noStrike" kern="1200" cap="none" dirty="0">
-                <a:ln>
-                  <a:noFill/>
-                </a:ln>
+              <a:rPr lang="en-US" sz="3225" b="1" dirty="0" err="1">
                 <a:solidFill>
                   <a:srgbClr val="000080"/>
                 </a:solidFill>
@@ -8233,42 +6941,26 @@
                 <a:ea typeface="Noto Sans CJK SC Regular" pitchFamily="2"/>
                 <a:cs typeface="FreeSans" pitchFamily="2"/>
               </a:rPr>
-              <a:t>Supervised</a:t>
-            </a:r>
-            <a:r>
-              <a:rPr lang="en-US" sz="3200" b="0" i="0" u="none" strike="noStrike" kern="1200" cap="none" dirty="0">
-                <a:ln>
-                  <a:noFill/>
-                </a:ln>
+              <a:t>torch.nn</a:t>
+            </a:r>
+            <a:r>
+              <a:rPr lang="en-US" sz="3225" dirty="0">
                 <a:latin typeface="Liberation Sans" pitchFamily="18"/>
                 <a:ea typeface="Noto Sans CJK SC Regular" pitchFamily="2"/>
                 <a:cs typeface="FreeSans" pitchFamily="2"/>
               </a:rPr>
-              <a:t>: Force class-specific neurons to spike</a:t>
-            </a:r>
-          </a:p>
-          <a:p>
-            <a:pPr marL="457200" marR="0" lvl="0" indent="-457200" rtl="0" hangingPunct="0">
-              <a:lnSpc>
-                <a:spcPct val="100000"/>
-              </a:lnSpc>
-              <a:spcBef>
-                <a:spcPts val="0"/>
-              </a:spcBef>
-              <a:spcAft>
-                <a:spcPts val="0"/>
-              </a:spcAft>
+              <a:t> module: Advanced network operations</a:t>
+            </a:r>
+          </a:p>
+          <a:p>
+            <a:pPr marL="460766" indent="-460766" hangingPunct="0">
               <a:buSzPct val="100000"/>
               <a:buFont typeface="Arial" panose="020B0604020202020204" pitchFamily="34" charset="0"/>
               <a:buChar char="•"/>
-              <a:tabLst/>
               <a:defRPr sz="4000"/>
             </a:pPr>
             <a:r>
-              <a:rPr lang="en-US" sz="3200" b="1" i="0" u="none" strike="noStrike" kern="1200" cap="none" dirty="0">
-                <a:ln>
-                  <a:noFill/>
-                </a:ln>
+              <a:rPr lang="en-US" sz="3225" b="1" dirty="0" err="1">
                 <a:solidFill>
                   <a:srgbClr val="000080"/>
                 </a:solidFill>
@@ -8276,167 +6968,110 @@
                 <a:ea typeface="Noto Sans CJK SC Regular" pitchFamily="2"/>
                 <a:cs typeface="FreeSans" pitchFamily="2"/>
               </a:rPr>
-              <a:t>RL</a:t>
-            </a:r>
-            <a:r>
-              <a:rPr lang="en-US" sz="3200" b="0" i="0" u="none" strike="noStrike" kern="1200" cap="none" dirty="0">
-                <a:ln>
-                  <a:noFill/>
-                </a:ln>
+              <a:t>torch.distributions</a:t>
+            </a:r>
+            <a:r>
+              <a:rPr lang="en-US" sz="3225" dirty="0">
+                <a:solidFill>
+                  <a:srgbClr val="000080"/>
+                </a:solidFill>
                 <a:latin typeface="Liberation Sans" pitchFamily="18"/>
                 <a:ea typeface="Noto Sans CJK SC Regular" pitchFamily="2"/>
                 <a:cs typeface="FreeSans" pitchFamily="2"/>
               </a:rPr>
-              <a:t>: Reward signal modulates learning rules</a:t>
-            </a:r>
-          </a:p>
-          <a:p>
-            <a:pPr marL="457200" marR="0" lvl="0" indent="-457200" rtl="0" hangingPunct="0">
-              <a:lnSpc>
-                <a:spcPct val="100000"/>
-              </a:lnSpc>
-              <a:spcBef>
-                <a:spcPts val="0"/>
-              </a:spcBef>
-              <a:spcAft>
-                <a:spcPts val="0"/>
-              </a:spcAft>
+              <a:t> </a:t>
+            </a:r>
+            <a:r>
+              <a:rPr lang="en-US" sz="3225" dirty="0">
+                <a:solidFill>
+                  <a:srgbClr val="000000"/>
+                </a:solidFill>
+                <a:latin typeface="Liberation Sans" pitchFamily="18"/>
+                <a:ea typeface="Noto Sans CJK SC Regular" pitchFamily="2"/>
+                <a:cs typeface="FreeSans" pitchFamily="2"/>
+              </a:rPr>
+              <a:t>module: Generating spike data</a:t>
+            </a:r>
+          </a:p>
+          <a:p>
+            <a:pPr marL="460766" indent="-460766" hangingPunct="0">
               <a:buSzPct val="100000"/>
               <a:buFont typeface="Arial" panose="020B0604020202020204" pitchFamily="34" charset="0"/>
               <a:buChar char="•"/>
-              <a:tabLst/>
               <a:defRPr sz="4000"/>
             </a:pPr>
             <a:r>
-              <a:rPr lang="en-US" sz="3200" b="0" i="1" u="none" strike="noStrike" kern="1200" cap="none" dirty="0">
-                <a:ln>
-                  <a:noFill/>
-                </a:ln>
+              <a:rPr lang="en-US" sz="3225" b="1" dirty="0" err="1">
+                <a:solidFill>
+                  <a:srgbClr val="000080"/>
+                </a:solidFill>
                 <a:latin typeface="Liberation Sans" pitchFamily="18"/>
                 <a:ea typeface="Noto Sans CJK SC Regular" pitchFamily="2"/>
                 <a:cs typeface="FreeSans" pitchFamily="2"/>
               </a:rPr>
-              <a:t>Competitive</a:t>
-            </a:r>
-            <a:r>
-              <a:rPr lang="en-US" sz="3200" b="0" i="0" u="none" strike="noStrike" kern="1200" cap="none" dirty="0">
-                <a:ln>
-                  <a:noFill/>
-                </a:ln>
+              <a:t>torch.save</a:t>
+            </a:r>
+            <a:r>
+              <a:rPr lang="en-US" sz="3225" b="1" dirty="0">
+                <a:solidFill>
+                  <a:srgbClr val="000080"/>
+                </a:solidFill>
                 <a:latin typeface="Liberation Sans" pitchFamily="18"/>
                 <a:ea typeface="Noto Sans CJK SC Regular" pitchFamily="2"/>
                 <a:cs typeface="FreeSans" pitchFamily="2"/>
               </a:rPr>
-              <a:t> inhibitory connections</a:t>
-            </a:r>
-          </a:p>
-          <a:p>
-            <a:pPr marL="457200" marR="0" lvl="0" indent="-457200" rtl="0" hangingPunct="0">
-              <a:lnSpc>
-                <a:spcPct val="100000"/>
-              </a:lnSpc>
-              <a:spcBef>
-                <a:spcPts val="0"/>
-              </a:spcBef>
-              <a:spcAft>
-                <a:spcPts val="0"/>
-              </a:spcAft>
+              <a:t>, load</a:t>
+            </a:r>
+            <a:r>
+              <a:rPr lang="en-US" sz="3225" dirty="0">
+                <a:solidFill>
+                  <a:srgbClr val="000000"/>
+                </a:solidFill>
+                <a:latin typeface="Liberation Sans" pitchFamily="18"/>
+                <a:ea typeface="Noto Sans CJK SC Regular" pitchFamily="2"/>
+                <a:cs typeface="FreeSans" pitchFamily="2"/>
+              </a:rPr>
+              <a:t>: Save / load params to / from disk</a:t>
+            </a:r>
+          </a:p>
+          <a:p>
+            <a:pPr marL="460766" indent="-460766" hangingPunct="0">
               <a:buSzPct val="100000"/>
               <a:buFont typeface="Arial" panose="020B0604020202020204" pitchFamily="34" charset="0"/>
               <a:buChar char="•"/>
-              <a:tabLst/>
               <a:defRPr sz="4000"/>
             </a:pPr>
             <a:r>
-              <a:rPr lang="en-US" sz="3200" b="0" i="1" u="none" strike="noStrike" kern="1200" cap="none" dirty="0">
-                <a:ln>
-                  <a:noFill/>
-                </a:ln>
+              <a:rPr lang="en-US" sz="3225" b="1" dirty="0" err="1">
+                <a:solidFill>
+                  <a:srgbClr val="000080"/>
+                </a:solidFill>
                 <a:latin typeface="Liberation Sans" pitchFamily="18"/>
                 <a:ea typeface="Noto Sans CJK SC Regular" pitchFamily="2"/>
                 <a:cs typeface="FreeSans" pitchFamily="2"/>
               </a:rPr>
-              <a:t>Cooperative</a:t>
-            </a:r>
-            <a:r>
-              <a:rPr lang="en-US" sz="3200" b="0" i="0" u="none" strike="noStrike" kern="1200" cap="none" dirty="0">
-                <a:ln>
-                  <a:noFill/>
-                </a:ln>
+              <a:t>torchvision.datasets</a:t>
+            </a:r>
+            <a:r>
+              <a:rPr lang="en-US" sz="3225" dirty="0">
+                <a:solidFill>
+                  <a:srgbClr val="000000"/>
+                </a:solidFill>
                 <a:latin typeface="Liberation Sans" pitchFamily="18"/>
                 <a:ea typeface="Noto Sans CJK SC Regular" pitchFamily="2"/>
                 <a:cs typeface="FreeSans" pitchFamily="2"/>
               </a:rPr>
-              <a:t> excitatory connections</a:t>
-            </a:r>
-          </a:p>
-        </p:txBody>
-      </p:sp>
-      <p:sp>
-        <p:nvSpPr>
-          <p:cNvPr id="44" name="TextBox 43">
+              <a:t>: Planned integration!</a:t>
+            </a:r>
+          </a:p>
+        </p:txBody>
+      </p:sp>
+      <p:pic>
+        <p:nvPicPr>
+          <p:cNvPr id="29" name="Picture 28">
             <a:extLst>
               <a:ext uri="{FF2B5EF4-FFF2-40B4-BE49-F238E27FC236}">
-                <a16:creationId xmlns:a16="http://schemas.microsoft.com/office/drawing/2014/main" id="{0A70CD10-AD89-40E1-9E23-ABF6C2A091CA}"/>
-              </a:ext>
-            </a:extLst>
-          </p:cNvPr>
-          <p:cNvSpPr txBox="1"/>
-          <p:nvPr/>
-        </p:nvSpPr>
-        <p:spPr>
-          <a:xfrm>
-            <a:off x="640080" y="2981520"/>
-            <a:ext cx="5120639" cy="457200"/>
-          </a:xfrm>
-          <a:prstGeom prst="rect">
-            <a:avLst/>
-          </a:prstGeom>
-          <a:noFill/>
-          <a:ln>
-            <a:noFill/>
-          </a:ln>
-        </p:spPr>
-        <p:txBody>
-          <a:bodyPr vert="horz" wrap="none" lIns="90000" tIns="45000" rIns="90000" bIns="45000" anchorCtr="0" compatLnSpc="0">
-            <a:spAutoFit/>
-          </a:bodyPr>
-          <a:lstStyle/>
-          <a:p>
-            <a:pPr marL="0" marR="0" lvl="0" indent="0" rtl="0" hangingPunct="0">
-              <a:lnSpc>
-                <a:spcPct val="100000"/>
-              </a:lnSpc>
-              <a:spcBef>
-                <a:spcPts val="0"/>
-              </a:spcBef>
-              <a:spcAft>
-                <a:spcPts val="0"/>
-              </a:spcAft>
-              <a:buNone/>
-              <a:tabLst/>
-              <a:defRPr sz="2000"/>
-            </a:pPr>
-            <a:r>
-              <a:rPr lang="en-US" sz="2000" b="1" i="0" u="none" strike="noStrike" kern="1200" cap="none">
-                <a:ln>
-                  <a:noFill/>
-                </a:ln>
-                <a:latin typeface="Calibri" pitchFamily="34"/>
-                <a:ea typeface="Noto Sans CJK SC Regular" pitchFamily="2"/>
-                <a:cs typeface="FreeSans" pitchFamily="2"/>
-              </a:rPr>
-              <a:t>https://github.com/Hananel-Hazan/bindsnet</a:t>
-            </a:r>
-          </a:p>
-        </p:txBody>
-      </p:sp>
-      <p:pic>
-        <p:nvPicPr>
-          <p:cNvPr id="50" name="Picture 49">
-            <a:extLst>
-              <a:ext uri="{FF2B5EF4-FFF2-40B4-BE49-F238E27FC236}">
-                <a16:creationId xmlns:a16="http://schemas.microsoft.com/office/drawing/2014/main" id="{CA1E0062-5D91-4894-A22F-E41B5976D0A9}"/>
+                <a16:creationId xmlns:a16="http://schemas.microsoft.com/office/drawing/2014/main" id="{FD49D2E5-B8B1-42F9-B0D4-34CB3FB0C799}"/>
               </a:ext>
             </a:extLst>
           </p:cNvPr>
@@ -8446,7 +7081,7 @@
           <p:nvPr/>
         </p:nvPicPr>
         <p:blipFill>
-          <a:blip r:embed="rId12">
+          <a:blip r:embed="rId13">
             <a:extLst>
               <a:ext uri="{28A0092B-C50C-407E-A947-70E740481C1C}">
                 <a14:useLocalDpi xmlns:a14="http://schemas.microsoft.com/office/drawing/2010/main" val="0"/>
@@ -8459,8 +7094,8 @@
         </p:blipFill>
         <p:spPr>
           <a:xfrm>
-            <a:off x="5884097" y="14172480"/>
-            <a:ext cx="5395142" cy="4849921"/>
+            <a:off x="6074994" y="14403389"/>
+            <a:ext cx="5237006" cy="4748538"/>
           </a:xfrm>
           <a:prstGeom prst="rect">
             <a:avLst/>
@@ -8486,8 +7121,8 @@
         </p:nvSpPr>
         <p:spPr>
           <a:xfrm>
-            <a:off x="10404924" y="18544938"/>
-            <a:ext cx="478121" cy="562739"/>
+            <a:off x="10537038" y="18488385"/>
+            <a:ext cx="481856" cy="567135"/>
           </a:xfrm>
           <a:prstGeom prst="rect">
             <a:avLst/>
@@ -8503,242 +7138,21 @@
           </a:ln>
         </p:spPr>
         <p:txBody>
-          <a:bodyPr vert="horz" wrap="none" lIns="90000" tIns="45000" rIns="90000" bIns="45000" anchorCtr="0" compatLnSpc="0">
+          <a:bodyPr vert="horz" wrap="none" lIns="90703" tIns="45352" rIns="90703" bIns="45352" anchorCtr="0" compatLnSpc="0">
             <a:spAutoFit/>
           </a:bodyPr>
           <a:lstStyle/>
           <a:p>
-            <a:pPr marL="0" marR="0" lvl="0" indent="0" rtl="0" hangingPunct="0">
-              <a:lnSpc>
-                <a:spcPct val="100000"/>
-              </a:lnSpc>
-              <a:spcBef>
-                <a:spcPts val="0"/>
-              </a:spcBef>
-              <a:spcAft>
-                <a:spcPts val="0"/>
-              </a:spcAft>
-              <a:buNone/>
-              <a:tabLst/>
+            <a:pPr hangingPunct="0">
               <a:defRPr sz="3200"/>
             </a:pPr>
             <a:r>
-              <a:rPr lang="en-US" sz="3200" b="1" dirty="0">
+              <a:rPr lang="en-US" sz="3225" b="1" dirty="0">
                 <a:latin typeface="Liberation Sans" pitchFamily="18"/>
                 <a:ea typeface="Noto Sans CJK SC Regular" pitchFamily="2"/>
                 <a:cs typeface="FreeSans" pitchFamily="2"/>
               </a:rPr>
               <a:t>B</a:t>
-            </a:r>
-            <a:endParaRPr lang="en-US" sz="3200" b="1" i="0" u="none" strike="noStrike" kern="1200" cap="none" dirty="0">
-              <a:ln>
-                <a:noFill/>
-              </a:ln>
-              <a:latin typeface="Liberation Sans" pitchFamily="18"/>
-              <a:ea typeface="Noto Sans CJK SC Regular" pitchFamily="2"/>
-              <a:cs typeface="FreeSans" pitchFamily="2"/>
-            </a:endParaRPr>
-          </a:p>
-        </p:txBody>
-      </p:sp>
-      <p:sp>
-        <p:nvSpPr>
-          <p:cNvPr id="52" name="TextBox 51">
-            <a:extLst>
-              <a:ext uri="{FF2B5EF4-FFF2-40B4-BE49-F238E27FC236}">
-                <a16:creationId xmlns:a16="http://schemas.microsoft.com/office/drawing/2014/main" id="{21D3A905-FD97-40A2-B778-C3CAA097C22D}"/>
-              </a:ext>
-            </a:extLst>
-          </p:cNvPr>
-          <p:cNvSpPr txBox="1"/>
-          <p:nvPr/>
-        </p:nvSpPr>
-        <p:spPr>
-          <a:xfrm>
-            <a:off x="12000148" y="13931460"/>
-            <a:ext cx="478121" cy="562739"/>
-          </a:xfrm>
-          <a:prstGeom prst="rect">
-            <a:avLst/>
-          </a:prstGeom>
-          <a:solidFill>
-            <a:srgbClr val="FFFFFF"/>
-          </a:solidFill>
-          <a:ln w="0">
-            <a:solidFill>
-              <a:srgbClr val="000000"/>
-            </a:solidFill>
-            <a:prstDash val="solid"/>
-          </a:ln>
-        </p:spPr>
-        <p:txBody>
-          <a:bodyPr vert="horz" wrap="none" lIns="90000" tIns="45000" rIns="90000" bIns="45000" anchorCtr="0" compatLnSpc="0">
-            <a:spAutoFit/>
-          </a:bodyPr>
-          <a:lstStyle/>
-          <a:p>
-            <a:pPr marL="0" marR="0" lvl="0" indent="0" rtl="0" hangingPunct="0">
-              <a:lnSpc>
-                <a:spcPct val="100000"/>
-              </a:lnSpc>
-              <a:spcBef>
-                <a:spcPts val="0"/>
-              </a:spcBef>
-              <a:spcAft>
-                <a:spcPts val="0"/>
-              </a:spcAft>
-              <a:buNone/>
-              <a:tabLst/>
-              <a:defRPr sz="3200"/>
-            </a:pPr>
-            <a:r>
-              <a:rPr lang="en-US" sz="3200" b="1" dirty="0">
-                <a:latin typeface="Liberation Sans" pitchFamily="18"/>
-                <a:ea typeface="Noto Sans CJK SC Regular" pitchFamily="2"/>
-                <a:cs typeface="FreeSans" pitchFamily="2"/>
-              </a:rPr>
-              <a:t>C</a:t>
-            </a:r>
-            <a:endParaRPr lang="en-US" sz="3200" b="1" i="0" u="none" strike="noStrike" kern="1200" cap="none" dirty="0">
-              <a:ln>
-                <a:noFill/>
-              </a:ln>
-              <a:latin typeface="Liberation Sans" pitchFamily="18"/>
-              <a:ea typeface="Noto Sans CJK SC Regular" pitchFamily="2"/>
-              <a:cs typeface="FreeSans" pitchFamily="2"/>
-            </a:endParaRPr>
-          </a:p>
-        </p:txBody>
-      </p:sp>
-      <p:sp>
-        <p:nvSpPr>
-          <p:cNvPr id="53" name="TextBox 52">
-            <a:extLst>
-              <a:ext uri="{FF2B5EF4-FFF2-40B4-BE49-F238E27FC236}">
-                <a16:creationId xmlns:a16="http://schemas.microsoft.com/office/drawing/2014/main" id="{13E2CE2E-7D9B-4B8F-8B09-ECA4B04EACD2}"/>
-              </a:ext>
-            </a:extLst>
-          </p:cNvPr>
-          <p:cNvSpPr txBox="1"/>
-          <p:nvPr/>
-        </p:nvSpPr>
-        <p:spPr>
-          <a:xfrm>
-            <a:off x="15772914" y="17326231"/>
-            <a:ext cx="478121" cy="562739"/>
-          </a:xfrm>
-          <a:prstGeom prst="rect">
-            <a:avLst/>
-          </a:prstGeom>
-          <a:solidFill>
-            <a:srgbClr val="FFFFFF"/>
-          </a:solidFill>
-          <a:ln w="0">
-            <a:solidFill>
-              <a:srgbClr val="000000"/>
-            </a:solidFill>
-            <a:prstDash val="solid"/>
-          </a:ln>
-        </p:spPr>
-        <p:txBody>
-          <a:bodyPr vert="horz" wrap="none" lIns="90000" tIns="45000" rIns="90000" bIns="45000" anchorCtr="0" compatLnSpc="0">
-            <a:spAutoFit/>
-          </a:bodyPr>
-          <a:lstStyle/>
-          <a:p>
-            <a:pPr marL="0" marR="0" lvl="0" indent="0" rtl="0" hangingPunct="0">
-              <a:lnSpc>
-                <a:spcPct val="100000"/>
-              </a:lnSpc>
-              <a:spcBef>
-                <a:spcPts val="0"/>
-              </a:spcBef>
-              <a:spcAft>
-                <a:spcPts val="0"/>
-              </a:spcAft>
-              <a:buNone/>
-              <a:tabLst/>
-              <a:defRPr sz="3200"/>
-            </a:pPr>
-            <a:r>
-              <a:rPr lang="en-US" sz="3200" b="1" dirty="0">
-                <a:latin typeface="Liberation Sans" pitchFamily="18"/>
-                <a:ea typeface="Noto Sans CJK SC Regular" pitchFamily="2"/>
-                <a:cs typeface="FreeSans" pitchFamily="2"/>
-              </a:rPr>
-              <a:t>D</a:t>
-            </a:r>
-            <a:endParaRPr lang="en-US" sz="3200" b="1" i="0" u="none" strike="noStrike" kern="1200" cap="none" dirty="0">
-              <a:ln>
-                <a:noFill/>
-              </a:ln>
-              <a:latin typeface="Liberation Sans" pitchFamily="18"/>
-              <a:ea typeface="Noto Sans CJK SC Regular" pitchFamily="2"/>
-              <a:cs typeface="FreeSans" pitchFamily="2"/>
-            </a:endParaRPr>
-          </a:p>
-        </p:txBody>
-      </p:sp>
-      <p:sp>
-        <p:nvSpPr>
-          <p:cNvPr id="54" name="TextBox 53">
-            <a:extLst>
-              <a:ext uri="{FF2B5EF4-FFF2-40B4-BE49-F238E27FC236}">
-                <a16:creationId xmlns:a16="http://schemas.microsoft.com/office/drawing/2014/main" id="{A10FFB73-D886-485E-979B-8F26B6D5B976}"/>
-              </a:ext>
-            </a:extLst>
-          </p:cNvPr>
-          <p:cNvSpPr txBox="1"/>
-          <p:nvPr/>
-        </p:nvSpPr>
-        <p:spPr>
-          <a:xfrm>
-            <a:off x="19963078" y="15702067"/>
-            <a:ext cx="455487" cy="562739"/>
-          </a:xfrm>
-          <a:prstGeom prst="rect">
-            <a:avLst/>
-          </a:prstGeom>
-          <a:solidFill>
-            <a:srgbClr val="FFFFFF"/>
-          </a:solidFill>
-          <a:ln w="0">
-            <a:solidFill>
-              <a:srgbClr val="000000"/>
-            </a:solidFill>
-            <a:prstDash val="solid"/>
-          </a:ln>
-        </p:spPr>
-        <p:txBody>
-          <a:bodyPr vert="horz" wrap="none" lIns="90000" tIns="45000" rIns="90000" bIns="45000" anchorCtr="0" compatLnSpc="0">
-            <a:spAutoFit/>
-          </a:bodyPr>
-          <a:lstStyle/>
-          <a:p>
-            <a:pPr marL="0" marR="0" lvl="0" indent="0" rtl="0" hangingPunct="0">
-              <a:lnSpc>
-                <a:spcPct val="100000"/>
-              </a:lnSpc>
-              <a:spcBef>
-                <a:spcPts val="0"/>
-              </a:spcBef>
-              <a:spcAft>
-                <a:spcPts val="0"/>
-              </a:spcAft>
-              <a:buNone/>
-              <a:tabLst/>
-              <a:defRPr sz="3200"/>
-            </a:pPr>
-            <a:r>
-              <a:rPr lang="en-US" sz="3200" b="1" i="0" u="none" strike="noStrike" kern="1200" cap="none" dirty="0">
-                <a:ln>
-                  <a:noFill/>
-                </a:ln>
-                <a:latin typeface="Liberation Sans" pitchFamily="18"/>
-                <a:ea typeface="Noto Sans CJK SC Regular" pitchFamily="2"/>
-                <a:cs typeface="FreeSans" pitchFamily="2"/>
-              </a:rPr>
-              <a:t>E</a:t>
             </a:r>
           </a:p>
         </p:txBody>
@@ -8754,7 +7168,7 @@
 <file path=ppt/theme/theme1.xml><?xml version="1.0" encoding="utf-8"?>
 <a:theme xmlns:a="http://schemas.openxmlformats.org/drawingml/2006/main" name="Default">
   <a:themeElements>
-    <a:clrScheme name="Office">
+    <a:clrScheme name="Office Theme">
       <a:dk1>
         <a:sysClr val="windowText" lastClr="000000"/>
       </a:dk1>
@@ -8792,7 +7206,7 @@
         <a:srgbClr val="954F72"/>
       </a:folHlink>
     </a:clrScheme>
-    <a:fontScheme name="Office">
+    <a:fontScheme name="Office Theme">
       <a:majorFont>
         <a:latin typeface="Calibri Light" panose="020F0302020204030204"/>
         <a:ea typeface=""/>
@@ -8827,23 +7241,6 @@
         <a:font script="Viet" typeface="Times New Roman"/>
         <a:font script="Uigh" typeface="Microsoft Uighur"/>
         <a:font script="Geor" typeface="Sylfaen"/>
-        <a:font script="Armn" typeface="Arial"/>
-        <a:font script="Bugi" typeface="Leelawadee UI"/>
-        <a:font script="Bopo" typeface="Microsoft JhengHei"/>
-        <a:font script="Java" typeface="Javanese Text"/>
-        <a:font script="Lisu" typeface="Segoe UI"/>
-        <a:font script="Mymr" typeface="Myanmar Text"/>
-        <a:font script="Nkoo" typeface="Ebrima"/>
-        <a:font script="Olck" typeface="Nirmala UI"/>
-        <a:font script="Osma" typeface="Ebrima"/>
-        <a:font script="Phag" typeface="Phagspa"/>
-        <a:font script="Syrn" typeface="Estrangelo Edessa"/>
-        <a:font script="Syrj" typeface="Estrangelo Edessa"/>
-        <a:font script="Syre" typeface="Estrangelo Edessa"/>
-        <a:font script="Sora" typeface="Nirmala UI"/>
-        <a:font script="Tale" typeface="Microsoft Tai Le"/>
-        <a:font script="Talu" typeface="Microsoft New Tai Lue"/>
-        <a:font script="Tfng" typeface="Ebrima"/>
       </a:majorFont>
       <a:minorFont>
         <a:latin typeface="Calibri" panose="020F0502020204030204"/>
@@ -8879,26 +7276,9 @@
         <a:font script="Viet" typeface="Arial"/>
         <a:font script="Uigh" typeface="Microsoft Uighur"/>
         <a:font script="Geor" typeface="Sylfaen"/>
-        <a:font script="Armn" typeface="Arial"/>
-        <a:font script="Bugi" typeface="Leelawadee UI"/>
-        <a:font script="Bopo" typeface="Microsoft JhengHei"/>
-        <a:font script="Java" typeface="Javanese Text"/>
-        <a:font script="Lisu" typeface="Segoe UI"/>
-        <a:font script="Mymr" typeface="Myanmar Text"/>
-        <a:font script="Nkoo" typeface="Ebrima"/>
-        <a:font script="Olck" typeface="Nirmala UI"/>
-        <a:font script="Osma" typeface="Ebrima"/>
-        <a:font script="Phag" typeface="Phagspa"/>
-        <a:font script="Syrn" typeface="Estrangelo Edessa"/>
-        <a:font script="Syrj" typeface="Estrangelo Edessa"/>
-        <a:font script="Syre" typeface="Estrangelo Edessa"/>
-        <a:font script="Sora" typeface="Nirmala UI"/>
-        <a:font script="Tale" typeface="Microsoft Tai Le"/>
-        <a:font script="Talu" typeface="Microsoft New Tai Lue"/>
-        <a:font script="Tfng" typeface="Ebrima"/>
       </a:minorFont>
     </a:fontScheme>
-    <a:fmtScheme name="Office">
+    <a:fmtScheme name="Office Theme">
       <a:fillStyleLst>
         <a:solidFill>
           <a:schemeClr val="phClr"/>
